--- a/Files/Apresentações/Apresentação Final.pptx
+++ b/Files/Apresentações/Apresentação Final.pptx
@@ -5,31 +5,33 @@
     <p:sldMasterId id="2147484017" r:id="rId1"/>
   </p:sldMasterIdLst>
   <p:notesMasterIdLst>
-    <p:notesMasterId r:id="rId24"/>
+    <p:notesMasterId r:id="rId26"/>
   </p:notesMasterIdLst>
   <p:sldIdLst>
     <p:sldId id="256" r:id="rId2"/>
     <p:sldId id="299" r:id="rId3"/>
-    <p:sldId id="290" r:id="rId4"/>
-    <p:sldId id="271" r:id="rId5"/>
-    <p:sldId id="285" r:id="rId6"/>
-    <p:sldId id="293" r:id="rId7"/>
-    <p:sldId id="289" r:id="rId8"/>
-    <p:sldId id="286" r:id="rId9"/>
-    <p:sldId id="287" r:id="rId10"/>
-    <p:sldId id="288" r:id="rId11"/>
-    <p:sldId id="274" r:id="rId12"/>
-    <p:sldId id="291" r:id="rId13"/>
-    <p:sldId id="296" r:id="rId14"/>
-    <p:sldId id="295" r:id="rId15"/>
-    <p:sldId id="292" r:id="rId16"/>
-    <p:sldId id="278" r:id="rId17"/>
-    <p:sldId id="279" r:id="rId18"/>
-    <p:sldId id="280" r:id="rId19"/>
-    <p:sldId id="294" r:id="rId20"/>
-    <p:sldId id="297" r:id="rId21"/>
-    <p:sldId id="284" r:id="rId22"/>
-    <p:sldId id="300" r:id="rId23"/>
+    <p:sldId id="271" r:id="rId4"/>
+    <p:sldId id="285" r:id="rId5"/>
+    <p:sldId id="293" r:id="rId6"/>
+    <p:sldId id="289" r:id="rId7"/>
+    <p:sldId id="274" r:id="rId8"/>
+    <p:sldId id="291" r:id="rId9"/>
+    <p:sldId id="296" r:id="rId10"/>
+    <p:sldId id="295" r:id="rId11"/>
+    <p:sldId id="292" r:id="rId12"/>
+    <p:sldId id="301" r:id="rId13"/>
+    <p:sldId id="302" r:id="rId14"/>
+    <p:sldId id="303" r:id="rId15"/>
+    <p:sldId id="304" r:id="rId16"/>
+    <p:sldId id="305" r:id="rId17"/>
+    <p:sldId id="306" r:id="rId18"/>
+    <p:sldId id="278" r:id="rId19"/>
+    <p:sldId id="279" r:id="rId20"/>
+    <p:sldId id="280" r:id="rId21"/>
+    <p:sldId id="294" r:id="rId22"/>
+    <p:sldId id="297" r:id="rId23"/>
+    <p:sldId id="284" r:id="rId24"/>
+    <p:sldId id="300" r:id="rId25"/>
   </p:sldIdLst>
   <p:sldSz cx="12192000" cy="6858000"/>
   <p:notesSz cx="6858000" cy="9144000"/>
@@ -141,36 +143,51 @@
             <p14:sldId id="299"/>
           </p14:sldIdLst>
         </p14:section>
-        <p14:section name="Introdução" id="{631EC9D2-8C10-4D5F-A995-5D804A7B921B}">
+        <p14:section name="1. Introdução" id="{631EC9D2-8C10-4D5F-A995-5D804A7B921B}">
           <p14:sldIdLst>
-            <p14:sldId id="290"/>
             <p14:sldId id="271"/>
             <p14:sldId id="285"/>
             <p14:sldId id="293"/>
             <p14:sldId id="289"/>
-            <p14:sldId id="286"/>
-            <p14:sldId id="287"/>
-            <p14:sldId id="288"/>
           </p14:sldIdLst>
         </p14:section>
-        <p14:section name="Marco teórico" id="{7E8B1752-E27E-46C0-B627-BFADF848E454}">
+        <p14:section name="2. Marco teórico" id="{7E8B1752-E27E-46C0-B627-BFADF848E454}">
           <p14:sldIdLst>
             <p14:sldId id="274"/>
             <p14:sldId id="291"/>
             <p14:sldId id="296"/>
             <p14:sldId id="295"/>
             <p14:sldId id="292"/>
+            <p14:sldId id="301"/>
+            <p14:sldId id="302"/>
           </p14:sldIdLst>
         </p14:section>
-        <p14:section name="Estrutura da Instituição" id="{40CB493A-3A91-4701-BB1E-E71CD519D621}">
-          <p14:sldIdLst/>
+        <p14:section name="3. Estrutura da Instituição" id="{40CB493A-3A91-4701-BB1E-E71CD519D621}">
+          <p14:sldIdLst>
+            <p14:sldId id="303"/>
+            <p14:sldId id="304"/>
+            <p14:sldId id="305"/>
+            <p14:sldId id="306"/>
+          </p14:sldIdLst>
         </p14:section>
-        <p14:section name="Modelagem" id="{44107122-2B3F-43BC-8C99-4633C768A6D4}">
+        <p14:section name="4. Modelagem" id="{44107122-2B3F-43BC-8C99-4633C768A6D4}">
           <p14:sldIdLst>
             <p14:sldId id="278"/>
             <p14:sldId id="279"/>
             <p14:sldId id="280"/>
           </p14:sldIdLst>
+        </p14:section>
+        <p14:section name="5. Desenvolvimento" id="{0E6559F3-DF50-4EC2-9F78-9C35365435C0}">
+          <p14:sldIdLst/>
+        </p14:section>
+        <p14:section name="6. Experimentos" id="{06371803-AF61-47EA-8004-443586537D21}">
+          <p14:sldIdLst/>
+        </p14:section>
+        <p14:section name="7. Resultados" id="{53284960-946E-4BE6-903B-C4660CBCB771}">
+          <p14:sldIdLst/>
+        </p14:section>
+        <p14:section name="8. Conclusões" id="{314D5F90-7A40-4948-B20B-B14B07C83734}">
+          <p14:sldIdLst/>
         </p14:section>
         <p14:section name="Referências" id="{F34F419B-E5E7-471F-89DE-278D8A346BD7}">
           <p14:sldIdLst>
@@ -178,15 +195,6 @@
             <p14:sldId id="297"/>
             <p14:sldId id="284"/>
           </p14:sldIdLst>
-        </p14:section>
-        <p14:section name="Desenvolvimento" id="{A491F545-42C0-4949-A246-69BB7474CD13}">
-          <p14:sldIdLst/>
-        </p14:section>
-        <p14:section name="Resultados" id="{FEA912B2-189D-4EAF-8AD0-7869C8C18BDF}">
-          <p14:sldIdLst/>
-        </p14:section>
-        <p14:section name="Conclusões" id="{EFD3DE96-DE57-4E4E-968C-CC7E8B2CDDFB}">
-          <p14:sldIdLst/>
         </p14:section>
         <p14:section name="Fim" id="{22976D6D-4591-4AB9-9441-96511BAE69AE}">
           <p14:sldIdLst>
@@ -307,7 +315,7 @@
           <a:p>
             <a:fld id="{AE57BCB8-9197-4232-B327-02F0BAB58BB4}" type="datetimeFigureOut">
               <a:rPr lang="pt-BR" smtClean="0"/>
-              <a:t>10/05/2024</a:t>
+              <a:t>11/05/2024</a:t>
             </a:fld>
             <a:endParaRPr lang="pt-BR" dirty="0"/>
           </a:p>
@@ -803,7 +811,7 @@
           <a:p>
             <a:fld id="{C8785D55-00AA-4F15-B34A-75B17893B5FF}" type="datetimeFigureOut">
               <a:rPr lang="pt-BR" smtClean="0"/>
-              <a:t>10/05/2024</a:t>
+              <a:t>11/05/2024</a:t>
             </a:fld>
             <a:endParaRPr lang="pt-BR" dirty="0"/>
           </a:p>
@@ -1137,7 +1145,7 @@
           <a:p>
             <a:fld id="{C8785D55-00AA-4F15-B34A-75B17893B5FF}" type="datetimeFigureOut">
               <a:rPr lang="pt-BR" smtClean="0"/>
-              <a:t>10/05/2024</a:t>
+              <a:t>11/05/2024</a:t>
             </a:fld>
             <a:endParaRPr lang="pt-BR" dirty="0"/>
           </a:p>
@@ -1415,7 +1423,7 @@
           <a:p>
             <a:fld id="{C8785D55-00AA-4F15-B34A-75B17893B5FF}" type="datetimeFigureOut">
               <a:rPr lang="pt-BR" smtClean="0"/>
-              <a:t>10/05/2024</a:t>
+              <a:t>11/05/2024</a:t>
             </a:fld>
             <a:endParaRPr lang="pt-BR" dirty="0"/>
           </a:p>
@@ -1983,7 +1991,7 @@
           <a:p>
             <a:fld id="{C8785D55-00AA-4F15-B34A-75B17893B5FF}" type="datetimeFigureOut">
               <a:rPr lang="pt-BR" smtClean="0"/>
-              <a:t>10/05/2024</a:t>
+              <a:t>11/05/2024</a:t>
             </a:fld>
             <a:endParaRPr lang="pt-BR" dirty="0"/>
           </a:p>
@@ -2261,7 +2269,7 @@
           <a:p>
             <a:fld id="{C8785D55-00AA-4F15-B34A-75B17893B5FF}" type="datetimeFigureOut">
               <a:rPr lang="pt-BR" smtClean="0"/>
-              <a:t>10/05/2024</a:t>
+              <a:t>11/05/2024</a:t>
             </a:fld>
             <a:endParaRPr lang="pt-BR" dirty="0"/>
           </a:p>
@@ -2823,7 +2831,7 @@
           <a:p>
             <a:fld id="{C8785D55-00AA-4F15-B34A-75B17893B5FF}" type="datetimeFigureOut">
               <a:rPr lang="pt-BR" smtClean="0"/>
-              <a:t>10/05/2024</a:t>
+              <a:t>11/05/2024</a:t>
             </a:fld>
             <a:endParaRPr lang="pt-BR" dirty="0"/>
           </a:p>
@@ -3150,7 +3158,7 @@
           <a:p>
             <a:fld id="{C8785D55-00AA-4F15-B34A-75B17893B5FF}" type="datetimeFigureOut">
               <a:rPr lang="pt-BR" smtClean="0"/>
-              <a:t>10/05/2024</a:t>
+              <a:t>11/05/2024</a:t>
             </a:fld>
             <a:endParaRPr lang="pt-BR" dirty="0"/>
           </a:p>
@@ -3355,7 +3363,7 @@
           <a:p>
             <a:fld id="{C8785D55-00AA-4F15-B34A-75B17893B5FF}" type="datetimeFigureOut">
               <a:rPr lang="pt-BR" smtClean="0"/>
-              <a:t>10/05/2024</a:t>
+              <a:t>11/05/2024</a:t>
             </a:fld>
             <a:endParaRPr lang="pt-BR" dirty="0"/>
           </a:p>
@@ -3565,7 +3573,7 @@
           <a:p>
             <a:fld id="{C8785D55-00AA-4F15-B34A-75B17893B5FF}" type="datetimeFigureOut">
               <a:rPr lang="pt-BR" smtClean="0"/>
-              <a:t>10/05/2024</a:t>
+              <a:t>11/05/2024</a:t>
             </a:fld>
             <a:endParaRPr lang="pt-BR" dirty="0"/>
           </a:p>
@@ -3765,7 +3773,7 @@
           <a:p>
             <a:fld id="{C8785D55-00AA-4F15-B34A-75B17893B5FF}" type="datetimeFigureOut">
               <a:rPr lang="pt-BR" smtClean="0"/>
-              <a:t>10/05/2024</a:t>
+              <a:t>11/05/2024</a:t>
             </a:fld>
             <a:endParaRPr lang="pt-BR" dirty="0"/>
           </a:p>
@@ -4077,7 +4085,7 @@
           <a:p>
             <a:fld id="{C8785D55-00AA-4F15-B34A-75B17893B5FF}" type="datetimeFigureOut">
               <a:rPr lang="pt-BR" smtClean="0"/>
-              <a:t>10/05/2024</a:t>
+              <a:t>11/05/2024</a:t>
             </a:fld>
             <a:endParaRPr lang="pt-BR" dirty="0"/>
           </a:p>
@@ -4343,7 +4351,7 @@
           <a:p>
             <a:fld id="{C8785D55-00AA-4F15-B34A-75B17893B5FF}" type="datetimeFigureOut">
               <a:rPr lang="pt-BR" smtClean="0"/>
-              <a:t>10/05/2024</a:t>
+              <a:t>11/05/2024</a:t>
             </a:fld>
             <a:endParaRPr lang="pt-BR" dirty="0"/>
           </a:p>
@@ -4717,7 +4725,7 @@
           <a:p>
             <a:fld id="{C8785D55-00AA-4F15-B34A-75B17893B5FF}" type="datetimeFigureOut">
               <a:rPr lang="pt-BR" smtClean="0"/>
-              <a:t>10/05/2024</a:t>
+              <a:t>11/05/2024</a:t>
             </a:fld>
             <a:endParaRPr lang="pt-BR" dirty="0"/>
           </a:p>
@@ -4865,7 +4873,7 @@
           <a:p>
             <a:fld id="{C8785D55-00AA-4F15-B34A-75B17893B5FF}" type="datetimeFigureOut">
               <a:rPr lang="pt-BR" smtClean="0"/>
-              <a:t>10/05/2024</a:t>
+              <a:t>11/05/2024</a:t>
             </a:fld>
             <a:endParaRPr lang="pt-BR" dirty="0"/>
           </a:p>
@@ -4990,7 +4998,7 @@
           <a:p>
             <a:fld id="{C8785D55-00AA-4F15-B34A-75B17893B5FF}" type="datetimeFigureOut">
               <a:rPr lang="pt-BR" smtClean="0"/>
-              <a:t>10/05/2024</a:t>
+              <a:t>11/05/2024</a:t>
             </a:fld>
             <a:endParaRPr lang="pt-BR" dirty="0"/>
           </a:p>
@@ -5275,7 +5283,7 @@
           <a:p>
             <a:fld id="{C8785D55-00AA-4F15-B34A-75B17893B5FF}" type="datetimeFigureOut">
               <a:rPr lang="pt-BR" smtClean="0"/>
-              <a:t>10/05/2024</a:t>
+              <a:t>11/05/2024</a:t>
             </a:fld>
             <a:endParaRPr lang="pt-BR" dirty="0"/>
           </a:p>
@@ -5599,7 +5607,7 @@
           <a:p>
             <a:fld id="{C8785D55-00AA-4F15-B34A-75B17893B5FF}" type="datetimeFigureOut">
               <a:rPr lang="pt-BR" smtClean="0"/>
-              <a:t>10/05/2024</a:t>
+              <a:t>11/05/2024</a:t>
             </a:fld>
             <a:endParaRPr lang="pt-BR" dirty="0"/>
           </a:p>
@@ -5813,7 +5821,7 @@
           <a:p>
             <a:fld id="{C8785D55-00AA-4F15-B34A-75B17893B5FF}" type="datetimeFigureOut">
               <a:rPr lang="pt-BR" smtClean="0"/>
-              <a:t>10/05/2024</a:t>
+              <a:t>11/05/2024</a:t>
             </a:fld>
             <a:endParaRPr lang="pt-BR" dirty="0"/>
           </a:p>
@@ -6748,1220 +6756,6 @@
 </file>
 
 <file path=ppt/slides/slide10.xml><?xml version="1.0" encoding="utf-8"?>
-<p:sld xmlns:a="http://schemas.openxmlformats.org/drawingml/2006/main" xmlns:r="http://schemas.openxmlformats.org/officeDocument/2006/relationships" xmlns:p="http://schemas.openxmlformats.org/presentationml/2006/main" show="0">
-  <p:cSld>
-    <p:spTree>
-      <p:nvGrpSpPr>
-        <p:cNvPr id="1" name=""/>
-        <p:cNvGrpSpPr/>
-        <p:nvPr/>
-      </p:nvGrpSpPr>
-      <p:grpSpPr>
-        <a:xfrm>
-          <a:off x="0" y="0"/>
-          <a:ext cx="0" cy="0"/>
-          <a:chOff x="0" y="0"/>
-          <a:chExt cx="0" cy="0"/>
-        </a:xfrm>
-      </p:grpSpPr>
-      <p:sp>
-        <p:nvSpPr>
-          <p:cNvPr id="7" name="Título 1">
-            <a:extLst>
-              <a:ext uri="{FF2B5EF4-FFF2-40B4-BE49-F238E27FC236}">
-                <a16:creationId xmlns:a16="http://schemas.microsoft.com/office/drawing/2014/main" id="{C060EFD6-73BB-D1DC-CDA2-086DB13FDA1D}"/>
-              </a:ext>
-            </a:extLst>
-          </p:cNvPr>
-          <p:cNvSpPr txBox="1">
-            <a:spLocks/>
-          </p:cNvSpPr>
-          <p:nvPr/>
-        </p:nvSpPr>
-        <p:spPr>
-          <a:xfrm>
-            <a:off x="0" y="-9831"/>
-            <a:ext cx="10131425" cy="692582"/>
-          </a:xfrm>
-          <a:prstGeom prst="rect">
-            <a:avLst/>
-          </a:prstGeom>
-          <a:effectLst/>
-        </p:spPr>
-        <p:txBody>
-          <a:bodyPr vert="horz" lIns="91440" tIns="45720" rIns="91440" bIns="45720" rtlCol="0" anchor="ctr">
-            <a:normAutofit/>
-          </a:bodyPr>
-          <a:lstStyle>
-            <a:lvl1pPr algn="l" defTabSz="457200" rtl="0" eaLnBrk="1" latinLnBrk="0" hangingPunct="1">
-              <a:spcBef>
-                <a:spcPct val="0"/>
-              </a:spcBef>
-              <a:buNone/>
-              <a:defRPr sz="3600" kern="1200" cap="all">
-                <a:ln w="3175" cmpd="sng">
-                  <a:noFill/>
-                </a:ln>
-                <a:solidFill>
-                  <a:schemeClr val="tx1"/>
-                </a:solidFill>
-                <a:effectLst/>
-                <a:latin typeface="+mj-lt"/>
-                <a:ea typeface="+mj-ea"/>
-                <a:cs typeface="+mj-cs"/>
-              </a:defRPr>
-            </a:lvl1pPr>
-            <a:lvl2pPr eaLnBrk="1" hangingPunct="1">
-              <a:defRPr>
-                <a:solidFill>
-                  <a:schemeClr val="tx2"/>
-                </a:solidFill>
-              </a:defRPr>
-            </a:lvl2pPr>
-            <a:lvl3pPr eaLnBrk="1" hangingPunct="1">
-              <a:defRPr>
-                <a:solidFill>
-                  <a:schemeClr val="tx2"/>
-                </a:solidFill>
-              </a:defRPr>
-            </a:lvl3pPr>
-            <a:lvl4pPr eaLnBrk="1" hangingPunct="1">
-              <a:defRPr>
-                <a:solidFill>
-                  <a:schemeClr val="tx2"/>
-                </a:solidFill>
-              </a:defRPr>
-            </a:lvl4pPr>
-            <a:lvl5pPr eaLnBrk="1" hangingPunct="1">
-              <a:defRPr>
-                <a:solidFill>
-                  <a:schemeClr val="tx2"/>
-                </a:solidFill>
-              </a:defRPr>
-            </a:lvl5pPr>
-            <a:lvl6pPr eaLnBrk="1" hangingPunct="1">
-              <a:defRPr>
-                <a:solidFill>
-                  <a:schemeClr val="tx2"/>
-                </a:solidFill>
-              </a:defRPr>
-            </a:lvl6pPr>
-            <a:lvl7pPr eaLnBrk="1" hangingPunct="1">
-              <a:defRPr>
-                <a:solidFill>
-                  <a:schemeClr val="tx2"/>
-                </a:solidFill>
-              </a:defRPr>
-            </a:lvl7pPr>
-            <a:lvl8pPr eaLnBrk="1" hangingPunct="1">
-              <a:defRPr>
-                <a:solidFill>
-                  <a:schemeClr val="tx2"/>
-                </a:solidFill>
-              </a:defRPr>
-            </a:lvl8pPr>
-            <a:lvl9pPr eaLnBrk="1" hangingPunct="1">
-              <a:defRPr>
-                <a:solidFill>
-                  <a:schemeClr val="tx2"/>
-                </a:solidFill>
-              </a:defRPr>
-            </a:lvl9pPr>
-          </a:lstStyle>
-          <a:p>
-            <a:r>
-              <a:rPr lang="pt-BR" dirty="0"/>
-              <a:t>Introdução 1.4: Justificativas</a:t>
-            </a:r>
-          </a:p>
-        </p:txBody>
-      </p:sp>
-      <p:sp>
-        <p:nvSpPr>
-          <p:cNvPr id="4" name="Espaço Reservado para Conteúdo 2">
-            <a:extLst>
-              <a:ext uri="{FF2B5EF4-FFF2-40B4-BE49-F238E27FC236}">
-                <a16:creationId xmlns:a16="http://schemas.microsoft.com/office/drawing/2014/main" id="{85216D60-6678-768A-1C7D-7548A803A82E}"/>
-              </a:ext>
-            </a:extLst>
-          </p:cNvPr>
-          <p:cNvSpPr txBox="1">
-            <a:spLocks/>
-          </p:cNvSpPr>
-          <p:nvPr/>
-        </p:nvSpPr>
-        <p:spPr>
-          <a:xfrm>
-            <a:off x="335936" y="1268976"/>
-            <a:ext cx="10131425" cy="3649133"/>
-          </a:xfrm>
-          <a:prstGeom prst="rect">
-            <a:avLst/>
-          </a:prstGeom>
-        </p:spPr>
-        <p:txBody>
-          <a:bodyPr vert="horz" lIns="91440" tIns="45720" rIns="91440" bIns="45720" rtlCol="0" anchor="t">
-            <a:normAutofit/>
-          </a:bodyPr>
-          <a:lstStyle>
-            <a:lvl1pPr marL="285750" indent="-285750" algn="l" defTabSz="457200" rtl="0" eaLnBrk="1" latinLnBrk="0" hangingPunct="1">
-              <a:spcBef>
-                <a:spcPts val="0"/>
-              </a:spcBef>
-              <a:spcAft>
-                <a:spcPts val="1000"/>
-              </a:spcAft>
-              <a:buClr>
-                <a:schemeClr val="tx1"/>
-              </a:buClr>
-              <a:buSzPct val="100000"/>
-              <a:buFont typeface="Arial"/>
-              <a:buChar char="•"/>
-              <a:defRPr sz="1800" kern="1200" cap="none">
-                <a:solidFill>
-                  <a:schemeClr val="tx1"/>
-                </a:solidFill>
-                <a:effectLst/>
-                <a:latin typeface="+mn-lt"/>
-                <a:ea typeface="+mn-ea"/>
-                <a:cs typeface="+mn-cs"/>
-              </a:defRPr>
-            </a:lvl1pPr>
-            <a:lvl2pPr marL="742950" indent="-285750" algn="l" defTabSz="457200" rtl="0" eaLnBrk="1" latinLnBrk="0" hangingPunct="1">
-              <a:spcBef>
-                <a:spcPts val="0"/>
-              </a:spcBef>
-              <a:spcAft>
-                <a:spcPts val="1000"/>
-              </a:spcAft>
-              <a:buClr>
-                <a:schemeClr val="tx1"/>
-              </a:buClr>
-              <a:buSzPct val="100000"/>
-              <a:buFont typeface="Arial"/>
-              <a:buChar char="•"/>
-              <a:defRPr sz="1600" kern="1200" cap="none">
-                <a:solidFill>
-                  <a:schemeClr val="tx1"/>
-                </a:solidFill>
-                <a:effectLst/>
-                <a:latin typeface="+mn-lt"/>
-                <a:ea typeface="+mn-ea"/>
-                <a:cs typeface="+mn-cs"/>
-              </a:defRPr>
-            </a:lvl2pPr>
-            <a:lvl3pPr marL="1200150" indent="-285750" algn="l" defTabSz="457200" rtl="0" eaLnBrk="1" latinLnBrk="0" hangingPunct="1">
-              <a:spcBef>
-                <a:spcPts val="0"/>
-              </a:spcBef>
-              <a:spcAft>
-                <a:spcPts val="1000"/>
-              </a:spcAft>
-              <a:buClr>
-                <a:schemeClr val="tx1"/>
-              </a:buClr>
-              <a:buSzPct val="100000"/>
-              <a:buFont typeface="Arial"/>
-              <a:buChar char="•"/>
-              <a:defRPr sz="1400" kern="1200" cap="none">
-                <a:solidFill>
-                  <a:schemeClr val="tx1"/>
-                </a:solidFill>
-                <a:effectLst/>
-                <a:latin typeface="+mn-lt"/>
-                <a:ea typeface="+mn-ea"/>
-                <a:cs typeface="+mn-cs"/>
-              </a:defRPr>
-            </a:lvl3pPr>
-            <a:lvl4pPr marL="1543050" indent="-171450" algn="l" defTabSz="457200" rtl="0" eaLnBrk="1" latinLnBrk="0" hangingPunct="1">
-              <a:spcBef>
-                <a:spcPts val="0"/>
-              </a:spcBef>
-              <a:spcAft>
-                <a:spcPts val="1000"/>
-              </a:spcAft>
-              <a:buClr>
-                <a:schemeClr val="tx1"/>
-              </a:buClr>
-              <a:buSzPct val="100000"/>
-              <a:buFont typeface="Arial"/>
-              <a:buChar char="•"/>
-              <a:defRPr sz="1200" kern="1200" cap="none">
-                <a:solidFill>
-                  <a:schemeClr val="tx1"/>
-                </a:solidFill>
-                <a:effectLst/>
-                <a:latin typeface="+mn-lt"/>
-                <a:ea typeface="+mn-ea"/>
-                <a:cs typeface="+mn-cs"/>
-              </a:defRPr>
-            </a:lvl4pPr>
-            <a:lvl5pPr marL="2000250" indent="-171450" algn="l" defTabSz="457200" rtl="0" eaLnBrk="1" latinLnBrk="0" hangingPunct="1">
-              <a:spcBef>
-                <a:spcPts val="0"/>
-              </a:spcBef>
-              <a:spcAft>
-                <a:spcPts val="1000"/>
-              </a:spcAft>
-              <a:buClr>
-                <a:schemeClr val="tx1"/>
-              </a:buClr>
-              <a:buSzPct val="100000"/>
-              <a:buFont typeface="Arial"/>
-              <a:buChar char="•"/>
-              <a:defRPr sz="1200" kern="1200" cap="none">
-                <a:solidFill>
-                  <a:schemeClr val="tx1"/>
-                </a:solidFill>
-                <a:effectLst/>
-                <a:latin typeface="+mn-lt"/>
-                <a:ea typeface="+mn-ea"/>
-                <a:cs typeface="+mn-cs"/>
-              </a:defRPr>
-            </a:lvl5pPr>
-            <a:lvl6pPr marL="2514600" indent="-228600" algn="l" defTabSz="457200" rtl="0" eaLnBrk="1" latinLnBrk="0" hangingPunct="1">
-              <a:spcBef>
-                <a:spcPts val="0"/>
-              </a:spcBef>
-              <a:spcAft>
-                <a:spcPts val="1000"/>
-              </a:spcAft>
-              <a:buClr>
-                <a:schemeClr val="tx1"/>
-              </a:buClr>
-              <a:buSzPct val="100000"/>
-              <a:buFont typeface="Arial"/>
-              <a:buChar char="•"/>
-              <a:defRPr sz="1200" kern="1200" cap="none">
-                <a:solidFill>
-                  <a:schemeClr val="tx1"/>
-                </a:solidFill>
-                <a:effectLst/>
-                <a:latin typeface="+mn-lt"/>
-                <a:ea typeface="+mn-ea"/>
-                <a:cs typeface="+mn-cs"/>
-              </a:defRPr>
-            </a:lvl6pPr>
-            <a:lvl7pPr marL="2971800" indent="-228600" algn="l" defTabSz="457200" rtl="0" eaLnBrk="1" latinLnBrk="0" hangingPunct="1">
-              <a:spcBef>
-                <a:spcPts val="0"/>
-              </a:spcBef>
-              <a:spcAft>
-                <a:spcPts val="1000"/>
-              </a:spcAft>
-              <a:buClr>
-                <a:schemeClr val="tx1"/>
-              </a:buClr>
-              <a:buSzPct val="100000"/>
-              <a:buFont typeface="Arial"/>
-              <a:buChar char="•"/>
-              <a:defRPr sz="1200" kern="1200" cap="none">
-                <a:solidFill>
-                  <a:schemeClr val="tx1"/>
-                </a:solidFill>
-                <a:effectLst/>
-                <a:latin typeface="+mn-lt"/>
-                <a:ea typeface="+mn-ea"/>
-                <a:cs typeface="+mn-cs"/>
-              </a:defRPr>
-            </a:lvl7pPr>
-            <a:lvl8pPr marL="3429000" indent="-228600" algn="l" defTabSz="457200" rtl="0" eaLnBrk="1" latinLnBrk="0" hangingPunct="1">
-              <a:spcBef>
-                <a:spcPts val="0"/>
-              </a:spcBef>
-              <a:spcAft>
-                <a:spcPts val="1000"/>
-              </a:spcAft>
-              <a:buClr>
-                <a:schemeClr val="tx1"/>
-              </a:buClr>
-              <a:buSzPct val="100000"/>
-              <a:buFont typeface="Arial"/>
-              <a:buChar char="•"/>
-              <a:defRPr sz="1200" kern="1200" cap="none">
-                <a:solidFill>
-                  <a:schemeClr val="tx1"/>
-                </a:solidFill>
-                <a:effectLst/>
-                <a:latin typeface="+mn-lt"/>
-                <a:ea typeface="+mn-ea"/>
-                <a:cs typeface="+mn-cs"/>
-              </a:defRPr>
-            </a:lvl8pPr>
-            <a:lvl9pPr marL="3886200" indent="-228600" algn="l" defTabSz="457200" rtl="0" eaLnBrk="1" latinLnBrk="0" hangingPunct="1">
-              <a:spcBef>
-                <a:spcPts val="0"/>
-              </a:spcBef>
-              <a:spcAft>
-                <a:spcPts val="1000"/>
-              </a:spcAft>
-              <a:buClr>
-                <a:schemeClr val="tx1"/>
-              </a:buClr>
-              <a:buSzPct val="100000"/>
-              <a:buFont typeface="Arial"/>
-              <a:buChar char="•"/>
-              <a:defRPr sz="1200" kern="1200" cap="none">
-                <a:solidFill>
-                  <a:schemeClr val="tx1"/>
-                </a:solidFill>
-                <a:effectLst/>
-                <a:latin typeface="+mn-lt"/>
-                <a:ea typeface="+mn-ea"/>
-                <a:cs typeface="+mn-cs"/>
-              </a:defRPr>
-            </a:lvl9pPr>
-          </a:lstStyle>
-          <a:p>
-            <a:pPr marL="283464" indent="-283464" algn="l" rtl="0" eaLnBrk="1" latinLnBrk="0" hangingPunct="1">
-              <a:spcBef>
-                <a:spcPts val="0"/>
-              </a:spcBef>
-              <a:spcAft>
-                <a:spcPts val="1000"/>
-              </a:spcAft>
-              <a:buClr>
-                <a:schemeClr val="tx1"/>
-              </a:buClr>
-              <a:buSzPct val="100000"/>
-              <a:buFont typeface="Arial" panose="020B0604020202020204" pitchFamily="34" charset="0"/>
-              <a:buChar char="•"/>
-            </a:pPr>
-            <a:r>
-              <a:rPr lang="pt-BR" sz="1800" kern="1200" dirty="0">
-                <a:solidFill>
-                  <a:srgbClr val="FFFFFF"/>
-                </a:solidFill>
-                <a:effectLst/>
-                <a:latin typeface="Calibri" panose="020F0502020204030204" pitchFamily="34" charset="0"/>
-                <a:ea typeface="+mn-ea"/>
-                <a:cs typeface="+mn-cs"/>
-              </a:rPr>
-              <a:t>Sucessos prévios de artigos anteriores</a:t>
-            </a:r>
-            <a:endParaRPr lang="pt-BR" sz="1800" dirty="0">
-              <a:effectLst/>
-            </a:endParaRPr>
-          </a:p>
-          <a:p>
-            <a:pPr marL="283464" indent="-283464" algn="l" rtl="0" eaLnBrk="1" latinLnBrk="0" hangingPunct="1">
-              <a:spcBef>
-                <a:spcPts val="0"/>
-              </a:spcBef>
-              <a:spcAft>
-                <a:spcPts val="1000"/>
-              </a:spcAft>
-            </a:pPr>
-            <a:r>
-              <a:rPr lang="pt-BR" sz="1800" kern="1200" dirty="0">
-                <a:solidFill>
-                  <a:srgbClr val="FFFFFF"/>
-                </a:solidFill>
-                <a:effectLst/>
-                <a:latin typeface="Calibri" panose="020F0502020204030204" pitchFamily="34" charset="0"/>
-                <a:ea typeface="+mn-ea"/>
-                <a:cs typeface="+mn-cs"/>
-              </a:rPr>
-              <a:t>Problema existente</a:t>
-            </a:r>
-            <a:endParaRPr lang="pt-BR" dirty="0">
-              <a:effectLst/>
-            </a:endParaRPr>
-          </a:p>
-          <a:p>
-            <a:pPr marL="283464" indent="-283464" algn="l" rtl="0" eaLnBrk="1" latinLnBrk="0" hangingPunct="1">
-              <a:spcBef>
-                <a:spcPts val="0"/>
-              </a:spcBef>
-              <a:spcAft>
-                <a:spcPts val="1000"/>
-              </a:spcAft>
-            </a:pPr>
-            <a:r>
-              <a:rPr lang="pt-BR" sz="1800" kern="1200" dirty="0">
-                <a:solidFill>
-                  <a:srgbClr val="FFFFFF"/>
-                </a:solidFill>
-                <a:effectLst/>
-                <a:latin typeface="Calibri" panose="020F0502020204030204" pitchFamily="34" charset="0"/>
-                <a:ea typeface="+mn-ea"/>
-                <a:cs typeface="+mn-cs"/>
-              </a:rPr>
-              <a:t>Necessário força suficiente para se quebrar a inércia</a:t>
-            </a:r>
-            <a:endParaRPr lang="pt-BR" dirty="0">
-              <a:effectLst/>
-            </a:endParaRPr>
-          </a:p>
-        </p:txBody>
-      </p:sp>
-    </p:spTree>
-    <p:extLst>
-      <p:ext uri="{BB962C8B-B14F-4D97-AF65-F5344CB8AC3E}">
-        <p14:creationId xmlns:p14="http://schemas.microsoft.com/office/powerpoint/2010/main" val="3712822659"/>
-      </p:ext>
-    </p:extLst>
-  </p:cSld>
-  <p:clrMapOvr>
-    <a:masterClrMapping/>
-  </p:clrMapOvr>
-</p:sld>
-</file>
-
-<file path=ppt/slides/slide11.xml><?xml version="1.0" encoding="utf-8"?>
-<p:sld xmlns:a="http://schemas.openxmlformats.org/drawingml/2006/main" xmlns:r="http://schemas.openxmlformats.org/officeDocument/2006/relationships" xmlns:p="http://schemas.openxmlformats.org/presentationml/2006/main">
-  <p:cSld>
-    <p:spTree>
-      <p:nvGrpSpPr>
-        <p:cNvPr id="1" name=""/>
-        <p:cNvGrpSpPr/>
-        <p:nvPr/>
-      </p:nvGrpSpPr>
-      <p:grpSpPr>
-        <a:xfrm>
-          <a:off x="0" y="0"/>
-          <a:ext cx="0" cy="0"/>
-          <a:chOff x="0" y="0"/>
-          <a:chExt cx="0" cy="0"/>
-        </a:xfrm>
-      </p:grpSpPr>
-      <p:sp>
-        <p:nvSpPr>
-          <p:cNvPr id="3" name="Espaço Reservado para Conteúdo 2">
-            <a:extLst>
-              <a:ext uri="{FF2B5EF4-FFF2-40B4-BE49-F238E27FC236}">
-                <a16:creationId xmlns:a16="http://schemas.microsoft.com/office/drawing/2014/main" id="{00554AB7-6007-ECB9-7F74-08CE371652F5}"/>
-              </a:ext>
-            </a:extLst>
-          </p:cNvPr>
-          <p:cNvSpPr>
-            <a:spLocks noGrp="1"/>
-          </p:cNvSpPr>
-          <p:nvPr>
-            <p:ph idx="1"/>
-          </p:nvPr>
-        </p:nvSpPr>
-        <p:spPr>
-          <a:xfrm>
-            <a:off x="335936" y="1268976"/>
-            <a:ext cx="10131425" cy="5040056"/>
-          </a:xfrm>
-        </p:spPr>
-        <p:txBody>
-          <a:bodyPr vert="horz" lIns="91440" tIns="45720" rIns="91440" bIns="45720" rtlCol="0" anchor="t">
-            <a:normAutofit/>
-          </a:bodyPr>
-          <a:lstStyle/>
-          <a:p>
-            <a:r>
-              <a:rPr lang="pt-BR" b="1" dirty="0"/>
-              <a:t>Grade Horária (</a:t>
-            </a:r>
-            <a:r>
-              <a:rPr lang="pt-BR" b="1" i="1" dirty="0"/>
-              <a:t>timetable</a:t>
-            </a:r>
-            <a:r>
-              <a:rPr lang="pt-BR" b="1" dirty="0"/>
-              <a:t>)</a:t>
-            </a:r>
-            <a:r>
-              <a:rPr lang="pt-BR" dirty="0"/>
-              <a:t>: uma estrutura que mostra quando que eventos ocorrerão, não havendo necessariamente a alocação de recursos (WREN, 1996). Neste trabalho será considerado </a:t>
-            </a:r>
-            <a:r>
-              <a:rPr lang="pt-BR" i="1" dirty="0"/>
-              <a:t>timetable </a:t>
-            </a:r>
-            <a:r>
-              <a:rPr lang="pt-BR" dirty="0"/>
-              <a:t>como um pacote de valores (Professores x Disciplinas x Sala x Alunos x Horários x Dias) distribuídos em uma só estrutura.</a:t>
-            </a:r>
-          </a:p>
-          <a:p>
-            <a:r>
-              <a:rPr lang="pt-BR" b="1" i="1" dirty="0"/>
-              <a:t>Educational Timetabling</a:t>
-            </a:r>
-            <a:r>
-              <a:rPr lang="pt-BR" b="1" dirty="0"/>
-              <a:t> (Ed-TT)</a:t>
-            </a:r>
-            <a:r>
-              <a:rPr lang="pt-BR" dirty="0"/>
-              <a:t>: conjunto de problemas de grade horária relacionadas à educação (ALENCAR et al., 2019a)</a:t>
-            </a:r>
-          </a:p>
-          <a:p>
-            <a:r>
-              <a:rPr lang="pt-BR" b="1" i="1" dirty="0"/>
-              <a:t>University Class Timetable</a:t>
-            </a:r>
-            <a:r>
-              <a:rPr lang="pt-BR" dirty="0"/>
-              <a:t>: grade horária que tem como recursos a se alocar a disponibilidade de professores e salas, a quantidade de alunos e os requisitos que determinada disciplina exige (WREN, 1996)</a:t>
-            </a:r>
-          </a:p>
-          <a:p>
-            <a:r>
-              <a:rPr lang="pt-BR" b="1" dirty="0"/>
-              <a:t>Alocação</a:t>
-            </a:r>
-            <a:r>
-              <a:rPr lang="pt-BR" dirty="0"/>
-              <a:t>: criar qualquer relação entre as dimensões.</a:t>
-            </a:r>
-          </a:p>
-          <a:p>
-            <a:r>
-              <a:rPr lang="pt-BR" b="1" dirty="0"/>
-              <a:t>Restrições rígidas e maleáveis (</a:t>
-            </a:r>
-            <a:r>
-              <a:rPr lang="pt-BR" b="1" i="1" dirty="0"/>
-              <a:t>hard and soft constraints</a:t>
-            </a:r>
-            <a:r>
-              <a:rPr lang="pt-BR" b="1" dirty="0"/>
-              <a:t>)</a:t>
-            </a:r>
-            <a:r>
-              <a:rPr lang="pt-BR" dirty="0"/>
-              <a:t>: rígidas são de atendimento obrigatório, enquanto as restrições maleáveis são opcionais, mas convenientes para melhorar a qualidade da solução obtida. (ALENCAR et al., 2019a)</a:t>
-            </a:r>
-          </a:p>
-          <a:p>
-            <a:endParaRPr lang="pt-BR" dirty="0"/>
-          </a:p>
-          <a:p>
-            <a:endParaRPr lang="pt-BR" b="1" dirty="0"/>
-          </a:p>
-        </p:txBody>
-      </p:sp>
-      <p:sp>
-        <p:nvSpPr>
-          <p:cNvPr id="4" name="Título 1">
-            <a:extLst>
-              <a:ext uri="{FF2B5EF4-FFF2-40B4-BE49-F238E27FC236}">
-                <a16:creationId xmlns:a16="http://schemas.microsoft.com/office/drawing/2014/main" id="{87B18718-B08B-653A-2100-BC6DC72B7E94}"/>
-              </a:ext>
-            </a:extLst>
-          </p:cNvPr>
-          <p:cNvSpPr txBox="1">
-            <a:spLocks/>
-          </p:cNvSpPr>
-          <p:nvPr/>
-        </p:nvSpPr>
-        <p:spPr>
-          <a:xfrm>
-            <a:off x="0" y="-9831"/>
-            <a:ext cx="10131425" cy="692582"/>
-          </a:xfrm>
-          <a:prstGeom prst="rect">
-            <a:avLst/>
-          </a:prstGeom>
-          <a:effectLst/>
-        </p:spPr>
-        <p:txBody>
-          <a:bodyPr vert="horz" lIns="91440" tIns="45720" rIns="91440" bIns="45720" rtlCol="0" anchor="ctr">
-            <a:normAutofit/>
-          </a:bodyPr>
-          <a:lstStyle>
-            <a:lvl1pPr algn="l" defTabSz="457200" rtl="0" eaLnBrk="1" latinLnBrk="0" hangingPunct="1">
-              <a:spcBef>
-                <a:spcPct val="0"/>
-              </a:spcBef>
-              <a:buNone/>
-              <a:defRPr sz="3600" kern="1200" cap="all">
-                <a:ln w="3175" cmpd="sng">
-                  <a:noFill/>
-                </a:ln>
-                <a:solidFill>
-                  <a:schemeClr val="tx1"/>
-                </a:solidFill>
-                <a:effectLst/>
-                <a:latin typeface="+mj-lt"/>
-                <a:ea typeface="+mj-ea"/>
-                <a:cs typeface="+mj-cs"/>
-              </a:defRPr>
-            </a:lvl1pPr>
-            <a:lvl2pPr eaLnBrk="1" hangingPunct="1">
-              <a:defRPr>
-                <a:solidFill>
-                  <a:schemeClr val="tx2"/>
-                </a:solidFill>
-              </a:defRPr>
-            </a:lvl2pPr>
-            <a:lvl3pPr eaLnBrk="1" hangingPunct="1">
-              <a:defRPr>
-                <a:solidFill>
-                  <a:schemeClr val="tx2"/>
-                </a:solidFill>
-              </a:defRPr>
-            </a:lvl3pPr>
-            <a:lvl4pPr eaLnBrk="1" hangingPunct="1">
-              <a:defRPr>
-                <a:solidFill>
-                  <a:schemeClr val="tx2"/>
-                </a:solidFill>
-              </a:defRPr>
-            </a:lvl4pPr>
-            <a:lvl5pPr eaLnBrk="1" hangingPunct="1">
-              <a:defRPr>
-                <a:solidFill>
-                  <a:schemeClr val="tx2"/>
-                </a:solidFill>
-              </a:defRPr>
-            </a:lvl5pPr>
-            <a:lvl6pPr eaLnBrk="1" hangingPunct="1">
-              <a:defRPr>
-                <a:solidFill>
-                  <a:schemeClr val="tx2"/>
-                </a:solidFill>
-              </a:defRPr>
-            </a:lvl6pPr>
-            <a:lvl7pPr eaLnBrk="1" hangingPunct="1">
-              <a:defRPr>
-                <a:solidFill>
-                  <a:schemeClr val="tx2"/>
-                </a:solidFill>
-              </a:defRPr>
-            </a:lvl7pPr>
-            <a:lvl8pPr eaLnBrk="1" hangingPunct="1">
-              <a:defRPr>
-                <a:solidFill>
-                  <a:schemeClr val="tx2"/>
-                </a:solidFill>
-              </a:defRPr>
-            </a:lvl8pPr>
-            <a:lvl9pPr eaLnBrk="1" hangingPunct="1">
-              <a:defRPr>
-                <a:solidFill>
-                  <a:schemeClr val="tx2"/>
-                </a:solidFill>
-              </a:defRPr>
-            </a:lvl9pPr>
-          </a:lstStyle>
-          <a:p>
-            <a:r>
-              <a:rPr lang="pt-BR" dirty="0"/>
-              <a:t>Contexto acadêmico 2.1: Definição de termos</a:t>
-            </a:r>
-          </a:p>
-        </p:txBody>
-      </p:sp>
-    </p:spTree>
-    <p:extLst>
-      <p:ext uri="{BB962C8B-B14F-4D97-AF65-F5344CB8AC3E}">
-        <p14:creationId xmlns:p14="http://schemas.microsoft.com/office/powerpoint/2010/main" val="834444332"/>
-      </p:ext>
-    </p:extLst>
-  </p:cSld>
-  <p:clrMapOvr>
-    <a:masterClrMapping/>
-  </p:clrMapOvr>
-</p:sld>
-</file>
-
-<file path=ppt/slides/slide12.xml><?xml version="1.0" encoding="utf-8"?>
-<p:sld xmlns:a="http://schemas.openxmlformats.org/drawingml/2006/main" xmlns:r="http://schemas.openxmlformats.org/officeDocument/2006/relationships" xmlns:p="http://schemas.openxmlformats.org/presentationml/2006/main">
-  <p:cSld>
-    <p:spTree>
-      <p:nvGrpSpPr>
-        <p:cNvPr id="1" name=""/>
-        <p:cNvGrpSpPr/>
-        <p:nvPr/>
-      </p:nvGrpSpPr>
-      <p:grpSpPr>
-        <a:xfrm>
-          <a:off x="0" y="0"/>
-          <a:ext cx="0" cy="0"/>
-          <a:chOff x="0" y="0"/>
-          <a:chExt cx="0" cy="0"/>
-        </a:xfrm>
-      </p:grpSpPr>
-      <p:sp>
-        <p:nvSpPr>
-          <p:cNvPr id="2" name="Título 1">
-            <a:extLst>
-              <a:ext uri="{FF2B5EF4-FFF2-40B4-BE49-F238E27FC236}">
-                <a16:creationId xmlns:a16="http://schemas.microsoft.com/office/drawing/2014/main" id="{F27AA5A2-960B-C659-8861-6C39FCC0489B}"/>
-              </a:ext>
-            </a:extLst>
-          </p:cNvPr>
-          <p:cNvSpPr txBox="1">
-            <a:spLocks/>
-          </p:cNvSpPr>
-          <p:nvPr/>
-        </p:nvSpPr>
-        <p:spPr>
-          <a:xfrm>
-            <a:off x="0" y="-9831"/>
-            <a:ext cx="11019099" cy="692582"/>
-          </a:xfrm>
-          <a:prstGeom prst="rect">
-            <a:avLst/>
-          </a:prstGeom>
-          <a:effectLst/>
-        </p:spPr>
-        <p:txBody>
-          <a:bodyPr vert="horz" lIns="91440" tIns="45720" rIns="91440" bIns="45720" rtlCol="0" anchor="ctr">
-            <a:normAutofit/>
-          </a:bodyPr>
-          <a:lstStyle>
-            <a:lvl1pPr algn="l" defTabSz="457200" rtl="0" eaLnBrk="1" latinLnBrk="0" hangingPunct="1">
-              <a:spcBef>
-                <a:spcPct val="0"/>
-              </a:spcBef>
-              <a:buNone/>
-              <a:defRPr sz="3600" kern="1200" cap="all">
-                <a:ln w="3175" cmpd="sng">
-                  <a:noFill/>
-                </a:ln>
-                <a:solidFill>
-                  <a:schemeClr val="tx1"/>
-                </a:solidFill>
-                <a:effectLst/>
-                <a:latin typeface="+mj-lt"/>
-                <a:ea typeface="+mj-ea"/>
-                <a:cs typeface="+mj-cs"/>
-              </a:defRPr>
-            </a:lvl1pPr>
-            <a:lvl2pPr eaLnBrk="1" hangingPunct="1">
-              <a:defRPr>
-                <a:solidFill>
-                  <a:schemeClr val="tx2"/>
-                </a:solidFill>
-              </a:defRPr>
-            </a:lvl2pPr>
-            <a:lvl3pPr eaLnBrk="1" hangingPunct="1">
-              <a:defRPr>
-                <a:solidFill>
-                  <a:schemeClr val="tx2"/>
-                </a:solidFill>
-              </a:defRPr>
-            </a:lvl3pPr>
-            <a:lvl4pPr eaLnBrk="1" hangingPunct="1">
-              <a:defRPr>
-                <a:solidFill>
-                  <a:schemeClr val="tx2"/>
-                </a:solidFill>
-              </a:defRPr>
-            </a:lvl4pPr>
-            <a:lvl5pPr eaLnBrk="1" hangingPunct="1">
-              <a:defRPr>
-                <a:solidFill>
-                  <a:schemeClr val="tx2"/>
-                </a:solidFill>
-              </a:defRPr>
-            </a:lvl5pPr>
-            <a:lvl6pPr eaLnBrk="1" hangingPunct="1">
-              <a:defRPr>
-                <a:solidFill>
-                  <a:schemeClr val="tx2"/>
-                </a:solidFill>
-              </a:defRPr>
-            </a:lvl6pPr>
-            <a:lvl7pPr eaLnBrk="1" hangingPunct="1">
-              <a:defRPr>
-                <a:solidFill>
-                  <a:schemeClr val="tx2"/>
-                </a:solidFill>
-              </a:defRPr>
-            </a:lvl7pPr>
-            <a:lvl8pPr eaLnBrk="1" hangingPunct="1">
-              <a:defRPr>
-                <a:solidFill>
-                  <a:schemeClr val="tx2"/>
-                </a:solidFill>
-              </a:defRPr>
-            </a:lvl8pPr>
-            <a:lvl9pPr eaLnBrk="1" hangingPunct="1">
-              <a:defRPr>
-                <a:solidFill>
-                  <a:schemeClr val="tx2"/>
-                </a:solidFill>
-              </a:defRPr>
-            </a:lvl9pPr>
-          </a:lstStyle>
-          <a:p>
-            <a:r>
-              <a:rPr lang="pt-BR" dirty="0"/>
-              <a:t>Contexto acadêmico 2.2: MÉTODOS DE resolução </a:t>
-            </a:r>
-          </a:p>
-        </p:txBody>
-      </p:sp>
-      <p:sp>
-        <p:nvSpPr>
-          <p:cNvPr id="13" name="Espaço Reservado para Rodapé 12">
-            <a:extLst>
-              <a:ext uri="{FF2B5EF4-FFF2-40B4-BE49-F238E27FC236}">
-                <a16:creationId xmlns:a16="http://schemas.microsoft.com/office/drawing/2014/main" id="{1179374A-3FD0-321C-D8B9-3F24C18F88BA}"/>
-              </a:ext>
-            </a:extLst>
-          </p:cNvPr>
-          <p:cNvSpPr>
-            <a:spLocks noGrp="1"/>
-          </p:cNvSpPr>
-          <p:nvPr>
-            <p:ph type="ftr" sz="quarter" idx="11"/>
-          </p:nvPr>
-        </p:nvSpPr>
-        <p:spPr>
-          <a:xfrm>
-            <a:off x="0" y="6579035"/>
-            <a:ext cx="7827659" cy="275759"/>
-          </a:xfrm>
-        </p:spPr>
-        <p:txBody>
-          <a:bodyPr anchor="b"/>
-          <a:lstStyle/>
-          <a:p>
-            <a:r>
-              <a:rPr lang="pt-BR" dirty="0"/>
-              <a:t>Fonte da Figura 2: (ALEGRE, 2012)</a:t>
-            </a:r>
-          </a:p>
-        </p:txBody>
-      </p:sp>
-      <p:sp>
-        <p:nvSpPr>
-          <p:cNvPr id="14" name="CaixaDeTexto 13">
-            <a:extLst>
-              <a:ext uri="{FF2B5EF4-FFF2-40B4-BE49-F238E27FC236}">
-                <a16:creationId xmlns:a16="http://schemas.microsoft.com/office/drawing/2014/main" id="{FC1349DF-1B19-F553-606B-137266395D75}"/>
-              </a:ext>
-            </a:extLst>
-          </p:cNvPr>
-          <p:cNvSpPr txBox="1"/>
-          <p:nvPr/>
-        </p:nvSpPr>
-        <p:spPr>
-          <a:xfrm>
-            <a:off x="335936" y="899211"/>
-            <a:ext cx="7020078" cy="369332"/>
-          </a:xfrm>
-          <a:prstGeom prst="rect">
-            <a:avLst/>
-          </a:prstGeom>
-          <a:noFill/>
-        </p:spPr>
-        <p:txBody>
-          <a:bodyPr wrap="square" rtlCol="0">
-            <a:spAutoFit/>
-          </a:bodyPr>
-          <a:lstStyle/>
-          <a:p>
-            <a:r>
-              <a:rPr lang="pt-BR" dirty="0"/>
-              <a:t>Figura 2: </a:t>
-            </a:r>
-            <a:r>
-              <a:rPr lang="pt-BR" sz="1800" b="0" i="0" u="none" strike="noStrike" baseline="0" dirty="0">
-                <a:latin typeface="LMRoman12-Regular"/>
-              </a:rPr>
-              <a:t>resumo de trabalhos, parâmetros, dimensões, tempo e técnicas</a:t>
-            </a:r>
-            <a:endParaRPr lang="pt-BR" dirty="0"/>
-          </a:p>
-        </p:txBody>
-      </p:sp>
-      <p:pic>
-        <p:nvPicPr>
-          <p:cNvPr id="15" name="Imagem 14">
-            <a:extLst>
-              <a:ext uri="{FF2B5EF4-FFF2-40B4-BE49-F238E27FC236}">
-                <a16:creationId xmlns:a16="http://schemas.microsoft.com/office/drawing/2014/main" id="{B5FA801E-4B37-DC6A-477C-5B034260F4E1}"/>
-              </a:ext>
-            </a:extLst>
-          </p:cNvPr>
-          <p:cNvPicPr>
-            <a:picLocks noChangeAspect="1"/>
-          </p:cNvPicPr>
-          <p:nvPr/>
-        </p:nvPicPr>
-        <p:blipFill>
-          <a:blip r:embed="rId2">
-            <a:extLst>
-              <a:ext uri="{28A0092B-C50C-407E-A947-70E740481C1C}">
-                <a14:useLocalDpi xmlns:a14="http://schemas.microsoft.com/office/drawing/2010/main" val="0"/>
-              </a:ext>
-            </a:extLst>
-          </a:blip>
-          <a:stretch>
-            <a:fillRect/>
-          </a:stretch>
-        </p:blipFill>
-        <p:spPr>
-          <a:xfrm>
-            <a:off x="335936" y="1268543"/>
-            <a:ext cx="5143946" cy="4320914"/>
-          </a:xfrm>
-          <a:prstGeom prst="rect">
-            <a:avLst/>
-          </a:prstGeom>
-        </p:spPr>
-      </p:pic>
-    </p:spTree>
-    <p:extLst>
-      <p:ext uri="{BB962C8B-B14F-4D97-AF65-F5344CB8AC3E}">
-        <p14:creationId xmlns:p14="http://schemas.microsoft.com/office/powerpoint/2010/main" val="1940543486"/>
-      </p:ext>
-    </p:extLst>
-  </p:cSld>
-  <p:clrMapOvr>
-    <a:masterClrMapping/>
-  </p:clrMapOvr>
-</p:sld>
-</file>
-
-<file path=ppt/slides/slide13.xml><?xml version="1.0" encoding="utf-8"?>
-<p:sld xmlns:a="http://schemas.openxmlformats.org/drawingml/2006/main" xmlns:r="http://schemas.openxmlformats.org/officeDocument/2006/relationships" xmlns:p="http://schemas.openxmlformats.org/presentationml/2006/main">
-  <p:cSld>
-    <p:spTree>
-      <p:nvGrpSpPr>
-        <p:cNvPr id="1" name=""/>
-        <p:cNvGrpSpPr/>
-        <p:nvPr/>
-      </p:nvGrpSpPr>
-      <p:grpSpPr>
-        <a:xfrm>
-          <a:off x="0" y="0"/>
-          <a:ext cx="0" cy="0"/>
-          <a:chOff x="0" y="0"/>
-          <a:chExt cx="0" cy="0"/>
-        </a:xfrm>
-      </p:grpSpPr>
-      <p:sp>
-        <p:nvSpPr>
-          <p:cNvPr id="2" name="Título 1">
-            <a:extLst>
-              <a:ext uri="{FF2B5EF4-FFF2-40B4-BE49-F238E27FC236}">
-                <a16:creationId xmlns:a16="http://schemas.microsoft.com/office/drawing/2014/main" id="{F27AA5A2-960B-C659-8861-6C39FCC0489B}"/>
-              </a:ext>
-            </a:extLst>
-          </p:cNvPr>
-          <p:cNvSpPr txBox="1">
-            <a:spLocks/>
-          </p:cNvSpPr>
-          <p:nvPr/>
-        </p:nvSpPr>
-        <p:spPr>
-          <a:xfrm>
-            <a:off x="0" y="-9831"/>
-            <a:ext cx="11019099" cy="692582"/>
-          </a:xfrm>
-          <a:prstGeom prst="rect">
-            <a:avLst/>
-          </a:prstGeom>
-          <a:effectLst/>
-        </p:spPr>
-        <p:txBody>
-          <a:bodyPr vert="horz" lIns="91440" tIns="45720" rIns="91440" bIns="45720" rtlCol="0" anchor="ctr">
-            <a:normAutofit/>
-          </a:bodyPr>
-          <a:lstStyle>
-            <a:lvl1pPr algn="l" defTabSz="457200" rtl="0" eaLnBrk="1" latinLnBrk="0" hangingPunct="1">
-              <a:spcBef>
-                <a:spcPct val="0"/>
-              </a:spcBef>
-              <a:buNone/>
-              <a:defRPr sz="3600" kern="1200" cap="all">
-                <a:ln w="3175" cmpd="sng">
-                  <a:noFill/>
-                </a:ln>
-                <a:solidFill>
-                  <a:schemeClr val="tx1"/>
-                </a:solidFill>
-                <a:effectLst/>
-                <a:latin typeface="+mj-lt"/>
-                <a:ea typeface="+mj-ea"/>
-                <a:cs typeface="+mj-cs"/>
-              </a:defRPr>
-            </a:lvl1pPr>
-            <a:lvl2pPr eaLnBrk="1" hangingPunct="1">
-              <a:defRPr>
-                <a:solidFill>
-                  <a:schemeClr val="tx2"/>
-                </a:solidFill>
-              </a:defRPr>
-            </a:lvl2pPr>
-            <a:lvl3pPr eaLnBrk="1" hangingPunct="1">
-              <a:defRPr>
-                <a:solidFill>
-                  <a:schemeClr val="tx2"/>
-                </a:solidFill>
-              </a:defRPr>
-            </a:lvl3pPr>
-            <a:lvl4pPr eaLnBrk="1" hangingPunct="1">
-              <a:defRPr>
-                <a:solidFill>
-                  <a:schemeClr val="tx2"/>
-                </a:solidFill>
-              </a:defRPr>
-            </a:lvl4pPr>
-            <a:lvl5pPr eaLnBrk="1" hangingPunct="1">
-              <a:defRPr>
-                <a:solidFill>
-                  <a:schemeClr val="tx2"/>
-                </a:solidFill>
-              </a:defRPr>
-            </a:lvl5pPr>
-            <a:lvl6pPr eaLnBrk="1" hangingPunct="1">
-              <a:defRPr>
-                <a:solidFill>
-                  <a:schemeClr val="tx2"/>
-                </a:solidFill>
-              </a:defRPr>
-            </a:lvl6pPr>
-            <a:lvl7pPr eaLnBrk="1" hangingPunct="1">
-              <a:defRPr>
-                <a:solidFill>
-                  <a:schemeClr val="tx2"/>
-                </a:solidFill>
-              </a:defRPr>
-            </a:lvl7pPr>
-            <a:lvl8pPr eaLnBrk="1" hangingPunct="1">
-              <a:defRPr>
-                <a:solidFill>
-                  <a:schemeClr val="tx2"/>
-                </a:solidFill>
-              </a:defRPr>
-            </a:lvl8pPr>
-            <a:lvl9pPr eaLnBrk="1" hangingPunct="1">
-              <a:defRPr>
-                <a:solidFill>
-                  <a:schemeClr val="tx2"/>
-                </a:solidFill>
-              </a:defRPr>
-            </a:lvl9pPr>
-          </a:lstStyle>
-          <a:p>
-            <a:r>
-              <a:rPr lang="pt-BR" dirty="0"/>
-              <a:t>Contexto acadêmico 2.2: MÉTODOS DE resolução </a:t>
-            </a:r>
-          </a:p>
-        </p:txBody>
-      </p:sp>
-      <p:pic>
-        <p:nvPicPr>
-          <p:cNvPr id="12" name="Imagem 11">
-            <a:extLst>
-              <a:ext uri="{FF2B5EF4-FFF2-40B4-BE49-F238E27FC236}">
-                <a16:creationId xmlns:a16="http://schemas.microsoft.com/office/drawing/2014/main" id="{C02924D7-B275-1612-7DE5-28708BED53C1}"/>
-              </a:ext>
-            </a:extLst>
-          </p:cNvPr>
-          <p:cNvPicPr>
-            <a:picLocks noChangeAspect="1"/>
-          </p:cNvPicPr>
-          <p:nvPr/>
-        </p:nvPicPr>
-        <p:blipFill rotWithShape="1">
-          <a:blip r:embed="rId2">
-            <a:extLst>
-              <a:ext uri="{28A0092B-C50C-407E-A947-70E740481C1C}">
-                <a14:useLocalDpi xmlns:a14="http://schemas.microsoft.com/office/drawing/2010/main" val="0"/>
-              </a:ext>
-            </a:extLst>
-          </a:blip>
-          <a:srcRect r="4381"/>
-          <a:stretch/>
-        </p:blipFill>
-        <p:spPr>
-          <a:xfrm>
-            <a:off x="335936" y="1268976"/>
-            <a:ext cx="9630108" cy="3420038"/>
-          </a:xfrm>
-          <a:prstGeom prst="rect">
-            <a:avLst/>
-          </a:prstGeom>
-        </p:spPr>
-      </p:pic>
-      <p:sp>
-        <p:nvSpPr>
-          <p:cNvPr id="5" name="Espaço Reservado para Rodapé 12">
-            <a:extLst>
-              <a:ext uri="{FF2B5EF4-FFF2-40B4-BE49-F238E27FC236}">
-                <a16:creationId xmlns:a16="http://schemas.microsoft.com/office/drawing/2014/main" id="{893CFE51-A1AA-C7FD-E839-E1888AC027BB}"/>
-              </a:ext>
-            </a:extLst>
-          </p:cNvPr>
-          <p:cNvSpPr>
-            <a:spLocks noGrp="1"/>
-          </p:cNvSpPr>
-          <p:nvPr>
-            <p:ph type="ftr" sz="quarter" idx="11"/>
-          </p:nvPr>
-        </p:nvSpPr>
-        <p:spPr>
-          <a:xfrm>
-            <a:off x="0" y="6579035"/>
-            <a:ext cx="7827659" cy="265512"/>
-          </a:xfrm>
-        </p:spPr>
-        <p:txBody>
-          <a:bodyPr anchor="b"/>
-          <a:lstStyle/>
-          <a:p>
-            <a:r>
-              <a:rPr lang="pt-BR" dirty="0"/>
-              <a:t>Fonte da Figura 3: (ARRATIA-MARTINEZ; MAYA-PADRON; AVILA-TORRES, 2021) - editado pelo autor</a:t>
-            </a:r>
-          </a:p>
-        </p:txBody>
-      </p:sp>
-      <p:sp>
-        <p:nvSpPr>
-          <p:cNvPr id="6" name="CaixaDeTexto 5">
-            <a:extLst>
-              <a:ext uri="{FF2B5EF4-FFF2-40B4-BE49-F238E27FC236}">
-                <a16:creationId xmlns:a16="http://schemas.microsoft.com/office/drawing/2014/main" id="{3E6ECC32-FD60-B76B-5372-D5BD62DCEC58}"/>
-              </a:ext>
-            </a:extLst>
-          </p:cNvPr>
-          <p:cNvSpPr txBox="1"/>
-          <p:nvPr/>
-        </p:nvSpPr>
-        <p:spPr>
-          <a:xfrm>
-            <a:off x="335936" y="899644"/>
-            <a:ext cx="9630108" cy="369332"/>
-          </a:xfrm>
-          <a:prstGeom prst="rect">
-            <a:avLst/>
-          </a:prstGeom>
-          <a:noFill/>
-        </p:spPr>
-        <p:txBody>
-          <a:bodyPr wrap="square" rtlCol="0">
-            <a:spAutoFit/>
-          </a:bodyPr>
-          <a:lstStyle/>
-          <a:p>
-            <a:r>
-              <a:rPr lang="pt-BR" dirty="0"/>
-              <a:t>Figura 3: comparação entre artigos que solucionam o problema de grade horária</a:t>
-            </a:r>
-          </a:p>
-        </p:txBody>
-      </p:sp>
-    </p:spTree>
-    <p:extLst>
-      <p:ext uri="{BB962C8B-B14F-4D97-AF65-F5344CB8AC3E}">
-        <p14:creationId xmlns:p14="http://schemas.microsoft.com/office/powerpoint/2010/main" val="1351650434"/>
-      </p:ext>
-    </p:extLst>
-  </p:cSld>
-  <p:clrMapOvr>
-    <a:masterClrMapping/>
-  </p:clrMapOvr>
-</p:sld>
-</file>
-
-<file path=ppt/slides/slide14.xml><?xml version="1.0" encoding="utf-8"?>
 <p:sld xmlns:a="http://schemas.openxmlformats.org/drawingml/2006/main" xmlns:r="http://schemas.openxmlformats.org/officeDocument/2006/relationships" xmlns:p="http://schemas.openxmlformats.org/presentationml/2006/main">
   <p:cSld>
     <p:spTree>
@@ -8120,8 +6914,8 @@
         </p:blipFill>
         <p:spPr>
           <a:xfrm>
-            <a:off x="335936" y="1268976"/>
-            <a:ext cx="7921120" cy="4320048"/>
+            <a:off x="1244801" y="1264248"/>
+            <a:ext cx="9702393" cy="5291525"/>
           </a:xfrm>
         </p:spPr>
       </p:pic>
@@ -8177,8 +6971,8 @@
         </p:nvSpPr>
         <p:spPr>
           <a:xfrm>
-            <a:off x="335936" y="899644"/>
-            <a:ext cx="9000100" cy="369332"/>
+            <a:off x="2540957" y="894916"/>
+            <a:ext cx="7110079" cy="369332"/>
           </a:xfrm>
           <a:prstGeom prst="rect">
             <a:avLst/>
@@ -8191,6 +6985,7 @@
           </a:bodyPr>
           <a:lstStyle/>
           <a:p>
+            <a:pPr algn="ctr"/>
             <a:r>
               <a:rPr lang="pt-BR" dirty="0"/>
               <a:t>Figura 4: análise de publicações relacionadas à Visualização da Informação</a:t>
@@ -8202,6 +6997,915 @@
     <p:extLst>
       <p:ext uri="{BB962C8B-B14F-4D97-AF65-F5344CB8AC3E}">
         <p14:creationId xmlns:p14="http://schemas.microsoft.com/office/powerpoint/2010/main" val="2961527157"/>
+      </p:ext>
+    </p:extLst>
+  </p:cSld>
+  <p:clrMapOvr>
+    <a:masterClrMapping/>
+  </p:clrMapOvr>
+</p:sld>
+</file>
+
+<file path=ppt/slides/slide11.xml><?xml version="1.0" encoding="utf-8"?>
+<p:sld xmlns:a="http://schemas.openxmlformats.org/drawingml/2006/main" xmlns:r="http://schemas.openxmlformats.org/officeDocument/2006/relationships" xmlns:p="http://schemas.openxmlformats.org/presentationml/2006/main">
+  <p:cSld>
+    <p:spTree>
+      <p:nvGrpSpPr>
+        <p:cNvPr id="1" name=""/>
+        <p:cNvGrpSpPr/>
+        <p:nvPr/>
+      </p:nvGrpSpPr>
+      <p:grpSpPr>
+        <a:xfrm>
+          <a:off x="0" y="0"/>
+          <a:ext cx="0" cy="0"/>
+          <a:chOff x="0" y="0"/>
+          <a:chExt cx="0" cy="0"/>
+        </a:xfrm>
+      </p:grpSpPr>
+      <p:sp>
+        <p:nvSpPr>
+          <p:cNvPr id="4" name="Título 1">
+            <a:extLst>
+              <a:ext uri="{FF2B5EF4-FFF2-40B4-BE49-F238E27FC236}">
+                <a16:creationId xmlns:a16="http://schemas.microsoft.com/office/drawing/2014/main" id="{87B18718-B08B-653A-2100-BC6DC72B7E94}"/>
+              </a:ext>
+            </a:extLst>
+          </p:cNvPr>
+          <p:cNvSpPr txBox="1">
+            <a:spLocks/>
+          </p:cNvSpPr>
+          <p:nvPr/>
+        </p:nvSpPr>
+        <p:spPr>
+          <a:xfrm>
+            <a:off x="0" y="-9831"/>
+            <a:ext cx="10131425" cy="692582"/>
+          </a:xfrm>
+          <a:prstGeom prst="rect">
+            <a:avLst/>
+          </a:prstGeom>
+          <a:effectLst/>
+        </p:spPr>
+        <p:txBody>
+          <a:bodyPr vert="horz" lIns="91440" tIns="45720" rIns="91440" bIns="45720" rtlCol="0" anchor="ctr">
+            <a:normAutofit/>
+          </a:bodyPr>
+          <a:lstStyle>
+            <a:lvl1pPr algn="l" defTabSz="457200" rtl="0" eaLnBrk="1" latinLnBrk="0" hangingPunct="1">
+              <a:spcBef>
+                <a:spcPct val="0"/>
+              </a:spcBef>
+              <a:buNone/>
+              <a:defRPr sz="3600" kern="1200" cap="all">
+                <a:ln w="3175" cmpd="sng">
+                  <a:noFill/>
+                </a:ln>
+                <a:solidFill>
+                  <a:schemeClr val="tx1"/>
+                </a:solidFill>
+                <a:effectLst/>
+                <a:latin typeface="+mj-lt"/>
+                <a:ea typeface="+mj-ea"/>
+                <a:cs typeface="+mj-cs"/>
+              </a:defRPr>
+            </a:lvl1pPr>
+            <a:lvl2pPr eaLnBrk="1" hangingPunct="1">
+              <a:defRPr>
+                <a:solidFill>
+                  <a:schemeClr val="tx2"/>
+                </a:solidFill>
+              </a:defRPr>
+            </a:lvl2pPr>
+            <a:lvl3pPr eaLnBrk="1" hangingPunct="1">
+              <a:defRPr>
+                <a:solidFill>
+                  <a:schemeClr val="tx2"/>
+                </a:solidFill>
+              </a:defRPr>
+            </a:lvl3pPr>
+            <a:lvl4pPr eaLnBrk="1" hangingPunct="1">
+              <a:defRPr>
+                <a:solidFill>
+                  <a:schemeClr val="tx2"/>
+                </a:solidFill>
+              </a:defRPr>
+            </a:lvl4pPr>
+            <a:lvl5pPr eaLnBrk="1" hangingPunct="1">
+              <a:defRPr>
+                <a:solidFill>
+                  <a:schemeClr val="tx2"/>
+                </a:solidFill>
+              </a:defRPr>
+            </a:lvl5pPr>
+            <a:lvl6pPr eaLnBrk="1" hangingPunct="1">
+              <a:defRPr>
+                <a:solidFill>
+                  <a:schemeClr val="tx2"/>
+                </a:solidFill>
+              </a:defRPr>
+            </a:lvl6pPr>
+            <a:lvl7pPr eaLnBrk="1" hangingPunct="1">
+              <a:defRPr>
+                <a:solidFill>
+                  <a:schemeClr val="tx2"/>
+                </a:solidFill>
+              </a:defRPr>
+            </a:lvl7pPr>
+            <a:lvl8pPr eaLnBrk="1" hangingPunct="1">
+              <a:defRPr>
+                <a:solidFill>
+                  <a:schemeClr val="tx2"/>
+                </a:solidFill>
+              </a:defRPr>
+            </a:lvl8pPr>
+            <a:lvl9pPr eaLnBrk="1" hangingPunct="1">
+              <a:defRPr>
+                <a:solidFill>
+                  <a:schemeClr val="tx2"/>
+                </a:solidFill>
+              </a:defRPr>
+            </a:lvl9pPr>
+          </a:lstStyle>
+          <a:p>
+            <a:r>
+              <a:rPr lang="pt-BR" dirty="0"/>
+              <a:t>Contexto acadêmico 2.3: Desafios recorrentes</a:t>
+            </a:r>
+          </a:p>
+        </p:txBody>
+      </p:sp>
+      <p:sp>
+        <p:nvSpPr>
+          <p:cNvPr id="2" name="Espaço Reservado para Conteúdo 2">
+            <a:extLst>
+              <a:ext uri="{FF2B5EF4-FFF2-40B4-BE49-F238E27FC236}">
+                <a16:creationId xmlns:a16="http://schemas.microsoft.com/office/drawing/2014/main" id="{B2168B19-1DEF-243D-C9DE-5C871E5D4D6B}"/>
+              </a:ext>
+            </a:extLst>
+          </p:cNvPr>
+          <p:cNvSpPr>
+            <a:spLocks noGrp="1"/>
+          </p:cNvSpPr>
+          <p:nvPr>
+            <p:ph idx="1"/>
+          </p:nvPr>
+        </p:nvSpPr>
+        <p:spPr>
+          <a:xfrm>
+            <a:off x="335936" y="1268976"/>
+            <a:ext cx="10131425" cy="3649133"/>
+          </a:xfrm>
+        </p:spPr>
+        <p:txBody>
+          <a:bodyPr anchor="t">
+            <a:normAutofit/>
+          </a:bodyPr>
+          <a:lstStyle/>
+          <a:p>
+            <a:r>
+              <a:rPr lang="pt-BR" dirty="0"/>
+              <a:t>Problemas organizacionais (MIRANDA; REY; ROBLES, 2012)</a:t>
+            </a:r>
+          </a:p>
+          <a:p>
+            <a:pPr lvl="1"/>
+            <a:r>
+              <a:rPr lang="pt-BR" dirty="0"/>
+              <a:t>Nível de dificuldade do problema</a:t>
+            </a:r>
+          </a:p>
+          <a:p>
+            <a:pPr lvl="1"/>
+            <a:r>
+              <a:rPr lang="pt-BR" dirty="0"/>
+              <a:t>Resistência a mudanças e adoção de novas tecnologias</a:t>
+            </a:r>
+          </a:p>
+          <a:p>
+            <a:pPr lvl="1"/>
+            <a:r>
+              <a:rPr lang="pt-BR" dirty="0"/>
+              <a:t>Falta de comprometimento</a:t>
+            </a:r>
+          </a:p>
+          <a:p>
+            <a:pPr lvl="1"/>
+            <a:r>
+              <a:rPr lang="pt-BR" dirty="0"/>
+              <a:t>Especificidade</a:t>
+            </a:r>
+          </a:p>
+          <a:p>
+            <a:pPr lvl="2"/>
+            <a:r>
+              <a:rPr lang="pt-BR" dirty="0"/>
+              <a:t>Modelagem (MURRAY; MÜLLER; RUDOVÁ, 2007): À medida em que a complexidade aumenta, se torna cada vez mais difícil desenvolver uma solução efetiva</a:t>
+            </a:r>
+          </a:p>
+          <a:p>
+            <a:pPr lvl="1"/>
+            <a:r>
+              <a:rPr lang="pt-BR" dirty="0"/>
+              <a:t>Interfaces pouco agradáveis</a:t>
+            </a:r>
+          </a:p>
+          <a:p>
+            <a:pPr lvl="2"/>
+            <a:r>
+              <a:rPr lang="pt-BR" sz="1400" b="0" i="0" u="none" strike="noStrike" baseline="0" dirty="0">
+                <a:latin typeface="LMRoman12-Regular"/>
+              </a:rPr>
+              <a:t>Interação Homem-Máquina (ANDRE; DINATA, 2018), (ALENCAR et al., 2019a)</a:t>
+            </a:r>
+          </a:p>
+        </p:txBody>
+      </p:sp>
+    </p:spTree>
+    <p:extLst>
+      <p:ext uri="{BB962C8B-B14F-4D97-AF65-F5344CB8AC3E}">
+        <p14:creationId xmlns:p14="http://schemas.microsoft.com/office/powerpoint/2010/main" val="3386733367"/>
+      </p:ext>
+    </p:extLst>
+  </p:cSld>
+  <p:clrMapOvr>
+    <a:masterClrMapping/>
+  </p:clrMapOvr>
+</p:sld>
+</file>
+
+<file path=ppt/slides/slide12.xml><?xml version="1.0" encoding="utf-8"?>
+<p:sld xmlns:a="http://schemas.openxmlformats.org/drawingml/2006/main" xmlns:r="http://schemas.openxmlformats.org/officeDocument/2006/relationships" xmlns:p="http://schemas.openxmlformats.org/presentationml/2006/main">
+  <p:cSld>
+    <p:spTree>
+      <p:nvGrpSpPr>
+        <p:cNvPr id="1" name=""/>
+        <p:cNvGrpSpPr/>
+        <p:nvPr/>
+      </p:nvGrpSpPr>
+      <p:grpSpPr>
+        <a:xfrm>
+          <a:off x="0" y="0"/>
+          <a:ext cx="0" cy="0"/>
+          <a:chOff x="0" y="0"/>
+          <a:chExt cx="0" cy="0"/>
+        </a:xfrm>
+      </p:grpSpPr>
+      <p:sp>
+        <p:nvSpPr>
+          <p:cNvPr id="4" name="Título 1">
+            <a:extLst>
+              <a:ext uri="{FF2B5EF4-FFF2-40B4-BE49-F238E27FC236}">
+                <a16:creationId xmlns:a16="http://schemas.microsoft.com/office/drawing/2014/main" id="{87B18718-B08B-653A-2100-BC6DC72B7E94}"/>
+              </a:ext>
+            </a:extLst>
+          </p:cNvPr>
+          <p:cNvSpPr txBox="1">
+            <a:spLocks/>
+          </p:cNvSpPr>
+          <p:nvPr/>
+        </p:nvSpPr>
+        <p:spPr>
+          <a:xfrm>
+            <a:off x="0" y="-9831"/>
+            <a:ext cx="10131425" cy="692582"/>
+          </a:xfrm>
+          <a:prstGeom prst="rect">
+            <a:avLst/>
+          </a:prstGeom>
+          <a:effectLst/>
+        </p:spPr>
+        <p:txBody>
+          <a:bodyPr vert="horz" lIns="91440" tIns="45720" rIns="91440" bIns="45720" rtlCol="0" anchor="ctr">
+            <a:normAutofit/>
+          </a:bodyPr>
+          <a:lstStyle>
+            <a:lvl1pPr algn="l" defTabSz="457200" rtl="0" eaLnBrk="1" latinLnBrk="0" hangingPunct="1">
+              <a:spcBef>
+                <a:spcPct val="0"/>
+              </a:spcBef>
+              <a:buNone/>
+              <a:defRPr sz="3600" kern="1200" cap="all">
+                <a:ln w="3175" cmpd="sng">
+                  <a:noFill/>
+                </a:ln>
+                <a:solidFill>
+                  <a:schemeClr val="tx1"/>
+                </a:solidFill>
+                <a:effectLst/>
+                <a:latin typeface="+mj-lt"/>
+                <a:ea typeface="+mj-ea"/>
+                <a:cs typeface="+mj-cs"/>
+              </a:defRPr>
+            </a:lvl1pPr>
+            <a:lvl2pPr eaLnBrk="1" hangingPunct="1">
+              <a:defRPr>
+                <a:solidFill>
+                  <a:schemeClr val="tx2"/>
+                </a:solidFill>
+              </a:defRPr>
+            </a:lvl2pPr>
+            <a:lvl3pPr eaLnBrk="1" hangingPunct="1">
+              <a:defRPr>
+                <a:solidFill>
+                  <a:schemeClr val="tx2"/>
+                </a:solidFill>
+              </a:defRPr>
+            </a:lvl3pPr>
+            <a:lvl4pPr eaLnBrk="1" hangingPunct="1">
+              <a:defRPr>
+                <a:solidFill>
+                  <a:schemeClr val="tx2"/>
+                </a:solidFill>
+              </a:defRPr>
+            </a:lvl4pPr>
+            <a:lvl5pPr eaLnBrk="1" hangingPunct="1">
+              <a:defRPr>
+                <a:solidFill>
+                  <a:schemeClr val="tx2"/>
+                </a:solidFill>
+              </a:defRPr>
+            </a:lvl5pPr>
+            <a:lvl6pPr eaLnBrk="1" hangingPunct="1">
+              <a:defRPr>
+                <a:solidFill>
+                  <a:schemeClr val="tx2"/>
+                </a:solidFill>
+              </a:defRPr>
+            </a:lvl6pPr>
+            <a:lvl7pPr eaLnBrk="1" hangingPunct="1">
+              <a:defRPr>
+                <a:solidFill>
+                  <a:schemeClr val="tx2"/>
+                </a:solidFill>
+              </a:defRPr>
+            </a:lvl7pPr>
+            <a:lvl8pPr eaLnBrk="1" hangingPunct="1">
+              <a:defRPr>
+                <a:solidFill>
+                  <a:schemeClr val="tx2"/>
+                </a:solidFill>
+              </a:defRPr>
+            </a:lvl8pPr>
+            <a:lvl9pPr eaLnBrk="1" hangingPunct="1">
+              <a:defRPr>
+                <a:solidFill>
+                  <a:schemeClr val="tx2"/>
+                </a:solidFill>
+              </a:defRPr>
+            </a:lvl9pPr>
+          </a:lstStyle>
+          <a:p>
+            <a:r>
+              <a:rPr lang="pt-BR" dirty="0"/>
+              <a:t>Contexto acadêmico 2.4: </a:t>
+            </a:r>
+            <a:r>
+              <a:rPr lang="pt-BR" i="1" dirty="0"/>
+              <a:t>Timetabling</a:t>
+            </a:r>
+            <a:r>
+              <a:rPr lang="pt-BR" dirty="0"/>
+              <a:t> na UENF</a:t>
+            </a:r>
+          </a:p>
+        </p:txBody>
+      </p:sp>
+      <p:sp>
+        <p:nvSpPr>
+          <p:cNvPr id="2" name="Espaço Reservado para Conteúdo 2">
+            <a:extLst>
+              <a:ext uri="{FF2B5EF4-FFF2-40B4-BE49-F238E27FC236}">
+                <a16:creationId xmlns:a16="http://schemas.microsoft.com/office/drawing/2014/main" id="{B2168B19-1DEF-243D-C9DE-5C871E5D4D6B}"/>
+              </a:ext>
+            </a:extLst>
+          </p:cNvPr>
+          <p:cNvSpPr>
+            <a:spLocks noGrp="1"/>
+          </p:cNvSpPr>
+          <p:nvPr>
+            <p:ph idx="1"/>
+          </p:nvPr>
+        </p:nvSpPr>
+        <p:spPr>
+          <a:xfrm>
+            <a:off x="335936" y="1268976"/>
+            <a:ext cx="10131425" cy="4860054"/>
+          </a:xfrm>
+        </p:spPr>
+        <p:txBody>
+          <a:bodyPr anchor="t">
+            <a:normAutofit/>
+          </a:bodyPr>
+          <a:lstStyle/>
+          <a:p>
+            <a:r>
+              <a:rPr lang="pt-BR" dirty="0"/>
+              <a:t>Sânya Santos (2013)</a:t>
+            </a:r>
+          </a:p>
+          <a:p>
+            <a:pPr lvl="1"/>
+            <a:r>
+              <a:rPr lang="pt-BR" dirty="0"/>
+              <a:t>Objetivo: encontrar solução de grade ótima para Ciência da Computação na UENF</a:t>
+            </a:r>
+          </a:p>
+          <a:p>
+            <a:pPr lvl="1"/>
+            <a:r>
+              <a:rPr lang="pt-BR" dirty="0"/>
+              <a:t>Apresentou diversos métodos construtivos, de refinamento, podendo usar também meta-heurísticas</a:t>
+            </a:r>
+          </a:p>
+          <a:p>
+            <a:pPr lvl="1"/>
+            <a:r>
+              <a:rPr lang="pt-BR" dirty="0"/>
+              <a:t>Utilizou de uma matriz de preferência para a distribuição das disciplinas, com o </a:t>
+            </a:r>
+            <a:r>
+              <a:rPr lang="pt-BR" i="1" dirty="0"/>
+              <a:t>Simulated Annealing</a:t>
+            </a:r>
+            <a:r>
+              <a:rPr lang="pt-BR" dirty="0"/>
+              <a:t> para otimização</a:t>
+            </a:r>
+          </a:p>
+          <a:p>
+            <a:r>
+              <a:rPr lang="pt-BR" dirty="0"/>
+              <a:t>Ricardo Silveira (2014)</a:t>
+            </a:r>
+          </a:p>
+          <a:p>
+            <a:pPr lvl="1"/>
+            <a:r>
+              <a:rPr lang="pt-BR" dirty="0"/>
+              <a:t>Mesmo objetivo que o anterior</a:t>
+            </a:r>
+          </a:p>
+          <a:p>
+            <a:pPr lvl="1"/>
+            <a:r>
+              <a:rPr lang="pt-BR" dirty="0"/>
+              <a:t>Métodos heurísticos: Construção Gulosa e Busca Local; Metaheurísticos: </a:t>
+            </a:r>
+            <a:r>
+              <a:rPr lang="pt-BR" i="1" dirty="0"/>
+              <a:t>Simulated Annealing</a:t>
+            </a:r>
+            <a:r>
+              <a:rPr lang="pt-BR" dirty="0"/>
+              <a:t> e Busca Tabu</a:t>
+            </a:r>
+          </a:p>
+          <a:p>
+            <a:pPr lvl="1"/>
+            <a:r>
+              <a:rPr lang="pt-BR" dirty="0"/>
+              <a:t>Linguagem de programação pros métodos: C; pra interface gráfica: Java</a:t>
+            </a:r>
+          </a:p>
+          <a:p>
+            <a:pPr lvl="1"/>
+            <a:r>
+              <a:rPr lang="pt-BR" dirty="0"/>
+              <a:t>Gerou quadros de horários alocando professores e disciplinas a horários</a:t>
+            </a:r>
+          </a:p>
+          <a:p>
+            <a:pPr lvl="1"/>
+            <a:r>
+              <a:rPr lang="pt-BR" dirty="0"/>
+              <a:t>Trabalhos futuros:</a:t>
+            </a:r>
+          </a:p>
+          <a:p>
+            <a:pPr lvl="2"/>
+            <a:r>
+              <a:rPr lang="pt-BR" dirty="0"/>
+              <a:t>Banco de dados que armazene informações pertinentes ao sistema; permitir ao usuário modificar o quadro de horários; software que retorne a viabilidade da alteração; e maior flexibilidade à aplicação.</a:t>
+            </a:r>
+          </a:p>
+        </p:txBody>
+      </p:sp>
+    </p:spTree>
+    <p:extLst>
+      <p:ext uri="{BB962C8B-B14F-4D97-AF65-F5344CB8AC3E}">
+        <p14:creationId xmlns:p14="http://schemas.microsoft.com/office/powerpoint/2010/main" val="3427603311"/>
+      </p:ext>
+    </p:extLst>
+  </p:cSld>
+  <p:clrMapOvr>
+    <a:masterClrMapping/>
+  </p:clrMapOvr>
+</p:sld>
+</file>
+
+<file path=ppt/slides/slide13.xml><?xml version="1.0" encoding="utf-8"?>
+<p:sld xmlns:a="http://schemas.openxmlformats.org/drawingml/2006/main" xmlns:r="http://schemas.openxmlformats.org/officeDocument/2006/relationships" xmlns:p="http://schemas.openxmlformats.org/presentationml/2006/main" show="0">
+  <p:cSld>
+    <p:spTree>
+      <p:nvGrpSpPr>
+        <p:cNvPr id="1" name=""/>
+        <p:cNvGrpSpPr/>
+        <p:nvPr/>
+      </p:nvGrpSpPr>
+      <p:grpSpPr>
+        <a:xfrm>
+          <a:off x="0" y="0"/>
+          <a:ext cx="0" cy="0"/>
+          <a:chOff x="0" y="0"/>
+          <a:chExt cx="0" cy="0"/>
+        </a:xfrm>
+      </p:grpSpPr>
+      <p:sp>
+        <p:nvSpPr>
+          <p:cNvPr id="4" name="Título 1">
+            <a:extLst>
+              <a:ext uri="{FF2B5EF4-FFF2-40B4-BE49-F238E27FC236}">
+                <a16:creationId xmlns:a16="http://schemas.microsoft.com/office/drawing/2014/main" id="{87B18718-B08B-653A-2100-BC6DC72B7E94}"/>
+              </a:ext>
+            </a:extLst>
+          </p:cNvPr>
+          <p:cNvSpPr txBox="1">
+            <a:spLocks/>
+          </p:cNvSpPr>
+          <p:nvPr/>
+        </p:nvSpPr>
+        <p:spPr>
+          <a:xfrm>
+            <a:off x="0" y="-9831"/>
+            <a:ext cx="10131425" cy="692582"/>
+          </a:xfrm>
+          <a:prstGeom prst="rect">
+            <a:avLst/>
+          </a:prstGeom>
+          <a:effectLst/>
+        </p:spPr>
+        <p:txBody>
+          <a:bodyPr vert="horz" lIns="91440" tIns="45720" rIns="91440" bIns="45720" rtlCol="0" anchor="ctr">
+            <a:normAutofit/>
+          </a:bodyPr>
+          <a:lstStyle>
+            <a:lvl1pPr algn="l" defTabSz="457200" rtl="0" eaLnBrk="1" latinLnBrk="0" hangingPunct="1">
+              <a:spcBef>
+                <a:spcPct val="0"/>
+              </a:spcBef>
+              <a:buNone/>
+              <a:defRPr sz="3600" kern="1200" cap="all">
+                <a:ln w="3175" cmpd="sng">
+                  <a:noFill/>
+                </a:ln>
+                <a:solidFill>
+                  <a:schemeClr val="tx1"/>
+                </a:solidFill>
+                <a:effectLst/>
+                <a:latin typeface="+mj-lt"/>
+                <a:ea typeface="+mj-ea"/>
+                <a:cs typeface="+mj-cs"/>
+              </a:defRPr>
+            </a:lvl1pPr>
+            <a:lvl2pPr eaLnBrk="1" hangingPunct="1">
+              <a:defRPr>
+                <a:solidFill>
+                  <a:schemeClr val="tx2"/>
+                </a:solidFill>
+              </a:defRPr>
+            </a:lvl2pPr>
+            <a:lvl3pPr eaLnBrk="1" hangingPunct="1">
+              <a:defRPr>
+                <a:solidFill>
+                  <a:schemeClr val="tx2"/>
+                </a:solidFill>
+              </a:defRPr>
+            </a:lvl3pPr>
+            <a:lvl4pPr eaLnBrk="1" hangingPunct="1">
+              <a:defRPr>
+                <a:solidFill>
+                  <a:schemeClr val="tx2"/>
+                </a:solidFill>
+              </a:defRPr>
+            </a:lvl4pPr>
+            <a:lvl5pPr eaLnBrk="1" hangingPunct="1">
+              <a:defRPr>
+                <a:solidFill>
+                  <a:schemeClr val="tx2"/>
+                </a:solidFill>
+              </a:defRPr>
+            </a:lvl5pPr>
+            <a:lvl6pPr eaLnBrk="1" hangingPunct="1">
+              <a:defRPr>
+                <a:solidFill>
+                  <a:schemeClr val="tx2"/>
+                </a:solidFill>
+              </a:defRPr>
+            </a:lvl6pPr>
+            <a:lvl7pPr eaLnBrk="1" hangingPunct="1">
+              <a:defRPr>
+                <a:solidFill>
+                  <a:schemeClr val="tx2"/>
+                </a:solidFill>
+              </a:defRPr>
+            </a:lvl7pPr>
+            <a:lvl8pPr eaLnBrk="1" hangingPunct="1">
+              <a:defRPr>
+                <a:solidFill>
+                  <a:schemeClr val="tx2"/>
+                </a:solidFill>
+              </a:defRPr>
+            </a:lvl8pPr>
+            <a:lvl9pPr eaLnBrk="1" hangingPunct="1">
+              <a:defRPr>
+                <a:solidFill>
+                  <a:schemeClr val="tx2"/>
+                </a:solidFill>
+              </a:defRPr>
+            </a:lvl9pPr>
+          </a:lstStyle>
+          <a:p>
+            <a:r>
+              <a:rPr lang="pt-BR" dirty="0"/>
+              <a:t>Contexto acadêmico 2.5: Erros humanos</a:t>
+            </a:r>
+          </a:p>
+        </p:txBody>
+      </p:sp>
+      <p:sp>
+        <p:nvSpPr>
+          <p:cNvPr id="2" name="Espaço Reservado para Conteúdo 2">
+            <a:extLst>
+              <a:ext uri="{FF2B5EF4-FFF2-40B4-BE49-F238E27FC236}">
+                <a16:creationId xmlns:a16="http://schemas.microsoft.com/office/drawing/2014/main" id="{B2168B19-1DEF-243D-C9DE-5C871E5D4D6B}"/>
+              </a:ext>
+            </a:extLst>
+          </p:cNvPr>
+          <p:cNvSpPr>
+            <a:spLocks noGrp="1"/>
+          </p:cNvSpPr>
+          <p:nvPr>
+            <p:ph idx="1"/>
+          </p:nvPr>
+        </p:nvSpPr>
+        <p:spPr>
+          <a:xfrm>
+            <a:off x="335936" y="1268976"/>
+            <a:ext cx="10131425" cy="4860054"/>
+          </a:xfrm>
+        </p:spPr>
+        <p:txBody>
+          <a:bodyPr anchor="t">
+            <a:normAutofit/>
+          </a:bodyPr>
+          <a:lstStyle/>
+          <a:p>
+            <a:endParaRPr lang="pt-BR" dirty="0"/>
+          </a:p>
+        </p:txBody>
+      </p:sp>
+    </p:spTree>
+    <p:extLst>
+      <p:ext uri="{BB962C8B-B14F-4D97-AF65-F5344CB8AC3E}">
+        <p14:creationId xmlns:p14="http://schemas.microsoft.com/office/powerpoint/2010/main" val="853607090"/>
+      </p:ext>
+    </p:extLst>
+  </p:cSld>
+  <p:clrMapOvr>
+    <a:masterClrMapping/>
+  </p:clrMapOvr>
+</p:sld>
+</file>
+
+<file path=ppt/slides/slide14.xml><?xml version="1.0" encoding="utf-8"?>
+<p:sld xmlns:a="http://schemas.openxmlformats.org/drawingml/2006/main" xmlns:r="http://schemas.openxmlformats.org/officeDocument/2006/relationships" xmlns:p="http://schemas.openxmlformats.org/presentationml/2006/main">
+  <p:cSld>
+    <p:spTree>
+      <p:nvGrpSpPr>
+        <p:cNvPr id="1" name=""/>
+        <p:cNvGrpSpPr/>
+        <p:nvPr/>
+      </p:nvGrpSpPr>
+      <p:grpSpPr>
+        <a:xfrm>
+          <a:off x="0" y="0"/>
+          <a:ext cx="0" cy="0"/>
+          <a:chOff x="0" y="0"/>
+          <a:chExt cx="0" cy="0"/>
+        </a:xfrm>
+      </p:grpSpPr>
+      <p:sp>
+        <p:nvSpPr>
+          <p:cNvPr id="2" name="Título 1">
+            <a:extLst>
+              <a:ext uri="{FF2B5EF4-FFF2-40B4-BE49-F238E27FC236}">
+                <a16:creationId xmlns:a16="http://schemas.microsoft.com/office/drawing/2014/main" id="{205ED024-C310-9598-0B4D-2E6E5FDDF49C}"/>
+              </a:ext>
+            </a:extLst>
+          </p:cNvPr>
+          <p:cNvSpPr>
+            <a:spLocks noGrp="1"/>
+          </p:cNvSpPr>
+          <p:nvPr>
+            <p:ph type="title"/>
+          </p:nvPr>
+        </p:nvSpPr>
+        <p:spPr>
+          <a:xfrm>
+            <a:off x="0" y="-9831"/>
+            <a:ext cx="10131425" cy="692582"/>
+          </a:xfrm>
+        </p:spPr>
+        <p:txBody>
+          <a:bodyPr>
+            <a:normAutofit/>
+          </a:bodyPr>
+          <a:lstStyle/>
+          <a:p>
+            <a:r>
+              <a:rPr lang="pt-BR" dirty="0"/>
+              <a:t>Estrutura da Instituição 3.1: a uenf</a:t>
+            </a:r>
+          </a:p>
+        </p:txBody>
+      </p:sp>
+      <p:pic>
+        <p:nvPicPr>
+          <p:cNvPr id="1030" name="Picture 6">
+            <a:extLst>
+              <a:ext uri="{FF2B5EF4-FFF2-40B4-BE49-F238E27FC236}">
+                <a16:creationId xmlns:a16="http://schemas.microsoft.com/office/drawing/2014/main" id="{EC760824-B55A-25B3-FCE6-905CFFC07E50}"/>
+              </a:ext>
+            </a:extLst>
+          </p:cNvPr>
+          <p:cNvPicPr>
+            <a:picLocks noChangeAspect="1" noChangeArrowheads="1"/>
+          </p:cNvPicPr>
+          <p:nvPr/>
+        </p:nvPicPr>
+        <p:blipFill>
+          <a:blip r:embed="rId2">
+            <a:extLst>
+              <a:ext uri="{28A0092B-C50C-407E-A947-70E740481C1C}">
+                <a14:useLocalDpi xmlns:a14="http://schemas.microsoft.com/office/drawing/2010/main" val="0"/>
+              </a:ext>
+            </a:extLst>
+          </a:blip>
+          <a:srcRect/>
+          <a:stretch>
+            <a:fillRect/>
+          </a:stretch>
+        </p:blipFill>
+        <p:spPr bwMode="auto">
+          <a:xfrm>
+            <a:off x="5690930" y="0"/>
+            <a:ext cx="6501070" cy="5618572"/>
+          </a:xfrm>
+          <a:prstGeom prst="rect">
+            <a:avLst/>
+          </a:prstGeom>
+          <a:noFill/>
+          <a:extLst>
+            <a:ext uri="{909E8E84-426E-40DD-AFC4-6F175D3DCCD1}">
+              <a14:hiddenFill xmlns:a14="http://schemas.microsoft.com/office/drawing/2010/main">
+                <a:solidFill>
+                  <a:srgbClr val="FFFFFF"/>
+                </a:solidFill>
+              </a14:hiddenFill>
+            </a:ext>
+          </a:extLst>
+        </p:spPr>
+      </p:pic>
+      <p:sp>
+        <p:nvSpPr>
+          <p:cNvPr id="9" name="Espaço Reservado para Conteúdo 2">
+            <a:extLst>
+              <a:ext uri="{FF2B5EF4-FFF2-40B4-BE49-F238E27FC236}">
+                <a16:creationId xmlns:a16="http://schemas.microsoft.com/office/drawing/2014/main" id="{4B6C46E9-39E0-1AA6-AD51-9AF92FAC971E}"/>
+              </a:ext>
+            </a:extLst>
+          </p:cNvPr>
+          <p:cNvSpPr>
+            <a:spLocks noGrp="1"/>
+          </p:cNvSpPr>
+          <p:nvPr>
+            <p:ph idx="1"/>
+          </p:nvPr>
+        </p:nvSpPr>
+        <p:spPr>
+          <a:xfrm>
+            <a:off x="335936" y="1268976"/>
+            <a:ext cx="10131425" cy="5040056"/>
+          </a:xfrm>
+        </p:spPr>
+        <p:txBody>
+          <a:bodyPr vert="horz" lIns="91440" tIns="45720" rIns="91440" bIns="45720" rtlCol="0" anchor="t">
+            <a:normAutofit/>
+          </a:bodyPr>
+          <a:lstStyle/>
+          <a:p>
+            <a:r>
+              <a:rPr lang="pt-BR" dirty="0"/>
+              <a:t>Administração Superior</a:t>
+            </a:r>
+          </a:p>
+          <a:p>
+            <a:pPr lvl="1"/>
+            <a:r>
+              <a:rPr lang="pt-BR" dirty="0"/>
+              <a:t>Órgão executivo</a:t>
+            </a:r>
+          </a:p>
+          <a:p>
+            <a:pPr lvl="2"/>
+            <a:r>
+              <a:rPr lang="pt-BR" dirty="0"/>
+              <a:t>Secretaria Acadêmica</a:t>
+            </a:r>
+          </a:p>
+          <a:p>
+            <a:pPr lvl="3"/>
+            <a:r>
+              <a:rPr lang="pt-BR" dirty="0"/>
+              <a:t>Coordenar a divulgação do horário escolar</a:t>
+            </a:r>
+          </a:p>
+          <a:p>
+            <a:pPr lvl="3"/>
+            <a:r>
+              <a:rPr lang="pt-BR" dirty="0"/>
+              <a:t>Otimizar os recursos humanos</a:t>
+            </a:r>
+          </a:p>
+          <a:p>
+            <a:pPr lvl="3"/>
+            <a:r>
+              <a:rPr lang="pt-BR" dirty="0"/>
+              <a:t>Ampliar as opções de disciplinas para os alunos</a:t>
+            </a:r>
+          </a:p>
+          <a:p>
+            <a:pPr lvl="3"/>
+            <a:r>
+              <a:rPr lang="pt-BR" dirty="0"/>
+              <a:t>Centralizar os serviços de registro da vida escolar</a:t>
+            </a:r>
+          </a:p>
+          <a:p>
+            <a:r>
+              <a:rPr lang="pt-BR" dirty="0"/>
+              <a:t>Unidades universitárias de ensino</a:t>
+            </a:r>
+          </a:p>
+          <a:p>
+            <a:pPr lvl="1"/>
+            <a:r>
+              <a:rPr lang="pt-BR" dirty="0"/>
+              <a:t>Unidades universitárias de ensino, pesquisa e extensão</a:t>
+            </a:r>
+          </a:p>
+          <a:p>
+            <a:pPr lvl="2"/>
+            <a:r>
+              <a:rPr lang="pt-BR" dirty="0"/>
+              <a:t>Centros: Diretor</a:t>
+            </a:r>
+          </a:p>
+          <a:p>
+            <a:pPr lvl="3"/>
+            <a:r>
+              <a:rPr lang="pt-BR" dirty="0"/>
+              <a:t>Conselho de Centro</a:t>
+            </a:r>
+          </a:p>
+          <a:p>
+            <a:pPr lvl="4"/>
+            <a:r>
+              <a:rPr lang="pt-BR" dirty="0"/>
+              <a:t>Designar, semestralmente, os professores responsáveis pelas disciplinas nos Cursos de Graduação [...] ouvidos os respectivos Laboratórios, Colegiados de Curso e Comissões de Coordenação</a:t>
+            </a:r>
+          </a:p>
+          <a:p>
+            <a:pPr lvl="3"/>
+            <a:r>
+              <a:rPr lang="pt-BR" dirty="0"/>
+              <a:t>Laboratórios: Chefes de Laboratório</a:t>
+            </a:r>
+          </a:p>
+          <a:p>
+            <a:pPr lvl="4"/>
+            <a:r>
+              <a:rPr lang="pt-BR" dirty="0"/>
+              <a:t>“menor parte da estrutura universitária para todos os efeitos de organização administrativa, didático-científica, distribuição de pessoal e de representação nos órgãos colegiados da UENF”</a:t>
+            </a:r>
+          </a:p>
+        </p:txBody>
+      </p:sp>
+    </p:spTree>
+    <p:extLst>
+      <p:ext uri="{BB962C8B-B14F-4D97-AF65-F5344CB8AC3E}">
+        <p14:creationId xmlns:p14="http://schemas.microsoft.com/office/powerpoint/2010/main" val="1043553434"/>
       </p:ext>
     </p:extLst>
   </p:cSld>
@@ -8230,122 +7934,45 @@
       </p:grpSpPr>
       <p:sp>
         <p:nvSpPr>
-          <p:cNvPr id="4" name="Título 1">
+          <p:cNvPr id="2" name="Título 1">
             <a:extLst>
               <a:ext uri="{FF2B5EF4-FFF2-40B4-BE49-F238E27FC236}">
-                <a16:creationId xmlns:a16="http://schemas.microsoft.com/office/drawing/2014/main" id="{87B18718-B08B-653A-2100-BC6DC72B7E94}"/>
+                <a16:creationId xmlns:a16="http://schemas.microsoft.com/office/drawing/2014/main" id="{205ED024-C310-9598-0B4D-2E6E5FDDF49C}"/>
               </a:ext>
             </a:extLst>
           </p:cNvPr>
-          <p:cNvSpPr txBox="1">
-            <a:spLocks/>
-          </p:cNvSpPr>
-          <p:nvPr/>
+          <p:cNvSpPr>
+            <a:spLocks noGrp="1"/>
+          </p:cNvSpPr>
+          <p:nvPr>
+            <p:ph type="title"/>
+          </p:nvPr>
         </p:nvSpPr>
         <p:spPr>
           <a:xfrm>
             <a:off x="0" y="-9831"/>
             <a:ext cx="10131425" cy="692582"/>
           </a:xfrm>
-          <a:prstGeom prst="rect">
-            <a:avLst/>
-          </a:prstGeom>
-          <a:effectLst/>
         </p:spPr>
         <p:txBody>
-          <a:bodyPr vert="horz" lIns="91440" tIns="45720" rIns="91440" bIns="45720" rtlCol="0" anchor="ctr">
+          <a:bodyPr>
             <a:normAutofit/>
           </a:bodyPr>
-          <a:lstStyle>
-            <a:lvl1pPr algn="l" defTabSz="457200" rtl="0" eaLnBrk="1" latinLnBrk="0" hangingPunct="1">
-              <a:spcBef>
-                <a:spcPct val="0"/>
-              </a:spcBef>
-              <a:buNone/>
-              <a:defRPr sz="3600" kern="1200" cap="all">
-                <a:ln w="3175" cmpd="sng">
-                  <a:noFill/>
-                </a:ln>
-                <a:solidFill>
-                  <a:schemeClr val="tx1"/>
-                </a:solidFill>
-                <a:effectLst/>
-                <a:latin typeface="+mj-lt"/>
-                <a:ea typeface="+mj-ea"/>
-                <a:cs typeface="+mj-cs"/>
-              </a:defRPr>
-            </a:lvl1pPr>
-            <a:lvl2pPr eaLnBrk="1" hangingPunct="1">
-              <a:defRPr>
-                <a:solidFill>
-                  <a:schemeClr val="tx2"/>
-                </a:solidFill>
-              </a:defRPr>
-            </a:lvl2pPr>
-            <a:lvl3pPr eaLnBrk="1" hangingPunct="1">
-              <a:defRPr>
-                <a:solidFill>
-                  <a:schemeClr val="tx2"/>
-                </a:solidFill>
-              </a:defRPr>
-            </a:lvl3pPr>
-            <a:lvl4pPr eaLnBrk="1" hangingPunct="1">
-              <a:defRPr>
-                <a:solidFill>
-                  <a:schemeClr val="tx2"/>
-                </a:solidFill>
-              </a:defRPr>
-            </a:lvl4pPr>
-            <a:lvl5pPr eaLnBrk="1" hangingPunct="1">
-              <a:defRPr>
-                <a:solidFill>
-                  <a:schemeClr val="tx2"/>
-                </a:solidFill>
-              </a:defRPr>
-            </a:lvl5pPr>
-            <a:lvl6pPr eaLnBrk="1" hangingPunct="1">
-              <a:defRPr>
-                <a:solidFill>
-                  <a:schemeClr val="tx2"/>
-                </a:solidFill>
-              </a:defRPr>
-            </a:lvl6pPr>
-            <a:lvl7pPr eaLnBrk="1" hangingPunct="1">
-              <a:defRPr>
-                <a:solidFill>
-                  <a:schemeClr val="tx2"/>
-                </a:solidFill>
-              </a:defRPr>
-            </a:lvl7pPr>
-            <a:lvl8pPr eaLnBrk="1" hangingPunct="1">
-              <a:defRPr>
-                <a:solidFill>
-                  <a:schemeClr val="tx2"/>
-                </a:solidFill>
-              </a:defRPr>
-            </a:lvl8pPr>
-            <a:lvl9pPr eaLnBrk="1" hangingPunct="1">
-              <a:defRPr>
-                <a:solidFill>
-                  <a:schemeClr val="tx2"/>
-                </a:solidFill>
-              </a:defRPr>
-            </a:lvl9pPr>
-          </a:lstStyle>
-          <a:p>
-            <a:r>
-              <a:rPr lang="pt-BR" dirty="0"/>
-              <a:t>Contexto acadêmico 2.3: Desafios recorrentes</a:t>
-            </a:r>
-          </a:p>
-        </p:txBody>
-      </p:sp>
-      <p:sp>
-        <p:nvSpPr>
-          <p:cNvPr id="2" name="Espaço Reservado para Conteúdo 2">
+          <a:lstStyle/>
+          <a:p>
+            <a:r>
+              <a:rPr lang="pt-BR" dirty="0"/>
+              <a:t>Estrutura da Instituição 3.1: a uenf</a:t>
+            </a:r>
+          </a:p>
+        </p:txBody>
+      </p:sp>
+      <p:sp>
+        <p:nvSpPr>
+          <p:cNvPr id="9" name="Espaço Reservado para Conteúdo 2">
             <a:extLst>
               <a:ext uri="{FF2B5EF4-FFF2-40B4-BE49-F238E27FC236}">
-                <a16:creationId xmlns:a16="http://schemas.microsoft.com/office/drawing/2014/main" id="{B2168B19-1DEF-243D-C9DE-5C871E5D4D6B}"/>
+                <a16:creationId xmlns:a16="http://schemas.microsoft.com/office/drawing/2014/main" id="{4B6C46E9-39E0-1AA6-AD51-9AF92FAC971E}"/>
               </a:ext>
             </a:extLst>
           </p:cNvPr>
@@ -8359,70 +7986,84 @@
         <p:spPr>
           <a:xfrm>
             <a:off x="335936" y="1268976"/>
-            <a:ext cx="10131425" cy="3649133"/>
+            <a:ext cx="10131425" cy="5040056"/>
           </a:xfrm>
         </p:spPr>
         <p:txBody>
-          <a:bodyPr anchor="t">
+          <a:bodyPr vert="horz" lIns="91440" tIns="45720" rIns="91440" bIns="45720" rtlCol="0" anchor="t">
             <a:normAutofit/>
           </a:bodyPr>
           <a:lstStyle/>
           <a:p>
             <a:r>
               <a:rPr lang="pt-BR" dirty="0"/>
-              <a:t>Problemas organizacionais (MIRANDA; REY; ROBLES, 2012)</a:t>
+              <a:t>Responsáveis pela criação das grades horárias</a:t>
             </a:r>
           </a:p>
           <a:p>
             <a:pPr lvl="1"/>
             <a:r>
-              <a:rPr lang="pt-BR" dirty="0"/>
-              <a:t>Especificidade</a:t>
-            </a:r>
-          </a:p>
-          <a:p>
-            <a:pPr lvl="2"/>
-            <a:r>
-              <a:rPr lang="pt-BR" dirty="0"/>
-              <a:t>Modelagem (MURRAY; MÜLLER; RUDOVÁ, 2007): À medida em que a complexidade aumenta, se torna cada vez mais difícil desenvolver uma solução efetiva</a:t>
+              <a:rPr lang="pt-BR" b="1" dirty="0"/>
+              <a:t>Secretaria Acadêmica</a:t>
+            </a:r>
+            <a:r>
+              <a:rPr lang="pt-BR" dirty="0"/>
+              <a:t>: elaborar e divulgar o Calendário Acadêmico; otimizar os recursos humanos; ampliar a oferta de disciplinas;</a:t>
             </a:r>
           </a:p>
           <a:p>
             <a:pPr lvl="1"/>
             <a:r>
-              <a:rPr lang="pt-BR" dirty="0"/>
-              <a:t>Resistência a mudanças e adoção de novas tecnologias</a:t>
+              <a:rPr lang="pt-BR" b="1" dirty="0"/>
+              <a:t>Câmara de Graduação</a:t>
+            </a:r>
+            <a:r>
+              <a:rPr lang="pt-BR" dirty="0"/>
+              <a:t>: aprovar e modificar o calendário acadêmico; sugerir vagas de bolsistas;</a:t>
             </a:r>
           </a:p>
           <a:p>
             <a:pPr lvl="1"/>
             <a:r>
-              <a:rPr lang="pt-BR" dirty="0"/>
-              <a:t>Falta de comprometimento</a:t>
+              <a:rPr lang="pt-BR" b="1" dirty="0"/>
+              <a:t>Direção de Centro</a:t>
+            </a:r>
+            <a:r>
+              <a:rPr lang="pt-BR" dirty="0"/>
+              <a:t>: designação semestral de professores responsáveis pelas disciplinas, após ouvir os Laboratórios, Colegiados e Coordenações</a:t>
             </a:r>
           </a:p>
           <a:p>
             <a:pPr lvl="1"/>
             <a:r>
-              <a:rPr lang="pt-BR" dirty="0"/>
-              <a:t>Interfaces pouco agradáveis</a:t>
-            </a:r>
-          </a:p>
-          <a:p>
-            <a:pPr lvl="2"/>
-            <a:r>
-              <a:rPr lang="pt-BR" sz="1400" b="0" i="0" u="none" strike="noStrike" baseline="0" dirty="0">
-                <a:latin typeface="LMRoman12-Regular"/>
-              </a:rPr>
-              <a:t>Interação Homem-Máquina (ANDRE; DINATA, 2018), (ALENCAR et al., 2019a)</a:t>
-            </a:r>
-            <a:endParaRPr lang="pt-BR" dirty="0"/>
+              <a:rPr lang="pt-BR" b="1" dirty="0"/>
+              <a:t>Chefia do Laboratório</a:t>
+            </a:r>
+            <a:r>
+              <a:rPr lang="pt-BR" dirty="0"/>
+              <a:t>: atribuir carga horária didática aos docentes do laboratório e aos bolsistas; designar docente responsável por disciplina ofertada;</a:t>
+            </a:r>
           </a:p>
           <a:p>
             <a:pPr lvl="1"/>
             <a:r>
-              <a:rPr lang="pt-BR" dirty="0"/>
-              <a:t>Nível de dificuldade do problema</a:t>
+              <a:rPr lang="pt-BR" b="1" dirty="0"/>
+              <a:t>Coordenação do Curso</a:t>
+            </a:r>
+            <a:r>
+              <a:rPr lang="pt-BR" dirty="0"/>
+              <a:t>: coordenar a distribuição de estudantes do curso; indicar à chefia de laboratório as disciplinas a serem ofertadas ao curso coordenado;</a:t>
+            </a:r>
+          </a:p>
+          <a:p>
+            <a:pPr lvl="1"/>
+            <a:r>
+              <a:rPr lang="pt-BR" b="1" dirty="0"/>
+              <a:t>Sistema Acadêmico</a:t>
+            </a:r>
+            <a:r>
+              <a:rPr lang="pt-BR" dirty="0"/>
+              <a:t>: articula parcialmente as informações entre os setores, como a oferta de disciplinas e a distribuição de estudantes</a:t>
             </a:r>
           </a:p>
         </p:txBody>
@@ -8430,7 +8071,7 @@
     </p:spTree>
     <p:extLst>
       <p:ext uri="{BB962C8B-B14F-4D97-AF65-F5344CB8AC3E}">
-        <p14:creationId xmlns:p14="http://schemas.microsoft.com/office/powerpoint/2010/main" val="3386733367"/>
+        <p14:creationId xmlns:p14="http://schemas.microsoft.com/office/powerpoint/2010/main" val="3815452089"/>
       </p:ext>
     </p:extLst>
   </p:cSld>
@@ -8441,6 +8082,477 @@
 </file>
 
 <file path=ppt/slides/slide16.xml><?xml version="1.0" encoding="utf-8"?>
+<p:sld xmlns:a="http://schemas.openxmlformats.org/drawingml/2006/main" xmlns:r="http://schemas.openxmlformats.org/officeDocument/2006/relationships" xmlns:p="http://schemas.openxmlformats.org/presentationml/2006/main">
+  <p:cSld>
+    <p:spTree>
+      <p:nvGrpSpPr>
+        <p:cNvPr id="1" name=""/>
+        <p:cNvGrpSpPr/>
+        <p:nvPr/>
+      </p:nvGrpSpPr>
+      <p:grpSpPr>
+        <a:xfrm>
+          <a:off x="0" y="0"/>
+          <a:ext cx="0" cy="0"/>
+          <a:chOff x="0" y="0"/>
+          <a:chExt cx="0" cy="0"/>
+        </a:xfrm>
+      </p:grpSpPr>
+      <p:sp>
+        <p:nvSpPr>
+          <p:cNvPr id="2" name="Título 1">
+            <a:extLst>
+              <a:ext uri="{FF2B5EF4-FFF2-40B4-BE49-F238E27FC236}">
+                <a16:creationId xmlns:a16="http://schemas.microsoft.com/office/drawing/2014/main" id="{205ED024-C310-9598-0B4D-2E6E5FDDF49C}"/>
+              </a:ext>
+            </a:extLst>
+          </p:cNvPr>
+          <p:cNvSpPr>
+            <a:spLocks noGrp="1"/>
+          </p:cNvSpPr>
+          <p:nvPr>
+            <p:ph type="title"/>
+          </p:nvPr>
+        </p:nvSpPr>
+        <p:spPr>
+          <a:xfrm>
+            <a:off x="0" y="-9831"/>
+            <a:ext cx="10131425" cy="692582"/>
+          </a:xfrm>
+        </p:spPr>
+        <p:txBody>
+          <a:bodyPr>
+            <a:normAutofit/>
+          </a:bodyPr>
+          <a:lstStyle/>
+          <a:p>
+            <a:r>
+              <a:rPr lang="pt-BR" dirty="0"/>
+              <a:t>Estrutura da Instituição 3.2: Entrevistas</a:t>
+            </a:r>
+          </a:p>
+        </p:txBody>
+      </p:sp>
+      <mc:AlternateContent xmlns:mc="http://schemas.openxmlformats.org/markup-compatibility/2006">
+        <mc:Choice xmlns:a14="http://schemas.microsoft.com/office/drawing/2010/main" Requires="a14">
+          <p:sp>
+            <p:nvSpPr>
+              <p:cNvPr id="9" name="Espaço Reservado para Conteúdo 2">
+                <a:extLst>
+                  <a:ext uri="{FF2B5EF4-FFF2-40B4-BE49-F238E27FC236}">
+                    <a16:creationId xmlns:a16="http://schemas.microsoft.com/office/drawing/2014/main" id="{4B6C46E9-39E0-1AA6-AD51-9AF92FAC971E}"/>
+                  </a:ext>
+                </a:extLst>
+              </p:cNvPr>
+              <p:cNvSpPr>
+                <a:spLocks noGrp="1"/>
+              </p:cNvSpPr>
+              <p:nvPr>
+                <p:ph idx="1"/>
+              </p:nvPr>
+            </p:nvSpPr>
+            <p:spPr>
+              <a:xfrm>
+                <a:off x="335936" y="1268976"/>
+                <a:ext cx="10131425" cy="5040056"/>
+              </a:xfrm>
+            </p:spPr>
+            <p:txBody>
+              <a:bodyPr vert="horz" lIns="91440" tIns="45720" rIns="91440" bIns="45720" rtlCol="0" anchor="t">
+                <a:normAutofit/>
+              </a:bodyPr>
+              <a:lstStyle/>
+              <a:p>
+                <a:r>
+                  <a:rPr lang="pt-BR" b="1" dirty="0"/>
+                  <a:t>Direção do CCT</a:t>
+                </a:r>
+                <a:r>
+                  <a:rPr lang="pt-BR" dirty="0"/>
+                  <a:t>: entendimento de como o processo é realizado atualmente e quais são os padrões recorrentes</a:t>
+                </a:r>
+                <a:endParaRPr lang="pt-BR" b="1" dirty="0"/>
+              </a:p>
+              <a:p>
+                <a:r>
+                  <a:rPr lang="pt-BR" b="1" dirty="0"/>
+                  <a:t>Desenvolvedor do sistema acadêmico</a:t>
+                </a:r>
+                <a:r>
+                  <a:rPr lang="pt-BR" dirty="0"/>
+                  <a:t>: busca por uma integração do projeto com o Sistema Acadêmico vigente</a:t>
+                </a:r>
+                <a:endParaRPr lang="pt-BR" b="1" dirty="0"/>
+              </a:p>
+              <a:p>
+                <a:r>
+                  <a:rPr lang="pt-BR" b="1" dirty="0"/>
+                  <a:t>Chefia do Laboratório de Matemática</a:t>
+                </a:r>
+                <a:r>
+                  <a:rPr lang="pt-BR" dirty="0"/>
+                  <a:t>: apontamentos sobre problemáticas envolvendo a realocação de horários das turmas</a:t>
+                </a:r>
+              </a:p>
+              <a:p>
+                <a:r>
+                  <a:rPr lang="pt-BR" b="1" dirty="0"/>
+                  <a:t>Responsável pela Secretaria Acadêmica (SECACAD)</a:t>
+                </a:r>
+                <a:r>
+                  <a:rPr lang="pt-BR" dirty="0"/>
+                  <a:t>: informação sobre a impossibilidade de cessão de dados de alunos mesmo que anonimizados, a não ser por intermédio de formulário de pesquisa; definição da sequência de atribuição das variáveis: </a:t>
+                </a:r>
+                <a14:m>
+                  <m:oMath xmlns:m="http://schemas.openxmlformats.org/officeDocument/2006/math">
+                    <m:r>
+                      <m:rPr>
+                        <m:nor/>
+                      </m:rPr>
+                      <a:rPr lang="pt-BR" dirty="0"/>
+                      <m:t>Demandas</m:t>
+                    </m:r>
+                    <m:r>
+                      <a:rPr lang="pt-BR" b="0" i="1" smtClean="0">
+                        <a:latin typeface="Cambria Math" panose="02040503050406030204" pitchFamily="18" charset="0"/>
+                      </a:rPr>
+                      <m:t>→</m:t>
+                    </m:r>
+                    <m:r>
+                      <a:rPr lang="pt-BR" b="0" i="1" smtClean="0">
+                        <a:latin typeface="Cambria Math" panose="02040503050406030204" pitchFamily="18" charset="0"/>
+                      </a:rPr>
+                      <m:t>𝑃𝑟𝑜𝑓𝑒𝑠𝑠𝑜𝑟</m:t>
+                    </m:r>
+                    <m:r>
+                      <a:rPr lang="pt-BR" i="1">
+                        <a:latin typeface="Cambria Math" panose="02040503050406030204" pitchFamily="18" charset="0"/>
+                      </a:rPr>
+                      <m:t>→</m:t>
+                    </m:r>
+                    <m:r>
+                      <a:rPr lang="pt-BR" b="0" i="1" smtClean="0">
+                        <a:latin typeface="Cambria Math" panose="02040503050406030204" pitchFamily="18" charset="0"/>
+                      </a:rPr>
+                      <m:t>𝑆𝑎𝑙𝑎</m:t>
+                    </m:r>
+                    <m:r>
+                      <a:rPr lang="pt-BR" i="1">
+                        <a:latin typeface="Cambria Math" panose="02040503050406030204" pitchFamily="18" charset="0"/>
+                      </a:rPr>
+                      <m:t>→</m:t>
+                    </m:r>
+                    <m:r>
+                      <a:rPr lang="pt-BR" b="0" i="1" smtClean="0">
+                        <a:latin typeface="Cambria Math" panose="02040503050406030204" pitchFamily="18" charset="0"/>
+                      </a:rPr>
+                      <m:t>𝐻𝑜𝑟</m:t>
+                    </m:r>
+                    <m:r>
+                      <a:rPr lang="pt-BR" b="0" i="1" smtClean="0">
+                        <a:latin typeface="Cambria Math" panose="02040503050406030204" pitchFamily="18" charset="0"/>
+                      </a:rPr>
+                      <m:t>á</m:t>
+                    </m:r>
+                    <m:r>
+                      <a:rPr lang="pt-BR" b="0" i="1" smtClean="0">
+                        <a:latin typeface="Cambria Math" panose="02040503050406030204" pitchFamily="18" charset="0"/>
+                      </a:rPr>
+                      <m:t>𝑟𝑖𝑜</m:t>
+                    </m:r>
+                  </m:oMath>
+                </a14:m>
+                <a:r>
+                  <a:rPr lang="pt-BR" dirty="0"/>
+                  <a:t>; Inexistência de um registro oficial das salas e suas capacidades; Possibilidade de se excluir manualmente inscrição de alunos</a:t>
+                </a:r>
+              </a:p>
+              <a:p>
+                <a:r>
+                  <a:rPr lang="pt-BR" b="1" dirty="0"/>
+                  <a:t>Coordenação de Computação</a:t>
+                </a:r>
+                <a:r>
+                  <a:rPr lang="pt-BR" dirty="0"/>
+                  <a:t>: turmas fixas e imutáveis; corpo docente de computação reduzido sendo complementado por bolsistas de docência complementar; salas culturalmente alocadas para determinados cursos; preferência por turmas com horários em pares; </a:t>
+                </a:r>
+              </a:p>
+            </p:txBody>
+          </p:sp>
+        </mc:Choice>
+        <mc:Fallback>
+          <p:sp>
+            <p:nvSpPr>
+              <p:cNvPr id="9" name="Espaço Reservado para Conteúdo 2">
+                <a:extLst>
+                  <a:ext uri="{FF2B5EF4-FFF2-40B4-BE49-F238E27FC236}">
+                    <a16:creationId xmlns:a16="http://schemas.microsoft.com/office/drawing/2014/main" id="{4B6C46E9-39E0-1AA6-AD51-9AF92FAC971E}"/>
+                  </a:ext>
+                </a:extLst>
+              </p:cNvPr>
+              <p:cNvSpPr>
+                <a:spLocks noGrp="1" noRot="1" noChangeAspect="1" noMove="1" noResize="1" noEditPoints="1" noAdjustHandles="1" noChangeArrowheads="1" noChangeShapeType="1" noTextEdit="1"/>
+              </p:cNvSpPr>
+              <p:nvPr>
+                <p:ph idx="1"/>
+              </p:nvPr>
+            </p:nvSpPr>
+            <p:spPr>
+              <a:xfrm>
+                <a:off x="335936" y="1268976"/>
+                <a:ext cx="10131425" cy="5040056"/>
+              </a:xfrm>
+              <a:blipFill>
+                <a:blip r:embed="rId2"/>
+                <a:stretch>
+                  <a:fillRect l="-361" t="-605" r="-181"/>
+                </a:stretch>
+              </a:blipFill>
+            </p:spPr>
+            <p:txBody>
+              <a:bodyPr/>
+              <a:lstStyle/>
+              <a:p>
+                <a:r>
+                  <a:rPr lang="pt-BR">
+                    <a:noFill/>
+                  </a:rPr>
+                  <a:t> </a:t>
+                </a:r>
+              </a:p>
+            </p:txBody>
+          </p:sp>
+        </mc:Fallback>
+      </mc:AlternateContent>
+    </p:spTree>
+    <p:extLst>
+      <p:ext uri="{BB962C8B-B14F-4D97-AF65-F5344CB8AC3E}">
+        <p14:creationId xmlns:p14="http://schemas.microsoft.com/office/powerpoint/2010/main" val="3287926753"/>
+      </p:ext>
+    </p:extLst>
+  </p:cSld>
+  <p:clrMapOvr>
+    <a:masterClrMapping/>
+  </p:clrMapOvr>
+</p:sld>
+</file>
+
+<file path=ppt/slides/slide17.xml><?xml version="1.0" encoding="utf-8"?>
+<p:sld xmlns:a="http://schemas.openxmlformats.org/drawingml/2006/main" xmlns:r="http://schemas.openxmlformats.org/officeDocument/2006/relationships" xmlns:p="http://schemas.openxmlformats.org/presentationml/2006/main">
+  <p:cSld>
+    <p:spTree>
+      <p:nvGrpSpPr>
+        <p:cNvPr id="1" name=""/>
+        <p:cNvGrpSpPr/>
+        <p:nvPr/>
+      </p:nvGrpSpPr>
+      <p:grpSpPr>
+        <a:xfrm>
+          <a:off x="0" y="0"/>
+          <a:ext cx="0" cy="0"/>
+          <a:chOff x="0" y="0"/>
+          <a:chExt cx="0" cy="0"/>
+        </a:xfrm>
+      </p:grpSpPr>
+      <p:sp>
+        <p:nvSpPr>
+          <p:cNvPr id="2" name="Título 1">
+            <a:extLst>
+              <a:ext uri="{FF2B5EF4-FFF2-40B4-BE49-F238E27FC236}">
+                <a16:creationId xmlns:a16="http://schemas.microsoft.com/office/drawing/2014/main" id="{205ED024-C310-9598-0B4D-2E6E5FDDF49C}"/>
+              </a:ext>
+            </a:extLst>
+          </p:cNvPr>
+          <p:cNvSpPr>
+            <a:spLocks noGrp="1"/>
+          </p:cNvSpPr>
+          <p:nvPr>
+            <p:ph type="title"/>
+          </p:nvPr>
+        </p:nvSpPr>
+        <p:spPr>
+          <a:xfrm>
+            <a:off x="0" y="-9831"/>
+            <a:ext cx="10131425" cy="692582"/>
+          </a:xfrm>
+        </p:spPr>
+        <p:txBody>
+          <a:bodyPr>
+            <a:normAutofit/>
+          </a:bodyPr>
+          <a:lstStyle/>
+          <a:p>
+            <a:r>
+              <a:rPr lang="pt-BR" dirty="0"/>
+              <a:t>Estrutura da Instituição 3.2: Entrevistas</a:t>
+            </a:r>
+          </a:p>
+        </p:txBody>
+      </p:sp>
+      <p:sp>
+        <p:nvSpPr>
+          <p:cNvPr id="9" name="Espaço Reservado para Conteúdo 2">
+            <a:extLst>
+              <a:ext uri="{FF2B5EF4-FFF2-40B4-BE49-F238E27FC236}">
+                <a16:creationId xmlns:a16="http://schemas.microsoft.com/office/drawing/2014/main" id="{4B6C46E9-39E0-1AA6-AD51-9AF92FAC971E}"/>
+              </a:ext>
+            </a:extLst>
+          </p:cNvPr>
+          <p:cNvSpPr>
+            <a:spLocks noGrp="1"/>
+          </p:cNvSpPr>
+          <p:nvPr>
+            <p:ph idx="1"/>
+          </p:nvPr>
+        </p:nvSpPr>
+        <p:spPr>
+          <a:xfrm>
+            <a:off x="335936" y="1268976"/>
+            <a:ext cx="10131425" cy="5040056"/>
+          </a:xfrm>
+        </p:spPr>
+        <p:txBody>
+          <a:bodyPr vert="horz" lIns="91440" tIns="45720" rIns="91440" bIns="45720" rtlCol="0" anchor="t">
+            <a:normAutofit/>
+          </a:bodyPr>
+          <a:lstStyle/>
+          <a:p>
+            <a:pPr marL="283464" indent="-283464" algn="l" rtl="0" eaLnBrk="1" latinLnBrk="0" hangingPunct="1">
+              <a:spcBef>
+                <a:spcPts val="0"/>
+              </a:spcBef>
+              <a:spcAft>
+                <a:spcPts val="1000"/>
+              </a:spcAft>
+              <a:buClr>
+                <a:schemeClr val="tx1"/>
+              </a:buClr>
+              <a:buSzPct val="100000"/>
+              <a:buFont typeface="Arial" panose="020B0604020202020204" pitchFamily="34" charset="0"/>
+              <a:buChar char="•"/>
+            </a:pPr>
+            <a:r>
+              <a:rPr lang="pt-BR" sz="1800" b="1" kern="1200" dirty="0">
+                <a:solidFill>
+                  <a:srgbClr val="FFFFFF"/>
+                </a:solidFill>
+                <a:effectLst/>
+                <a:latin typeface="Calibri" panose="020F0502020204030204" pitchFamily="34" charset="0"/>
+                <a:ea typeface="+mn-ea"/>
+                <a:cs typeface="+mn-cs"/>
+              </a:rPr>
+              <a:t>Motivação</a:t>
+            </a:r>
+            <a:r>
+              <a:rPr lang="pt-BR" sz="1800" kern="1200" dirty="0">
+                <a:solidFill>
+                  <a:srgbClr val="FFFFFF"/>
+                </a:solidFill>
+                <a:effectLst/>
+                <a:latin typeface="Calibri" panose="020F0502020204030204" pitchFamily="34" charset="0"/>
+                <a:ea typeface="+mn-ea"/>
+                <a:cs typeface="+mn-cs"/>
+              </a:rPr>
+              <a:t>: entender a percepção real dos que lidam com a criação da grade e distinguir a realidade prática do processo de criação das grades horárias</a:t>
+            </a:r>
+            <a:endParaRPr lang="pt-BR" sz="1800" dirty="0">
+              <a:effectLst/>
+            </a:endParaRPr>
+          </a:p>
+          <a:p>
+            <a:pPr marL="283464" indent="-283464" algn="l" rtl="0" eaLnBrk="1" latinLnBrk="0" hangingPunct="1">
+              <a:spcBef>
+                <a:spcPts val="0"/>
+              </a:spcBef>
+              <a:spcAft>
+                <a:spcPts val="1000"/>
+              </a:spcAft>
+            </a:pPr>
+            <a:r>
+              <a:rPr lang="pt-BR" sz="1800" b="1" kern="1200" dirty="0">
+                <a:solidFill>
+                  <a:srgbClr val="FFFFFF"/>
+                </a:solidFill>
+                <a:effectLst/>
+                <a:latin typeface="Calibri" panose="020F0502020204030204" pitchFamily="34" charset="0"/>
+                <a:ea typeface="+mn-ea"/>
+                <a:cs typeface="+mn-cs"/>
+              </a:rPr>
+              <a:t>Objetivo</a:t>
+            </a:r>
+            <a:r>
+              <a:rPr lang="pt-BR" sz="1800" kern="1200" dirty="0">
+                <a:solidFill>
+                  <a:srgbClr val="FFFFFF"/>
+                </a:solidFill>
+                <a:effectLst/>
+                <a:latin typeface="Calibri" panose="020F0502020204030204" pitchFamily="34" charset="0"/>
+                <a:ea typeface="+mn-ea"/>
+                <a:cs typeface="+mn-cs"/>
+              </a:rPr>
+              <a:t>: averiguar se o processo de criação de grades horárias realizada na UENF se apresenta como uma tarefa problemática</a:t>
+            </a:r>
+          </a:p>
+          <a:p>
+            <a:pPr marL="283464" indent="-283464" algn="l" rtl="0" eaLnBrk="1" latinLnBrk="0" hangingPunct="1">
+              <a:spcBef>
+                <a:spcPts val="0"/>
+              </a:spcBef>
+              <a:spcAft>
+                <a:spcPts val="1000"/>
+              </a:spcAft>
+            </a:pPr>
+            <a:r>
+              <a:rPr lang="pt-BR" b="1" dirty="0">
+                <a:solidFill>
+                  <a:srgbClr val="FFFFFF"/>
+                </a:solidFill>
+                <a:latin typeface="Calibri" panose="020F0502020204030204" pitchFamily="34" charset="0"/>
+              </a:rPr>
+              <a:t>Entendimento geral das entrevistas</a:t>
+            </a:r>
+          </a:p>
+          <a:p>
+            <a:pPr marL="740664" lvl="1" indent="-283464"/>
+            <a:r>
+              <a:rPr lang="pt-BR" dirty="0">
+                <a:solidFill>
+                  <a:srgbClr val="FFFFFF"/>
+                </a:solidFill>
+                <a:latin typeface="Calibri" panose="020F0502020204030204" pitchFamily="34" charset="0"/>
+              </a:rPr>
+              <a:t>Há um certo grau de insatisfação por parte dos responsáveis pelo processo de criação da grade horária;</a:t>
+            </a:r>
+          </a:p>
+          <a:p>
+            <a:pPr marL="740664" lvl="1" indent="-283464"/>
+            <a:r>
+              <a:rPr lang="pt-BR" dirty="0">
+                <a:solidFill>
+                  <a:srgbClr val="FFFFFF"/>
+                </a:solidFill>
+                <a:effectLst/>
+                <a:latin typeface="Calibri" panose="020F0502020204030204" pitchFamily="34" charset="0"/>
+              </a:rPr>
+              <a:t>Embora funcione, apresenta gargalos, principalmente na parte de passagem de informação entre os diversos setores;</a:t>
+            </a:r>
+          </a:p>
+        </p:txBody>
+      </p:sp>
+    </p:spTree>
+    <p:extLst>
+      <p:ext uri="{BB962C8B-B14F-4D97-AF65-F5344CB8AC3E}">
+        <p14:creationId xmlns:p14="http://schemas.microsoft.com/office/powerpoint/2010/main" val="3560314542"/>
+      </p:ext>
+    </p:extLst>
+  </p:cSld>
+  <p:clrMapOvr>
+    <a:masterClrMapping/>
+  </p:clrMapOvr>
+</p:sld>
+</file>
+
+<file path=ppt/slides/slide18.xml><?xml version="1.0" encoding="utf-8"?>
 <p:sld xmlns:a="http://schemas.openxmlformats.org/drawingml/2006/main" xmlns:r="http://schemas.openxmlformats.org/officeDocument/2006/relationships" xmlns:p="http://schemas.openxmlformats.org/presentationml/2006/main">
   <p:cSld>
     <p:spTree>
@@ -8845,7 +8957,7 @@
 </p:sld>
 </file>
 
-<file path=ppt/slides/slide17.xml><?xml version="1.0" encoding="utf-8"?>
+<file path=ppt/slides/slide19.xml><?xml version="1.0" encoding="utf-8"?>
 <p:sld xmlns:a="http://schemas.openxmlformats.org/drawingml/2006/main" xmlns:r="http://schemas.openxmlformats.org/officeDocument/2006/relationships" xmlns:p="http://schemas.openxmlformats.org/presentationml/2006/main">
   <p:cSld>
     <p:spTree>
@@ -9329,7 +9441,234 @@
 </p:sld>
 </file>
 
-<file path=ppt/slides/slide18.xml><?xml version="1.0" encoding="utf-8"?>
+<file path=ppt/slides/slide2.xml><?xml version="1.0" encoding="utf-8"?>
+<p:sld xmlns:a="http://schemas.openxmlformats.org/drawingml/2006/main" xmlns:r="http://schemas.openxmlformats.org/officeDocument/2006/relationships" xmlns:p="http://schemas.openxmlformats.org/presentationml/2006/main">
+  <p:cSld>
+    <p:spTree>
+      <p:nvGrpSpPr>
+        <p:cNvPr id="1" name=""/>
+        <p:cNvGrpSpPr/>
+        <p:nvPr/>
+      </p:nvGrpSpPr>
+      <p:grpSpPr>
+        <a:xfrm>
+          <a:off x="0" y="0"/>
+          <a:ext cx="0" cy="0"/>
+          <a:chOff x="0" y="0"/>
+          <a:chExt cx="0" cy="0"/>
+        </a:xfrm>
+      </p:grpSpPr>
+      <p:sp>
+        <p:nvSpPr>
+          <p:cNvPr id="3" name="Espaço Reservado para Conteúdo 2">
+            <a:extLst>
+              <a:ext uri="{FF2B5EF4-FFF2-40B4-BE49-F238E27FC236}">
+                <a16:creationId xmlns:a16="http://schemas.microsoft.com/office/drawing/2014/main" id="{9E0D75D0-8443-AD48-C426-6D33C5102956}"/>
+              </a:ext>
+            </a:extLst>
+          </p:cNvPr>
+          <p:cNvSpPr>
+            <a:spLocks noGrp="1"/>
+          </p:cNvSpPr>
+          <p:nvPr>
+            <p:ph idx="1"/>
+          </p:nvPr>
+        </p:nvSpPr>
+        <p:spPr>
+          <a:xfrm>
+            <a:off x="335936" y="1268976"/>
+            <a:ext cx="10131425" cy="5310059"/>
+          </a:xfrm>
+        </p:spPr>
+        <p:txBody>
+          <a:bodyPr anchor="t">
+            <a:normAutofit/>
+          </a:bodyPr>
+          <a:lstStyle/>
+          <a:p>
+            <a:pPr algn="just"/>
+            <a:r>
+              <a:rPr lang="pt-BR" dirty="0"/>
+              <a:t>Problema &gt; criação de grades horárias &gt; em universidades &gt; UENF &gt; CC</a:t>
+            </a:r>
+          </a:p>
+          <a:p>
+            <a:pPr algn="just"/>
+            <a:r>
+              <a:rPr lang="pt-BR" dirty="0"/>
+              <a:t>Salas, disciplinas, professores, cursos, turmas, horários, alunos, etc.</a:t>
+            </a:r>
+          </a:p>
+          <a:p>
+            <a:pPr algn="just"/>
+            <a:r>
+              <a:rPr lang="pt-BR" dirty="0"/>
+              <a:t>Problemas na modelagem das instituições: entrevistas e pesquisas</a:t>
+            </a:r>
+          </a:p>
+          <a:p>
+            <a:pPr algn="just"/>
+            <a:r>
+              <a:rPr lang="pt-BR" dirty="0"/>
+              <a:t>Sequência de criação das grades</a:t>
+            </a:r>
+          </a:p>
+          <a:p>
+            <a:pPr algn="just"/>
+            <a:r>
+              <a:rPr lang="pt-BR" dirty="0"/>
+              <a:t>Desenvolvimento de um sistema de suporte à decisão</a:t>
+            </a:r>
+          </a:p>
+          <a:p>
+            <a:pPr lvl="1" algn="just"/>
+            <a:r>
+              <a:rPr lang="pt-BR" dirty="0"/>
+              <a:t>JavaScript + biblioteca React</a:t>
+            </a:r>
+          </a:p>
+          <a:p>
+            <a:pPr lvl="1" algn="just"/>
+            <a:r>
+              <a:rPr lang="pt-BR" dirty="0"/>
+              <a:t>GitHub Pages + AWS</a:t>
+            </a:r>
+          </a:p>
+          <a:p>
+            <a:pPr lvl="1" algn="just"/>
+            <a:r>
+              <a:rPr lang="pt-BR" dirty="0"/>
+              <a:t>Funções: CRUD; Solução inicial para CC; Visualizar e corrigir conflitos; Análise histórica dos dados</a:t>
+            </a:r>
+          </a:p>
+        </p:txBody>
+      </p:sp>
+      <p:sp>
+        <p:nvSpPr>
+          <p:cNvPr id="7" name="Título 1">
+            <a:extLst>
+              <a:ext uri="{FF2B5EF4-FFF2-40B4-BE49-F238E27FC236}">
+                <a16:creationId xmlns:a16="http://schemas.microsoft.com/office/drawing/2014/main" id="{C060EFD6-73BB-D1DC-CDA2-086DB13FDA1D}"/>
+              </a:ext>
+            </a:extLst>
+          </p:cNvPr>
+          <p:cNvSpPr txBox="1">
+            <a:spLocks/>
+          </p:cNvSpPr>
+          <p:nvPr/>
+        </p:nvSpPr>
+        <p:spPr>
+          <a:xfrm>
+            <a:off x="0" y="-9831"/>
+            <a:ext cx="10131425" cy="692582"/>
+          </a:xfrm>
+          <a:prstGeom prst="rect">
+            <a:avLst/>
+          </a:prstGeom>
+          <a:effectLst/>
+        </p:spPr>
+        <p:txBody>
+          <a:bodyPr vert="horz" lIns="91440" tIns="45720" rIns="91440" bIns="45720" rtlCol="0" anchor="ctr">
+            <a:normAutofit/>
+          </a:bodyPr>
+          <a:lstStyle>
+            <a:lvl1pPr algn="l" defTabSz="457200" rtl="0" eaLnBrk="1" latinLnBrk="0" hangingPunct="1">
+              <a:spcBef>
+                <a:spcPct val="0"/>
+              </a:spcBef>
+              <a:buNone/>
+              <a:defRPr sz="3600" kern="1200" cap="all">
+                <a:ln w="3175" cmpd="sng">
+                  <a:noFill/>
+                </a:ln>
+                <a:solidFill>
+                  <a:schemeClr val="tx1"/>
+                </a:solidFill>
+                <a:effectLst/>
+                <a:latin typeface="+mj-lt"/>
+                <a:ea typeface="+mj-ea"/>
+                <a:cs typeface="+mj-cs"/>
+              </a:defRPr>
+            </a:lvl1pPr>
+            <a:lvl2pPr eaLnBrk="1" hangingPunct="1">
+              <a:defRPr>
+                <a:solidFill>
+                  <a:schemeClr val="tx2"/>
+                </a:solidFill>
+              </a:defRPr>
+            </a:lvl2pPr>
+            <a:lvl3pPr eaLnBrk="1" hangingPunct="1">
+              <a:defRPr>
+                <a:solidFill>
+                  <a:schemeClr val="tx2"/>
+                </a:solidFill>
+              </a:defRPr>
+            </a:lvl3pPr>
+            <a:lvl4pPr eaLnBrk="1" hangingPunct="1">
+              <a:defRPr>
+                <a:solidFill>
+                  <a:schemeClr val="tx2"/>
+                </a:solidFill>
+              </a:defRPr>
+            </a:lvl4pPr>
+            <a:lvl5pPr eaLnBrk="1" hangingPunct="1">
+              <a:defRPr>
+                <a:solidFill>
+                  <a:schemeClr val="tx2"/>
+                </a:solidFill>
+              </a:defRPr>
+            </a:lvl5pPr>
+            <a:lvl6pPr eaLnBrk="1" hangingPunct="1">
+              <a:defRPr>
+                <a:solidFill>
+                  <a:schemeClr val="tx2"/>
+                </a:solidFill>
+              </a:defRPr>
+            </a:lvl6pPr>
+            <a:lvl7pPr eaLnBrk="1" hangingPunct="1">
+              <a:defRPr>
+                <a:solidFill>
+                  <a:schemeClr val="tx2"/>
+                </a:solidFill>
+              </a:defRPr>
+            </a:lvl7pPr>
+            <a:lvl8pPr eaLnBrk="1" hangingPunct="1">
+              <a:defRPr>
+                <a:solidFill>
+                  <a:schemeClr val="tx2"/>
+                </a:solidFill>
+              </a:defRPr>
+            </a:lvl8pPr>
+            <a:lvl9pPr eaLnBrk="1" hangingPunct="1">
+              <a:defRPr>
+                <a:solidFill>
+                  <a:schemeClr val="tx2"/>
+                </a:solidFill>
+              </a:defRPr>
+            </a:lvl9pPr>
+          </a:lstStyle>
+          <a:p>
+            <a:r>
+              <a:rPr lang="pt-BR" dirty="0"/>
+              <a:t>RESUMO</a:t>
+            </a:r>
+          </a:p>
+        </p:txBody>
+      </p:sp>
+    </p:spTree>
+    <p:extLst>
+      <p:ext uri="{BB962C8B-B14F-4D97-AF65-F5344CB8AC3E}">
+        <p14:creationId xmlns:p14="http://schemas.microsoft.com/office/powerpoint/2010/main" val="692087475"/>
+      </p:ext>
+    </p:extLst>
+  </p:cSld>
+  <p:clrMapOvr>
+    <a:masterClrMapping/>
+  </p:clrMapOvr>
+</p:sld>
+</file>
+
+<file path=ppt/slides/slide20.xml><?xml version="1.0" encoding="utf-8"?>
 <p:sld xmlns:a="http://schemas.openxmlformats.org/drawingml/2006/main" xmlns:r="http://schemas.openxmlformats.org/officeDocument/2006/relationships" xmlns:p="http://schemas.openxmlformats.org/presentationml/2006/main">
   <p:cSld>
     <p:spTree>
@@ -9813,1303 +10152,6 @@
 </p:sld>
 </file>
 
-<file path=ppt/slides/slide19.xml><?xml version="1.0" encoding="utf-8"?>
-<p:sld xmlns:a="http://schemas.openxmlformats.org/drawingml/2006/main" xmlns:r="http://schemas.openxmlformats.org/officeDocument/2006/relationships" xmlns:p="http://schemas.openxmlformats.org/presentationml/2006/main">
-  <p:cSld>
-    <p:spTree>
-      <p:nvGrpSpPr>
-        <p:cNvPr id="1" name=""/>
-        <p:cNvGrpSpPr/>
-        <p:nvPr/>
-      </p:nvGrpSpPr>
-      <p:grpSpPr>
-        <a:xfrm>
-          <a:off x="0" y="0"/>
-          <a:ext cx="0" cy="0"/>
-          <a:chOff x="0" y="0"/>
-          <a:chExt cx="0" cy="0"/>
-        </a:xfrm>
-      </p:grpSpPr>
-      <p:sp>
-        <p:nvSpPr>
-          <p:cNvPr id="3" name="Espaço Reservado para Conteúdo 2">
-            <a:extLst>
-              <a:ext uri="{FF2B5EF4-FFF2-40B4-BE49-F238E27FC236}">
-                <a16:creationId xmlns:a16="http://schemas.microsoft.com/office/drawing/2014/main" id="{DDA9D6F2-868B-0F71-4400-E66403607635}"/>
-              </a:ext>
-            </a:extLst>
-          </p:cNvPr>
-          <p:cNvSpPr>
-            <a:spLocks noGrp="1"/>
-          </p:cNvSpPr>
-          <p:nvPr>
-            <p:ph idx="1"/>
-          </p:nvPr>
-        </p:nvSpPr>
-        <p:spPr>
-          <a:xfrm>
-            <a:off x="335936" y="1268976"/>
-            <a:ext cx="11520128" cy="5040056"/>
-          </a:xfrm>
-        </p:spPr>
-        <p:txBody>
-          <a:bodyPr anchor="t">
-            <a:normAutofit/>
-          </a:bodyPr>
-          <a:lstStyle/>
-          <a:p>
-            <a:r>
-              <a:rPr lang="en-US" dirty="0"/>
-              <a:t>BARHAM, A. M.; WESTWOOD, J. B. A Simple Heuristic to Facilitate Course Timetabling. The Journal of the Operational Research Society, v. 29, n. 11, p. 1055, </a:t>
-            </a:r>
-            <a:r>
-              <a:rPr lang="en-US" dirty="0" err="1"/>
-              <a:t>nov.</a:t>
-            </a:r>
-            <a:r>
-              <a:rPr lang="en-US" dirty="0"/>
-              <a:t> 1978. ISSN 01605682. Disponível em: &lt;https://www.jstor.org/stable/3009353?origin=crossref&gt;. Citado na página 5.</a:t>
-            </a:r>
-          </a:p>
-          <a:p>
-            <a:r>
-              <a:rPr lang="en-US" dirty="0"/>
-              <a:t>BULCK, D. V.; GOOSSENS, D. The international timetabling competition on sports timetabling (ITC2021). European Journal of Operational Research, v. 308, n. 3, p. 1249–1267, ago. 2023. ISSN 03772217. Disponível em: &lt;https: //linkinghub.elsevier.com/retrieve/</a:t>
-            </a:r>
-            <a:r>
-              <a:rPr lang="en-US" dirty="0" err="1"/>
-              <a:t>pii</a:t>
-            </a:r>
-            <a:r>
-              <a:rPr lang="en-US" dirty="0"/>
-              <a:t>/S0377221722009201&gt;. Citado na página 18</a:t>
-            </a:r>
-          </a:p>
-          <a:p>
-            <a:r>
-              <a:rPr lang="pt-BR" dirty="0"/>
-              <a:t>THOMAS, J. J.; KHADER, A. T.; BELATON, B. Visualization </a:t>
-            </a:r>
-            <a:r>
-              <a:rPr lang="pt-BR" dirty="0" err="1"/>
-              <a:t>techniques</a:t>
-            </a:r>
-            <a:r>
-              <a:rPr lang="pt-BR" dirty="0"/>
-              <a:t> </a:t>
-            </a:r>
-            <a:r>
-              <a:rPr lang="pt-BR" dirty="0" err="1"/>
-              <a:t>on</a:t>
-            </a:r>
-            <a:r>
-              <a:rPr lang="pt-BR" dirty="0"/>
-              <a:t> the examination timetabling </a:t>
-            </a:r>
-            <a:r>
-              <a:rPr lang="pt-BR" dirty="0" err="1"/>
-              <a:t>pre-processing</a:t>
-            </a:r>
-            <a:r>
-              <a:rPr lang="pt-BR" dirty="0"/>
-              <a:t> data. In: 2009 </a:t>
-            </a:r>
-            <a:r>
-              <a:rPr lang="pt-BR" dirty="0" err="1"/>
-              <a:t>Sixth</a:t>
-            </a:r>
-            <a:r>
-              <a:rPr lang="pt-BR" dirty="0"/>
-              <a:t> International </a:t>
-            </a:r>
-            <a:r>
-              <a:rPr lang="pt-BR" dirty="0" err="1"/>
-              <a:t>Conference</a:t>
-            </a:r>
-            <a:r>
-              <a:rPr lang="pt-BR" dirty="0"/>
-              <a:t> </a:t>
-            </a:r>
-            <a:r>
-              <a:rPr lang="pt-BR" dirty="0" err="1"/>
-              <a:t>on</a:t>
-            </a:r>
-            <a:r>
-              <a:rPr lang="pt-BR" dirty="0"/>
-              <a:t> Computer </a:t>
-            </a:r>
-            <a:r>
-              <a:rPr lang="pt-BR" dirty="0" err="1"/>
-              <a:t>Graphics</a:t>
-            </a:r>
-            <a:r>
-              <a:rPr lang="pt-BR" dirty="0"/>
-              <a:t>, Imaging and Visualization. [</a:t>
-            </a:r>
-            <a:r>
-              <a:rPr lang="pt-BR" dirty="0" err="1"/>
-              <a:t>S.l</a:t>
-            </a:r>
-            <a:r>
-              <a:rPr lang="pt-BR" dirty="0"/>
-              <a:t>.: s.n.], 2009. p. 454–458. Citado na página 7.</a:t>
-            </a:r>
-          </a:p>
-          <a:p>
-            <a:r>
-              <a:rPr lang="pt-BR" dirty="0"/>
-              <a:t>MIRANDA, J.; REY, P. A.; ROBLES, J. M. udpskeduler: A web </a:t>
-            </a:r>
-            <a:r>
-              <a:rPr lang="pt-BR" dirty="0" err="1"/>
-              <a:t>architecture</a:t>
-            </a:r>
-            <a:r>
-              <a:rPr lang="pt-BR" dirty="0"/>
-              <a:t> </a:t>
-            </a:r>
-            <a:r>
-              <a:rPr lang="pt-BR" dirty="0" err="1"/>
-              <a:t>based</a:t>
-            </a:r>
-            <a:r>
-              <a:rPr lang="pt-BR" dirty="0"/>
-              <a:t> </a:t>
-            </a:r>
-            <a:r>
-              <a:rPr lang="pt-BR" dirty="0" err="1"/>
-              <a:t>decision</a:t>
-            </a:r>
-            <a:r>
-              <a:rPr lang="pt-BR" dirty="0"/>
-              <a:t> </a:t>
-            </a:r>
-            <a:r>
-              <a:rPr lang="pt-BR" dirty="0" err="1"/>
-              <a:t>support</a:t>
-            </a:r>
-            <a:r>
-              <a:rPr lang="pt-BR" dirty="0"/>
-              <a:t> system for course and </a:t>
-            </a:r>
-            <a:r>
-              <a:rPr lang="pt-BR" dirty="0" err="1"/>
-              <a:t>classroom</a:t>
-            </a:r>
-            <a:r>
-              <a:rPr lang="pt-BR" dirty="0"/>
-              <a:t> scheduling. </a:t>
-            </a:r>
-            <a:r>
-              <a:rPr lang="pt-BR" dirty="0" err="1"/>
-              <a:t>Decision</a:t>
-            </a:r>
-            <a:r>
-              <a:rPr lang="pt-BR" dirty="0"/>
-              <a:t> </a:t>
-            </a:r>
-            <a:r>
-              <a:rPr lang="pt-BR" dirty="0" err="1"/>
-              <a:t>Support</a:t>
-            </a:r>
-            <a:r>
-              <a:rPr lang="pt-BR" dirty="0"/>
-              <a:t> Systems, v. 52, n. 2, p. 505–513, 2012. ISSN 0167-9236. Disponível em: &lt;https://www.sciencedirect.com/</a:t>
-            </a:r>
-            <a:r>
-              <a:rPr lang="pt-BR" dirty="0" err="1"/>
-              <a:t>science</a:t>
-            </a:r>
-            <a:r>
-              <a:rPr lang="pt-BR" dirty="0"/>
-              <a:t>/</a:t>
-            </a:r>
-            <a:r>
-              <a:rPr lang="pt-BR" dirty="0" err="1"/>
-              <a:t>article</a:t>
-            </a:r>
-            <a:r>
-              <a:rPr lang="pt-BR" dirty="0"/>
-              <a:t>/</a:t>
-            </a:r>
-            <a:r>
-              <a:rPr lang="pt-BR" dirty="0" err="1"/>
-              <a:t>pii</a:t>
-            </a:r>
-            <a:r>
-              <a:rPr lang="pt-BR" dirty="0"/>
-              <a:t>/S0167923611001746&gt;. Citado 2 vezes nas páginas 6 e 7.</a:t>
-            </a:r>
-          </a:p>
-          <a:p>
-            <a:r>
-              <a:rPr lang="pt-BR" dirty="0"/>
-              <a:t>BOURQUE, P.; FAIRLEY, R. E. (Ed.). SWEBOK: </a:t>
-            </a:r>
-            <a:r>
-              <a:rPr lang="pt-BR" dirty="0" err="1"/>
-              <a:t>guide</a:t>
-            </a:r>
-            <a:r>
-              <a:rPr lang="pt-BR" dirty="0"/>
-              <a:t> </a:t>
-            </a:r>
-            <a:r>
-              <a:rPr lang="pt-BR" dirty="0" err="1"/>
-              <a:t>to</a:t>
-            </a:r>
-            <a:r>
-              <a:rPr lang="pt-BR" dirty="0"/>
-              <a:t> the software </a:t>
-            </a:r>
-            <a:r>
-              <a:rPr lang="pt-BR" dirty="0" err="1"/>
-              <a:t>engineering</a:t>
-            </a:r>
-            <a:r>
-              <a:rPr lang="pt-BR" dirty="0"/>
-              <a:t> body of </a:t>
-            </a:r>
-            <a:r>
-              <a:rPr lang="pt-BR" dirty="0" err="1"/>
-              <a:t>knowledge</a:t>
-            </a:r>
-            <a:r>
-              <a:rPr lang="pt-BR" dirty="0"/>
-              <a:t>. </a:t>
-            </a:r>
-            <a:r>
-              <a:rPr lang="pt-BR" dirty="0" err="1"/>
-              <a:t>Version</a:t>
-            </a:r>
-            <a:r>
-              <a:rPr lang="pt-BR" dirty="0"/>
-              <a:t> 3.0. Los </a:t>
-            </a:r>
-            <a:r>
-              <a:rPr lang="pt-BR" dirty="0" err="1"/>
-              <a:t>Alamitos</a:t>
-            </a:r>
-            <a:r>
-              <a:rPr lang="pt-BR" dirty="0"/>
-              <a:t>, CA: IEEE Computer Society, 2014. OCLC: 880350861. ISBN 978-0-7695-5166-1. Citado na página 9.</a:t>
-            </a:r>
-          </a:p>
-        </p:txBody>
-      </p:sp>
-      <p:sp>
-        <p:nvSpPr>
-          <p:cNvPr id="6" name="Título 1">
-            <a:extLst>
-              <a:ext uri="{FF2B5EF4-FFF2-40B4-BE49-F238E27FC236}">
-                <a16:creationId xmlns:a16="http://schemas.microsoft.com/office/drawing/2014/main" id="{4CCC6F76-4C02-051B-C871-5A279FCDA588}"/>
-              </a:ext>
-            </a:extLst>
-          </p:cNvPr>
-          <p:cNvSpPr txBox="1">
-            <a:spLocks/>
-          </p:cNvSpPr>
-          <p:nvPr/>
-        </p:nvSpPr>
-        <p:spPr>
-          <a:xfrm>
-            <a:off x="0" y="-9831"/>
-            <a:ext cx="10131425" cy="692582"/>
-          </a:xfrm>
-          <a:prstGeom prst="rect">
-            <a:avLst/>
-          </a:prstGeom>
-          <a:effectLst/>
-        </p:spPr>
-        <p:txBody>
-          <a:bodyPr vert="horz" lIns="91440" tIns="45720" rIns="91440" bIns="45720" rtlCol="0" anchor="ctr">
-            <a:normAutofit/>
-          </a:bodyPr>
-          <a:lstStyle>
-            <a:lvl1pPr algn="l" defTabSz="457200" rtl="0" eaLnBrk="1" latinLnBrk="0" hangingPunct="1">
-              <a:spcBef>
-                <a:spcPct val="0"/>
-              </a:spcBef>
-              <a:buNone/>
-              <a:defRPr sz="3600" kern="1200" cap="all">
-                <a:ln w="3175" cmpd="sng">
-                  <a:noFill/>
-                </a:ln>
-                <a:solidFill>
-                  <a:schemeClr val="tx1"/>
-                </a:solidFill>
-                <a:effectLst/>
-                <a:latin typeface="+mj-lt"/>
-                <a:ea typeface="+mj-ea"/>
-                <a:cs typeface="+mj-cs"/>
-              </a:defRPr>
-            </a:lvl1pPr>
-            <a:lvl2pPr eaLnBrk="1" hangingPunct="1">
-              <a:defRPr>
-                <a:solidFill>
-                  <a:schemeClr val="tx2"/>
-                </a:solidFill>
-              </a:defRPr>
-            </a:lvl2pPr>
-            <a:lvl3pPr eaLnBrk="1" hangingPunct="1">
-              <a:defRPr>
-                <a:solidFill>
-                  <a:schemeClr val="tx2"/>
-                </a:solidFill>
-              </a:defRPr>
-            </a:lvl3pPr>
-            <a:lvl4pPr eaLnBrk="1" hangingPunct="1">
-              <a:defRPr>
-                <a:solidFill>
-                  <a:schemeClr val="tx2"/>
-                </a:solidFill>
-              </a:defRPr>
-            </a:lvl4pPr>
-            <a:lvl5pPr eaLnBrk="1" hangingPunct="1">
-              <a:defRPr>
-                <a:solidFill>
-                  <a:schemeClr val="tx2"/>
-                </a:solidFill>
-              </a:defRPr>
-            </a:lvl5pPr>
-            <a:lvl6pPr eaLnBrk="1" hangingPunct="1">
-              <a:defRPr>
-                <a:solidFill>
-                  <a:schemeClr val="tx2"/>
-                </a:solidFill>
-              </a:defRPr>
-            </a:lvl6pPr>
-            <a:lvl7pPr eaLnBrk="1" hangingPunct="1">
-              <a:defRPr>
-                <a:solidFill>
-                  <a:schemeClr val="tx2"/>
-                </a:solidFill>
-              </a:defRPr>
-            </a:lvl7pPr>
-            <a:lvl8pPr eaLnBrk="1" hangingPunct="1">
-              <a:defRPr>
-                <a:solidFill>
-                  <a:schemeClr val="tx2"/>
-                </a:solidFill>
-              </a:defRPr>
-            </a:lvl8pPr>
-            <a:lvl9pPr eaLnBrk="1" hangingPunct="1">
-              <a:defRPr>
-                <a:solidFill>
-                  <a:schemeClr val="tx2"/>
-                </a:solidFill>
-              </a:defRPr>
-            </a:lvl9pPr>
-          </a:lstStyle>
-          <a:p>
-            <a:r>
-              <a:rPr lang="pt-BR" dirty="0"/>
-              <a:t>Referências bibliográficas: Introdução</a:t>
-            </a:r>
-          </a:p>
-        </p:txBody>
-      </p:sp>
-    </p:spTree>
-    <p:extLst>
-      <p:ext uri="{BB962C8B-B14F-4D97-AF65-F5344CB8AC3E}">
-        <p14:creationId xmlns:p14="http://schemas.microsoft.com/office/powerpoint/2010/main" val="2395503841"/>
-      </p:ext>
-    </p:extLst>
-  </p:cSld>
-  <p:clrMapOvr>
-    <a:masterClrMapping/>
-  </p:clrMapOvr>
-</p:sld>
-</file>
-
-<file path=ppt/slides/slide2.xml><?xml version="1.0" encoding="utf-8"?>
-<p:sld xmlns:a="http://schemas.openxmlformats.org/drawingml/2006/main" xmlns:r="http://schemas.openxmlformats.org/officeDocument/2006/relationships" xmlns:p="http://schemas.openxmlformats.org/presentationml/2006/main">
-  <p:cSld>
-    <p:spTree>
-      <p:nvGrpSpPr>
-        <p:cNvPr id="1" name=""/>
-        <p:cNvGrpSpPr/>
-        <p:nvPr/>
-      </p:nvGrpSpPr>
-      <p:grpSpPr>
-        <a:xfrm>
-          <a:off x="0" y="0"/>
-          <a:ext cx="0" cy="0"/>
-          <a:chOff x="0" y="0"/>
-          <a:chExt cx="0" cy="0"/>
-        </a:xfrm>
-      </p:grpSpPr>
-      <p:sp>
-        <p:nvSpPr>
-          <p:cNvPr id="3" name="Espaço Reservado para Conteúdo 2">
-            <a:extLst>
-              <a:ext uri="{FF2B5EF4-FFF2-40B4-BE49-F238E27FC236}">
-                <a16:creationId xmlns:a16="http://schemas.microsoft.com/office/drawing/2014/main" id="{9E0D75D0-8443-AD48-C426-6D33C5102956}"/>
-              </a:ext>
-            </a:extLst>
-          </p:cNvPr>
-          <p:cNvSpPr>
-            <a:spLocks noGrp="1"/>
-          </p:cNvSpPr>
-          <p:nvPr>
-            <p:ph idx="1"/>
-          </p:nvPr>
-        </p:nvSpPr>
-        <p:spPr>
-          <a:xfrm>
-            <a:off x="335936" y="1268976"/>
-            <a:ext cx="10131425" cy="5310059"/>
-          </a:xfrm>
-        </p:spPr>
-        <p:txBody>
-          <a:bodyPr anchor="t">
-            <a:normAutofit/>
-          </a:bodyPr>
-          <a:lstStyle/>
-          <a:p>
-            <a:pPr algn="just"/>
-            <a:r>
-              <a:rPr lang="pt-BR" dirty="0"/>
-              <a:t>Problema &gt; criação de grades horárias &gt; em universidades &gt; UENF &gt; CC</a:t>
-            </a:r>
-          </a:p>
-          <a:p>
-            <a:pPr algn="just"/>
-            <a:r>
-              <a:rPr lang="pt-BR" dirty="0"/>
-              <a:t>Salas, disciplinas, professores, cursos, turmas, horários, alunos, etc.</a:t>
-            </a:r>
-          </a:p>
-          <a:p>
-            <a:pPr algn="just"/>
-            <a:r>
-              <a:rPr lang="pt-BR" dirty="0"/>
-              <a:t>Problemas na modelagem das instituições: entrevistas e pesquisas</a:t>
-            </a:r>
-          </a:p>
-          <a:p>
-            <a:pPr algn="just"/>
-            <a:r>
-              <a:rPr lang="pt-BR" dirty="0"/>
-              <a:t>Sequência de criação das grades</a:t>
-            </a:r>
-          </a:p>
-          <a:p>
-            <a:pPr algn="just"/>
-            <a:r>
-              <a:rPr lang="pt-BR" dirty="0"/>
-              <a:t>Desenvolvimento de um sistema de suporte à decisão</a:t>
-            </a:r>
-          </a:p>
-          <a:p>
-            <a:pPr lvl="1" algn="just"/>
-            <a:r>
-              <a:rPr lang="pt-BR" dirty="0"/>
-              <a:t>JavaScript + biblioteca React</a:t>
-            </a:r>
-          </a:p>
-          <a:p>
-            <a:pPr lvl="1" algn="just"/>
-            <a:r>
-              <a:rPr lang="pt-BR" dirty="0"/>
-              <a:t>GitHub Pages + AWS</a:t>
-            </a:r>
-          </a:p>
-          <a:p>
-            <a:pPr lvl="1" algn="just"/>
-            <a:r>
-              <a:rPr lang="pt-BR" dirty="0"/>
-              <a:t>Funções: CRUD; Solução inicial para CC; Visualizar e corrigir conflitos; Análise histórica dos dados</a:t>
-            </a:r>
-          </a:p>
-        </p:txBody>
-      </p:sp>
-      <p:sp>
-        <p:nvSpPr>
-          <p:cNvPr id="7" name="Título 1">
-            <a:extLst>
-              <a:ext uri="{FF2B5EF4-FFF2-40B4-BE49-F238E27FC236}">
-                <a16:creationId xmlns:a16="http://schemas.microsoft.com/office/drawing/2014/main" id="{C060EFD6-73BB-D1DC-CDA2-086DB13FDA1D}"/>
-              </a:ext>
-            </a:extLst>
-          </p:cNvPr>
-          <p:cNvSpPr txBox="1">
-            <a:spLocks/>
-          </p:cNvSpPr>
-          <p:nvPr/>
-        </p:nvSpPr>
-        <p:spPr>
-          <a:xfrm>
-            <a:off x="0" y="-9831"/>
-            <a:ext cx="10131425" cy="692582"/>
-          </a:xfrm>
-          <a:prstGeom prst="rect">
-            <a:avLst/>
-          </a:prstGeom>
-          <a:effectLst/>
-        </p:spPr>
-        <p:txBody>
-          <a:bodyPr vert="horz" lIns="91440" tIns="45720" rIns="91440" bIns="45720" rtlCol="0" anchor="ctr">
-            <a:normAutofit/>
-          </a:bodyPr>
-          <a:lstStyle>
-            <a:lvl1pPr algn="l" defTabSz="457200" rtl="0" eaLnBrk="1" latinLnBrk="0" hangingPunct="1">
-              <a:spcBef>
-                <a:spcPct val="0"/>
-              </a:spcBef>
-              <a:buNone/>
-              <a:defRPr sz="3600" kern="1200" cap="all">
-                <a:ln w="3175" cmpd="sng">
-                  <a:noFill/>
-                </a:ln>
-                <a:solidFill>
-                  <a:schemeClr val="tx1"/>
-                </a:solidFill>
-                <a:effectLst/>
-                <a:latin typeface="+mj-lt"/>
-                <a:ea typeface="+mj-ea"/>
-                <a:cs typeface="+mj-cs"/>
-              </a:defRPr>
-            </a:lvl1pPr>
-            <a:lvl2pPr eaLnBrk="1" hangingPunct="1">
-              <a:defRPr>
-                <a:solidFill>
-                  <a:schemeClr val="tx2"/>
-                </a:solidFill>
-              </a:defRPr>
-            </a:lvl2pPr>
-            <a:lvl3pPr eaLnBrk="1" hangingPunct="1">
-              <a:defRPr>
-                <a:solidFill>
-                  <a:schemeClr val="tx2"/>
-                </a:solidFill>
-              </a:defRPr>
-            </a:lvl3pPr>
-            <a:lvl4pPr eaLnBrk="1" hangingPunct="1">
-              <a:defRPr>
-                <a:solidFill>
-                  <a:schemeClr val="tx2"/>
-                </a:solidFill>
-              </a:defRPr>
-            </a:lvl4pPr>
-            <a:lvl5pPr eaLnBrk="1" hangingPunct="1">
-              <a:defRPr>
-                <a:solidFill>
-                  <a:schemeClr val="tx2"/>
-                </a:solidFill>
-              </a:defRPr>
-            </a:lvl5pPr>
-            <a:lvl6pPr eaLnBrk="1" hangingPunct="1">
-              <a:defRPr>
-                <a:solidFill>
-                  <a:schemeClr val="tx2"/>
-                </a:solidFill>
-              </a:defRPr>
-            </a:lvl6pPr>
-            <a:lvl7pPr eaLnBrk="1" hangingPunct="1">
-              <a:defRPr>
-                <a:solidFill>
-                  <a:schemeClr val="tx2"/>
-                </a:solidFill>
-              </a:defRPr>
-            </a:lvl7pPr>
-            <a:lvl8pPr eaLnBrk="1" hangingPunct="1">
-              <a:defRPr>
-                <a:solidFill>
-                  <a:schemeClr val="tx2"/>
-                </a:solidFill>
-              </a:defRPr>
-            </a:lvl8pPr>
-            <a:lvl9pPr eaLnBrk="1" hangingPunct="1">
-              <a:defRPr>
-                <a:solidFill>
-                  <a:schemeClr val="tx2"/>
-                </a:solidFill>
-              </a:defRPr>
-            </a:lvl9pPr>
-          </a:lstStyle>
-          <a:p>
-            <a:r>
-              <a:rPr lang="pt-BR" dirty="0"/>
-              <a:t>RESUMO</a:t>
-            </a:r>
-          </a:p>
-        </p:txBody>
-      </p:sp>
-    </p:spTree>
-    <p:extLst>
-      <p:ext uri="{BB962C8B-B14F-4D97-AF65-F5344CB8AC3E}">
-        <p14:creationId xmlns:p14="http://schemas.microsoft.com/office/powerpoint/2010/main" val="692087475"/>
-      </p:ext>
-    </p:extLst>
-  </p:cSld>
-  <p:clrMapOvr>
-    <a:masterClrMapping/>
-  </p:clrMapOvr>
-</p:sld>
-</file>
-
-<file path=ppt/slides/slide20.xml><?xml version="1.0" encoding="utf-8"?>
-<p:sld xmlns:a="http://schemas.openxmlformats.org/drawingml/2006/main" xmlns:r="http://schemas.openxmlformats.org/officeDocument/2006/relationships" xmlns:p="http://schemas.openxmlformats.org/presentationml/2006/main">
-  <p:cSld>
-    <p:spTree>
-      <p:nvGrpSpPr>
-        <p:cNvPr id="1" name=""/>
-        <p:cNvGrpSpPr/>
-        <p:nvPr/>
-      </p:nvGrpSpPr>
-      <p:grpSpPr>
-        <a:xfrm>
-          <a:off x="0" y="0"/>
-          <a:ext cx="0" cy="0"/>
-          <a:chOff x="0" y="0"/>
-          <a:chExt cx="0" cy="0"/>
-        </a:xfrm>
-      </p:grpSpPr>
-      <p:sp>
-        <p:nvSpPr>
-          <p:cNvPr id="3" name="Espaço Reservado para Conteúdo 2">
-            <a:extLst>
-              <a:ext uri="{FF2B5EF4-FFF2-40B4-BE49-F238E27FC236}">
-                <a16:creationId xmlns:a16="http://schemas.microsoft.com/office/drawing/2014/main" id="{DDA9D6F2-868B-0F71-4400-E66403607635}"/>
-              </a:ext>
-            </a:extLst>
-          </p:cNvPr>
-          <p:cNvSpPr>
-            <a:spLocks noGrp="1"/>
-          </p:cNvSpPr>
-          <p:nvPr>
-            <p:ph idx="1"/>
-          </p:nvPr>
-        </p:nvSpPr>
-        <p:spPr>
-          <a:xfrm>
-            <a:off x="335936" y="1268976"/>
-            <a:ext cx="11520128" cy="5040056"/>
-          </a:xfrm>
-        </p:spPr>
-        <p:txBody>
-          <a:bodyPr anchor="t">
-            <a:normAutofit fontScale="77500" lnSpcReduction="20000"/>
-          </a:bodyPr>
-          <a:lstStyle/>
-          <a:p>
-            <a:r>
-              <a:rPr lang="pt-BR" dirty="0"/>
-              <a:t>WREN, A. Scheduling, timetabling and </a:t>
-            </a:r>
-            <a:r>
-              <a:rPr lang="pt-BR" dirty="0" err="1"/>
-              <a:t>rostering</a:t>
-            </a:r>
-            <a:r>
-              <a:rPr lang="pt-BR" dirty="0"/>
-              <a:t> — A </a:t>
-            </a:r>
-            <a:r>
-              <a:rPr lang="pt-BR" dirty="0" err="1"/>
-              <a:t>special</a:t>
-            </a:r>
-            <a:r>
-              <a:rPr lang="pt-BR" dirty="0"/>
-              <a:t> </a:t>
-            </a:r>
-            <a:r>
-              <a:rPr lang="pt-BR" dirty="0" err="1"/>
-              <a:t>relationship</a:t>
-            </a:r>
-            <a:r>
-              <a:rPr lang="pt-BR" dirty="0"/>
-              <a:t>? In: GOOS, G. et al. (Ed.). </a:t>
-            </a:r>
-            <a:r>
-              <a:rPr lang="pt-BR" dirty="0" err="1"/>
-              <a:t>Practice</a:t>
-            </a:r>
-            <a:r>
-              <a:rPr lang="pt-BR" dirty="0"/>
-              <a:t> and </a:t>
-            </a:r>
-            <a:r>
-              <a:rPr lang="pt-BR" dirty="0" err="1"/>
-              <a:t>Theory</a:t>
-            </a:r>
-            <a:r>
-              <a:rPr lang="pt-BR" dirty="0"/>
-              <a:t> of </a:t>
-            </a:r>
-            <a:r>
-              <a:rPr lang="pt-BR" dirty="0" err="1"/>
-              <a:t>Automated</a:t>
-            </a:r>
-            <a:r>
-              <a:rPr lang="pt-BR" dirty="0"/>
-              <a:t> Timetabling. Berlin, Heidelberg: Springer Berlin Heidelberg, 1996. v. 1153, p. 46–75. ISBN 978-3-540-61794-5 978-3-540-70682-3. Series </a:t>
-            </a:r>
-            <a:r>
-              <a:rPr lang="pt-BR" dirty="0" err="1"/>
-              <a:t>Title</a:t>
-            </a:r>
-            <a:r>
-              <a:rPr lang="pt-BR" dirty="0"/>
-              <a:t>: </a:t>
-            </a:r>
-            <a:r>
-              <a:rPr lang="pt-BR" dirty="0" err="1"/>
-              <a:t>Lecture</a:t>
-            </a:r>
-            <a:r>
-              <a:rPr lang="pt-BR" dirty="0"/>
-              <a:t> Notes in Computer Science. Disponível em: &lt;http://link.springer.com/10.1007/3-540-61794-9_51&gt;. Citado 2 vezes nas páginas 11 e 12.ALENCAR et al., 2019a</a:t>
-            </a:r>
-          </a:p>
-          <a:p>
-            <a:r>
-              <a:rPr lang="pt-BR" dirty="0"/>
-              <a:t>ALEGRE, P. Desenvolvimento de um Modelo para o School Timetabling Problem Baseado na Meta-Heurística </a:t>
-            </a:r>
-            <a:r>
-              <a:rPr lang="pt-BR" dirty="0" err="1"/>
-              <a:t>Simulated</a:t>
-            </a:r>
-            <a:r>
-              <a:rPr lang="pt-BR" dirty="0"/>
-              <a:t> </a:t>
-            </a:r>
-            <a:r>
-              <a:rPr lang="pt-BR" dirty="0" err="1"/>
-              <a:t>Annealing</a:t>
-            </a:r>
-            <a:r>
-              <a:rPr lang="pt-BR" dirty="0"/>
-              <a:t>. </a:t>
-            </a:r>
-            <a:r>
-              <a:rPr lang="pt-BR" dirty="0" err="1"/>
-              <a:t>Simulated</a:t>
-            </a:r>
-            <a:r>
-              <a:rPr lang="pt-BR" dirty="0"/>
-              <a:t> </a:t>
-            </a:r>
-            <a:r>
-              <a:rPr lang="pt-BR" dirty="0" err="1"/>
-              <a:t>Annealing</a:t>
-            </a:r>
-            <a:r>
-              <a:rPr lang="pt-BR" dirty="0"/>
-              <a:t>, 2012. Citado na página 13.</a:t>
-            </a:r>
-          </a:p>
-          <a:p>
-            <a:r>
-              <a:rPr lang="pt-BR" dirty="0"/>
-              <a:t>ARRATIA-MARTINEZ, N. M.; MAYA-PADRON, C.; AVILA-TORRES, P. A. University Course Timetabling Problem </a:t>
-            </a:r>
-            <a:r>
-              <a:rPr lang="pt-BR" dirty="0" err="1"/>
-              <a:t>with</a:t>
-            </a:r>
-            <a:r>
-              <a:rPr lang="pt-BR" dirty="0"/>
-              <a:t> Professor </a:t>
-            </a:r>
-            <a:r>
-              <a:rPr lang="pt-BR" dirty="0" err="1"/>
-              <a:t>Assignment</a:t>
-            </a:r>
-            <a:r>
-              <a:rPr lang="pt-BR" dirty="0"/>
-              <a:t>. </a:t>
-            </a:r>
-            <a:r>
-              <a:rPr lang="pt-BR" dirty="0" err="1"/>
-              <a:t>Mathematical</a:t>
-            </a:r>
-            <a:r>
-              <a:rPr lang="pt-BR" dirty="0"/>
-              <a:t> </a:t>
-            </a:r>
-            <a:r>
-              <a:rPr lang="pt-BR" dirty="0" err="1"/>
-              <a:t>Problems</a:t>
-            </a:r>
-            <a:r>
-              <a:rPr lang="pt-BR" dirty="0"/>
-              <a:t> in </a:t>
-            </a:r>
-            <a:r>
-              <a:rPr lang="pt-BR" dirty="0" err="1"/>
-              <a:t>Engineering</a:t>
-            </a:r>
-            <a:r>
-              <a:rPr lang="pt-BR" dirty="0"/>
-              <a:t>, v. 2021, p. 1–9, jan. 2021. ISSN 1563-5147, 1024-123X. Disponível em: &lt;https://www.hindawi.com/</a:t>
-            </a:r>
-            <a:r>
-              <a:rPr lang="pt-BR" dirty="0" err="1"/>
-              <a:t>journals</a:t>
-            </a:r>
-            <a:r>
-              <a:rPr lang="pt-BR" dirty="0"/>
-              <a:t>/</a:t>
-            </a:r>
-            <a:r>
-              <a:rPr lang="pt-BR" dirty="0" err="1"/>
-              <a:t>mpe</a:t>
-            </a:r>
-            <a:r>
-              <a:rPr lang="pt-BR" dirty="0"/>
-              <a:t>/2021/6617177/&gt;. Citado 3 vezes nas páginas 11, 13 e 14.</a:t>
-            </a:r>
-          </a:p>
-          <a:p>
-            <a:r>
-              <a:rPr lang="pt-BR" dirty="0"/>
-              <a:t>ALENCAR, W. D. S. et al. </a:t>
-            </a:r>
-            <a:r>
-              <a:rPr lang="pt-BR" dirty="0" err="1"/>
-              <a:t>Information</a:t>
-            </a:r>
-            <a:r>
-              <a:rPr lang="pt-BR" dirty="0"/>
-              <a:t> Visualization for </a:t>
-            </a:r>
-            <a:r>
-              <a:rPr lang="pt-BR" dirty="0" err="1"/>
-              <a:t>Highlighting</a:t>
-            </a:r>
-            <a:r>
-              <a:rPr lang="pt-BR" dirty="0"/>
-              <a:t> </a:t>
-            </a:r>
-            <a:r>
-              <a:rPr lang="pt-BR" dirty="0" err="1"/>
-              <a:t>Conflicts</a:t>
-            </a:r>
-            <a:r>
-              <a:rPr lang="pt-BR" dirty="0"/>
-              <a:t> in Educational Timetabling </a:t>
-            </a:r>
-            <a:r>
-              <a:rPr lang="pt-BR" dirty="0" err="1"/>
-              <a:t>Problems</a:t>
-            </a:r>
-            <a:r>
-              <a:rPr lang="pt-BR" dirty="0"/>
-              <a:t>. In: BEBIS, G. et al. (Ed.). </a:t>
-            </a:r>
-            <a:r>
-              <a:rPr lang="pt-BR" dirty="0" err="1"/>
-              <a:t>Advances</a:t>
-            </a:r>
-            <a:r>
-              <a:rPr lang="pt-BR" dirty="0"/>
-              <a:t> in Visual </a:t>
-            </a:r>
-            <a:r>
-              <a:rPr lang="pt-BR" dirty="0" err="1"/>
-              <a:t>Computing</a:t>
-            </a:r>
-            <a:r>
-              <a:rPr lang="pt-BR" dirty="0"/>
-              <a:t>. </a:t>
-            </a:r>
-            <a:r>
-              <a:rPr lang="pt-BR" dirty="0" err="1"/>
-              <a:t>Cham</a:t>
-            </a:r>
-            <a:r>
-              <a:rPr lang="pt-BR" dirty="0"/>
-              <a:t>: Springer International </a:t>
-            </a:r>
-            <a:r>
-              <a:rPr lang="pt-BR" dirty="0" err="1"/>
-              <a:t>Publishing</a:t>
-            </a:r>
-            <a:r>
-              <a:rPr lang="pt-BR" dirty="0"/>
-              <a:t>, 2019. v. 11844, p. 275–288. ISBN 978-3-030-33719-3 978-3-030-33720-9. Series </a:t>
-            </a:r>
-            <a:r>
-              <a:rPr lang="pt-BR" dirty="0" err="1"/>
-              <a:t>Title</a:t>
-            </a:r>
-            <a:r>
-              <a:rPr lang="pt-BR" dirty="0"/>
-              <a:t>: </a:t>
-            </a:r>
-            <a:r>
-              <a:rPr lang="pt-BR" dirty="0" err="1"/>
-              <a:t>Lecture</a:t>
-            </a:r>
-            <a:r>
-              <a:rPr lang="pt-BR" dirty="0"/>
-              <a:t> Notes in Computer Science. Disponível em: &lt;http://link.springer.com/10.1007/978-3-030-33720-9_21&gt;. Citado 2 vezes nas páginas 17 e 18</a:t>
-            </a:r>
-          </a:p>
-          <a:p>
-            <a:r>
-              <a:rPr lang="pt-BR" dirty="0"/>
-              <a:t>MIRANDA, J.; REY, P. A.; ROBLES, J. M. udpSkeduler: A Web </a:t>
-            </a:r>
-            <a:r>
-              <a:rPr lang="pt-BR" dirty="0" err="1"/>
-              <a:t>architecture</a:t>
-            </a:r>
-            <a:r>
-              <a:rPr lang="pt-BR" dirty="0"/>
-              <a:t> </a:t>
-            </a:r>
-            <a:r>
-              <a:rPr lang="pt-BR" dirty="0" err="1"/>
-              <a:t>based</a:t>
-            </a:r>
-            <a:r>
-              <a:rPr lang="pt-BR" dirty="0"/>
-              <a:t> </a:t>
-            </a:r>
-            <a:r>
-              <a:rPr lang="pt-BR" dirty="0" err="1"/>
-              <a:t>decision</a:t>
-            </a:r>
-            <a:r>
-              <a:rPr lang="pt-BR" dirty="0"/>
-              <a:t> </a:t>
-            </a:r>
-            <a:r>
-              <a:rPr lang="pt-BR" dirty="0" err="1"/>
-              <a:t>support</a:t>
-            </a:r>
-            <a:r>
-              <a:rPr lang="pt-BR" dirty="0"/>
-              <a:t> system for course and </a:t>
-            </a:r>
-            <a:r>
-              <a:rPr lang="pt-BR" dirty="0" err="1"/>
-              <a:t>classroom</a:t>
-            </a:r>
-            <a:r>
-              <a:rPr lang="pt-BR" dirty="0"/>
-              <a:t> scheduling. </a:t>
-            </a:r>
-            <a:r>
-              <a:rPr lang="pt-BR" dirty="0" err="1"/>
-              <a:t>Decision</a:t>
-            </a:r>
-            <a:r>
-              <a:rPr lang="pt-BR" dirty="0"/>
-              <a:t> </a:t>
-            </a:r>
-            <a:r>
-              <a:rPr lang="pt-BR" dirty="0" err="1"/>
-              <a:t>Support</a:t>
-            </a:r>
-            <a:r>
-              <a:rPr lang="pt-BR" dirty="0"/>
-              <a:t> Systems, v. 52, n. 2, p. 505–513, jan. 2012. ISSN 01679236. Disponível em: &lt;https://linkinghub.elsevier.com/</a:t>
-            </a:r>
-            <a:r>
-              <a:rPr lang="pt-BR" dirty="0" err="1"/>
-              <a:t>retrieve</a:t>
-            </a:r>
-            <a:r>
-              <a:rPr lang="pt-BR" dirty="0"/>
-              <a:t>/</a:t>
-            </a:r>
-            <a:r>
-              <a:rPr lang="pt-BR" dirty="0" err="1"/>
-              <a:t>pii</a:t>
-            </a:r>
-            <a:r>
-              <a:rPr lang="pt-BR" dirty="0"/>
-              <a:t>/S0167923611001746&gt;. Citado 3 vezes nas páginas 5, 12 e 16.</a:t>
-            </a:r>
-          </a:p>
-          <a:p>
-            <a:r>
-              <a:rPr lang="pt-BR" dirty="0"/>
-              <a:t>MURRAY, K.; MÜLLER, T.; RUDOVÁ, H. </a:t>
-            </a:r>
-            <a:r>
-              <a:rPr lang="pt-BR" dirty="0" err="1"/>
-              <a:t>Modeling</a:t>
-            </a:r>
-            <a:r>
-              <a:rPr lang="pt-BR" dirty="0"/>
-              <a:t> and </a:t>
-            </a:r>
-            <a:r>
-              <a:rPr lang="pt-BR" dirty="0" err="1"/>
-              <a:t>Solution</a:t>
-            </a:r>
-            <a:r>
-              <a:rPr lang="pt-BR" dirty="0"/>
-              <a:t> of a Complex University Course Timetabling Problem. In: BURKE, E. K.; </a:t>
-            </a:r>
-            <a:r>
-              <a:rPr lang="pt-BR" dirty="0" err="1"/>
-              <a:t>RUDOVá</a:t>
-            </a:r>
-            <a:r>
-              <a:rPr lang="pt-BR" dirty="0"/>
-              <a:t>, H. (Ed.). </a:t>
-            </a:r>
-            <a:r>
-              <a:rPr lang="pt-BR" dirty="0" err="1"/>
-              <a:t>Practice</a:t>
-            </a:r>
-            <a:r>
-              <a:rPr lang="pt-BR" dirty="0"/>
-              <a:t> and </a:t>
-            </a:r>
-            <a:r>
-              <a:rPr lang="pt-BR" dirty="0" err="1"/>
-              <a:t>Theory</a:t>
-            </a:r>
-            <a:r>
-              <a:rPr lang="pt-BR" dirty="0"/>
-              <a:t> of </a:t>
-            </a:r>
-            <a:r>
-              <a:rPr lang="pt-BR" dirty="0" err="1"/>
-              <a:t>Automated</a:t>
-            </a:r>
-            <a:r>
-              <a:rPr lang="pt-BR" dirty="0"/>
-              <a:t> Timetabling VI. Berlin, Heidelberg: Springer Berlin Heidelberg, 2007. v. 3867, p. 189–209. ISBN 978-3-540-77344-3. Series </a:t>
-            </a:r>
-            <a:r>
-              <a:rPr lang="pt-BR" dirty="0" err="1"/>
-              <a:t>Title</a:t>
-            </a:r>
-            <a:r>
-              <a:rPr lang="pt-BR" dirty="0"/>
-              <a:t>: </a:t>
-            </a:r>
-            <a:r>
-              <a:rPr lang="pt-BR" dirty="0" err="1"/>
-              <a:t>Lecture</a:t>
-            </a:r>
-            <a:r>
-              <a:rPr lang="pt-BR" dirty="0"/>
-              <a:t> Notes in Computer Science. Disponível em: &lt;http://link.springer.com/10.1007/978-3-540-77345-0_13&gt;. Citado na página 14.</a:t>
-            </a:r>
-          </a:p>
-          <a:p>
-            <a:r>
-              <a:rPr lang="pt-BR" dirty="0"/>
-              <a:t>ANDRE, A.; DINATA, H. </a:t>
-            </a:r>
-            <a:r>
-              <a:rPr lang="pt-BR" dirty="0" err="1"/>
-              <a:t>Interaction</a:t>
-            </a:r>
-            <a:r>
-              <a:rPr lang="pt-BR" dirty="0"/>
-              <a:t> Design </a:t>
-            </a:r>
-            <a:r>
-              <a:rPr lang="pt-BR" dirty="0" err="1"/>
-              <a:t>to</a:t>
-            </a:r>
-            <a:r>
-              <a:rPr lang="pt-BR" dirty="0"/>
-              <a:t> </a:t>
-            </a:r>
-            <a:r>
-              <a:rPr lang="pt-BR" dirty="0" err="1"/>
-              <a:t>Enhance</a:t>
-            </a:r>
-            <a:r>
-              <a:rPr lang="pt-BR" dirty="0"/>
-              <a:t> UX of University Timetable </a:t>
-            </a:r>
-            <a:r>
-              <a:rPr lang="pt-BR" dirty="0" err="1"/>
-              <a:t>Plotting</a:t>
-            </a:r>
-            <a:r>
-              <a:rPr lang="pt-BR" dirty="0"/>
-              <a:t> System </a:t>
-            </a:r>
-            <a:r>
-              <a:rPr lang="pt-BR" dirty="0" err="1"/>
-              <a:t>on</a:t>
-            </a:r>
-            <a:r>
-              <a:rPr lang="pt-BR" dirty="0"/>
-              <a:t> Mobile </a:t>
-            </a:r>
-            <a:r>
-              <a:rPr lang="pt-BR" dirty="0" err="1"/>
-              <a:t>Version</a:t>
-            </a:r>
-            <a:r>
-              <a:rPr lang="pt-BR" dirty="0"/>
-              <a:t>. IOP </a:t>
-            </a:r>
-            <a:r>
-              <a:rPr lang="pt-BR" dirty="0" err="1"/>
-              <a:t>Conference</a:t>
-            </a:r>
-            <a:r>
-              <a:rPr lang="pt-BR" dirty="0"/>
-              <a:t> Series: </a:t>
-            </a:r>
-            <a:r>
-              <a:rPr lang="pt-BR" dirty="0" err="1"/>
-              <a:t>Materials</a:t>
-            </a:r>
-            <a:r>
-              <a:rPr lang="pt-BR" dirty="0"/>
-              <a:t> Science and </a:t>
-            </a:r>
-            <a:r>
-              <a:rPr lang="pt-BR" dirty="0" err="1"/>
-              <a:t>Engineering</a:t>
-            </a:r>
-            <a:r>
-              <a:rPr lang="pt-BR" dirty="0"/>
-              <a:t>, v. 407, p. 012174, set. 2018. ISSN 1757-899X. Disponível em: &lt;https://iopscience.iop.org/</a:t>
-            </a:r>
-            <a:r>
-              <a:rPr lang="pt-BR" dirty="0" err="1"/>
-              <a:t>article</a:t>
-            </a:r>
-            <a:r>
-              <a:rPr lang="pt-BR" dirty="0"/>
-              <a:t>/10.1088/1757-899X/407/1/012174&gt;. Citado 3 vezes nas páginas 8, 15 e 17.</a:t>
-            </a:r>
-          </a:p>
-        </p:txBody>
-      </p:sp>
-      <p:sp>
-        <p:nvSpPr>
-          <p:cNvPr id="6" name="Título 1">
-            <a:extLst>
-              <a:ext uri="{FF2B5EF4-FFF2-40B4-BE49-F238E27FC236}">
-                <a16:creationId xmlns:a16="http://schemas.microsoft.com/office/drawing/2014/main" id="{4CCC6F76-4C02-051B-C871-5A279FCDA588}"/>
-              </a:ext>
-            </a:extLst>
-          </p:cNvPr>
-          <p:cNvSpPr txBox="1">
-            <a:spLocks/>
-          </p:cNvSpPr>
-          <p:nvPr/>
-        </p:nvSpPr>
-        <p:spPr>
-          <a:xfrm>
-            <a:off x="0" y="-9831"/>
-            <a:ext cx="12192000" cy="692582"/>
-          </a:xfrm>
-          <a:prstGeom prst="rect">
-            <a:avLst/>
-          </a:prstGeom>
-          <a:effectLst/>
-        </p:spPr>
-        <p:txBody>
-          <a:bodyPr vert="horz" lIns="91440" tIns="45720" rIns="91440" bIns="45720" rtlCol="0" anchor="ctr">
-            <a:normAutofit/>
-          </a:bodyPr>
-          <a:lstStyle>
-            <a:lvl1pPr algn="l" defTabSz="457200" rtl="0" eaLnBrk="1" latinLnBrk="0" hangingPunct="1">
-              <a:spcBef>
-                <a:spcPct val="0"/>
-              </a:spcBef>
-              <a:buNone/>
-              <a:defRPr sz="3600" kern="1200" cap="all">
-                <a:ln w="3175" cmpd="sng">
-                  <a:noFill/>
-                </a:ln>
-                <a:solidFill>
-                  <a:schemeClr val="tx1"/>
-                </a:solidFill>
-                <a:effectLst/>
-                <a:latin typeface="+mj-lt"/>
-                <a:ea typeface="+mj-ea"/>
-                <a:cs typeface="+mj-cs"/>
-              </a:defRPr>
-            </a:lvl1pPr>
-            <a:lvl2pPr eaLnBrk="1" hangingPunct="1">
-              <a:defRPr>
-                <a:solidFill>
-                  <a:schemeClr val="tx2"/>
-                </a:solidFill>
-              </a:defRPr>
-            </a:lvl2pPr>
-            <a:lvl3pPr eaLnBrk="1" hangingPunct="1">
-              <a:defRPr>
-                <a:solidFill>
-                  <a:schemeClr val="tx2"/>
-                </a:solidFill>
-              </a:defRPr>
-            </a:lvl3pPr>
-            <a:lvl4pPr eaLnBrk="1" hangingPunct="1">
-              <a:defRPr>
-                <a:solidFill>
-                  <a:schemeClr val="tx2"/>
-                </a:solidFill>
-              </a:defRPr>
-            </a:lvl4pPr>
-            <a:lvl5pPr eaLnBrk="1" hangingPunct="1">
-              <a:defRPr>
-                <a:solidFill>
-                  <a:schemeClr val="tx2"/>
-                </a:solidFill>
-              </a:defRPr>
-            </a:lvl5pPr>
-            <a:lvl6pPr eaLnBrk="1" hangingPunct="1">
-              <a:defRPr>
-                <a:solidFill>
-                  <a:schemeClr val="tx2"/>
-                </a:solidFill>
-              </a:defRPr>
-            </a:lvl6pPr>
-            <a:lvl7pPr eaLnBrk="1" hangingPunct="1">
-              <a:defRPr>
-                <a:solidFill>
-                  <a:schemeClr val="tx2"/>
-                </a:solidFill>
-              </a:defRPr>
-            </a:lvl7pPr>
-            <a:lvl8pPr eaLnBrk="1" hangingPunct="1">
-              <a:defRPr>
-                <a:solidFill>
-                  <a:schemeClr val="tx2"/>
-                </a:solidFill>
-              </a:defRPr>
-            </a:lvl8pPr>
-            <a:lvl9pPr eaLnBrk="1" hangingPunct="1">
-              <a:defRPr>
-                <a:solidFill>
-                  <a:schemeClr val="tx2"/>
-                </a:solidFill>
-              </a:defRPr>
-            </a:lvl9pPr>
-          </a:lstStyle>
-          <a:p>
-            <a:r>
-              <a:rPr lang="pt-BR" dirty="0"/>
-              <a:t>Referências bibliográficas: Contexto Acadêmico</a:t>
-            </a:r>
-          </a:p>
-        </p:txBody>
-      </p:sp>
-    </p:spTree>
-    <p:extLst>
-      <p:ext uri="{BB962C8B-B14F-4D97-AF65-F5344CB8AC3E}">
-        <p14:creationId xmlns:p14="http://schemas.microsoft.com/office/powerpoint/2010/main" val="415942479"/>
-      </p:ext>
-    </p:extLst>
-  </p:cSld>
-  <p:clrMapOvr>
-    <a:masterClrMapping/>
-  </p:clrMapOvr>
-</p:sld>
-</file>
-
 <file path=ppt/slides/slide21.xml><?xml version="1.0" encoding="utf-8"?>
 <p:sld xmlns:a="http://schemas.openxmlformats.org/drawingml/2006/main" xmlns:r="http://schemas.openxmlformats.org/officeDocument/2006/relationships" xmlns:p="http://schemas.openxmlformats.org/presentationml/2006/main">
   <p:cSld>
@@ -11156,6 +10198,1076 @@
           <a:lstStyle/>
           <a:p>
             <a:r>
+              <a:rPr lang="en-US" dirty="0"/>
+              <a:t>BARHAM, A. M.; WESTWOOD, J. B. A Simple Heuristic to Facilitate Course Timetabling. The Journal of the Operational Research Society, v. 29, n. 11, p. 1055, </a:t>
+            </a:r>
+            <a:r>
+              <a:rPr lang="en-US" dirty="0" err="1"/>
+              <a:t>nov.</a:t>
+            </a:r>
+            <a:r>
+              <a:rPr lang="en-US" dirty="0"/>
+              <a:t> 1978. ISSN 01605682. Disponível em: &lt;https://www.jstor.org/stable/3009353?origin=crossref&gt;. Citado na página 5.</a:t>
+            </a:r>
+          </a:p>
+          <a:p>
+            <a:r>
+              <a:rPr lang="en-US" dirty="0"/>
+              <a:t>BULCK, D. V.; GOOSSENS, D. The international timetabling competition on sports timetabling (ITC2021). European Journal of Operational Research, v. 308, n. 3, p. 1249–1267, ago. 2023. ISSN 03772217. Disponível em: &lt;https: //linkinghub.elsevier.com/retrieve/</a:t>
+            </a:r>
+            <a:r>
+              <a:rPr lang="en-US" dirty="0" err="1"/>
+              <a:t>pii</a:t>
+            </a:r>
+            <a:r>
+              <a:rPr lang="en-US" dirty="0"/>
+              <a:t>/S0377221722009201&gt;. Citado na página 18</a:t>
+            </a:r>
+          </a:p>
+          <a:p>
+            <a:r>
+              <a:rPr lang="pt-BR" dirty="0"/>
+              <a:t>THOMAS, J. J.; KHADER, A. T.; BELATON, B. Visualization </a:t>
+            </a:r>
+            <a:r>
+              <a:rPr lang="pt-BR" dirty="0" err="1"/>
+              <a:t>techniques</a:t>
+            </a:r>
+            <a:r>
+              <a:rPr lang="pt-BR" dirty="0"/>
+              <a:t> </a:t>
+            </a:r>
+            <a:r>
+              <a:rPr lang="pt-BR" dirty="0" err="1"/>
+              <a:t>on</a:t>
+            </a:r>
+            <a:r>
+              <a:rPr lang="pt-BR" dirty="0"/>
+              <a:t> the examination timetabling </a:t>
+            </a:r>
+            <a:r>
+              <a:rPr lang="pt-BR" dirty="0" err="1"/>
+              <a:t>pre-processing</a:t>
+            </a:r>
+            <a:r>
+              <a:rPr lang="pt-BR" dirty="0"/>
+              <a:t> data. In: 2009 </a:t>
+            </a:r>
+            <a:r>
+              <a:rPr lang="pt-BR" dirty="0" err="1"/>
+              <a:t>Sixth</a:t>
+            </a:r>
+            <a:r>
+              <a:rPr lang="pt-BR" dirty="0"/>
+              <a:t> International </a:t>
+            </a:r>
+            <a:r>
+              <a:rPr lang="pt-BR" dirty="0" err="1"/>
+              <a:t>Conference</a:t>
+            </a:r>
+            <a:r>
+              <a:rPr lang="pt-BR" dirty="0"/>
+              <a:t> </a:t>
+            </a:r>
+            <a:r>
+              <a:rPr lang="pt-BR" dirty="0" err="1"/>
+              <a:t>on</a:t>
+            </a:r>
+            <a:r>
+              <a:rPr lang="pt-BR" dirty="0"/>
+              <a:t> Computer </a:t>
+            </a:r>
+            <a:r>
+              <a:rPr lang="pt-BR" dirty="0" err="1"/>
+              <a:t>Graphics</a:t>
+            </a:r>
+            <a:r>
+              <a:rPr lang="pt-BR" dirty="0"/>
+              <a:t>, Imaging and Visualization. [</a:t>
+            </a:r>
+            <a:r>
+              <a:rPr lang="pt-BR" dirty="0" err="1"/>
+              <a:t>S.l</a:t>
+            </a:r>
+            <a:r>
+              <a:rPr lang="pt-BR" dirty="0"/>
+              <a:t>.: s.n.], 2009. p. 454–458. Citado na página 7.</a:t>
+            </a:r>
+          </a:p>
+          <a:p>
+            <a:r>
+              <a:rPr lang="pt-BR" dirty="0"/>
+              <a:t>MIRANDA, J.; REY, P. A.; ROBLES, J. M. udpskeduler: A web </a:t>
+            </a:r>
+            <a:r>
+              <a:rPr lang="pt-BR" dirty="0" err="1"/>
+              <a:t>architecture</a:t>
+            </a:r>
+            <a:r>
+              <a:rPr lang="pt-BR" dirty="0"/>
+              <a:t> </a:t>
+            </a:r>
+            <a:r>
+              <a:rPr lang="pt-BR" dirty="0" err="1"/>
+              <a:t>based</a:t>
+            </a:r>
+            <a:r>
+              <a:rPr lang="pt-BR" dirty="0"/>
+              <a:t> </a:t>
+            </a:r>
+            <a:r>
+              <a:rPr lang="pt-BR" dirty="0" err="1"/>
+              <a:t>decision</a:t>
+            </a:r>
+            <a:r>
+              <a:rPr lang="pt-BR" dirty="0"/>
+              <a:t> </a:t>
+            </a:r>
+            <a:r>
+              <a:rPr lang="pt-BR" dirty="0" err="1"/>
+              <a:t>support</a:t>
+            </a:r>
+            <a:r>
+              <a:rPr lang="pt-BR" dirty="0"/>
+              <a:t> system for course and </a:t>
+            </a:r>
+            <a:r>
+              <a:rPr lang="pt-BR" dirty="0" err="1"/>
+              <a:t>classroom</a:t>
+            </a:r>
+            <a:r>
+              <a:rPr lang="pt-BR" dirty="0"/>
+              <a:t> scheduling. </a:t>
+            </a:r>
+            <a:r>
+              <a:rPr lang="pt-BR" dirty="0" err="1"/>
+              <a:t>Decision</a:t>
+            </a:r>
+            <a:r>
+              <a:rPr lang="pt-BR" dirty="0"/>
+              <a:t> </a:t>
+            </a:r>
+            <a:r>
+              <a:rPr lang="pt-BR" dirty="0" err="1"/>
+              <a:t>Support</a:t>
+            </a:r>
+            <a:r>
+              <a:rPr lang="pt-BR" dirty="0"/>
+              <a:t> Systems, v. 52, n. 2, p. 505–513, 2012. ISSN 0167-9236. Disponível em: &lt;https://www.sciencedirect.com/</a:t>
+            </a:r>
+            <a:r>
+              <a:rPr lang="pt-BR" dirty="0" err="1"/>
+              <a:t>science</a:t>
+            </a:r>
+            <a:r>
+              <a:rPr lang="pt-BR" dirty="0"/>
+              <a:t>/</a:t>
+            </a:r>
+            <a:r>
+              <a:rPr lang="pt-BR" dirty="0" err="1"/>
+              <a:t>article</a:t>
+            </a:r>
+            <a:r>
+              <a:rPr lang="pt-BR" dirty="0"/>
+              <a:t>/</a:t>
+            </a:r>
+            <a:r>
+              <a:rPr lang="pt-BR" dirty="0" err="1"/>
+              <a:t>pii</a:t>
+            </a:r>
+            <a:r>
+              <a:rPr lang="pt-BR" dirty="0"/>
+              <a:t>/S0167923611001746&gt;. Citado 2 vezes nas páginas 6 e 7.</a:t>
+            </a:r>
+          </a:p>
+          <a:p>
+            <a:r>
+              <a:rPr lang="pt-BR" dirty="0"/>
+              <a:t>BOURQUE, P.; FAIRLEY, R. E. (Ed.). SWEBOK: </a:t>
+            </a:r>
+            <a:r>
+              <a:rPr lang="pt-BR" dirty="0" err="1"/>
+              <a:t>guide</a:t>
+            </a:r>
+            <a:r>
+              <a:rPr lang="pt-BR" dirty="0"/>
+              <a:t> </a:t>
+            </a:r>
+            <a:r>
+              <a:rPr lang="pt-BR" dirty="0" err="1"/>
+              <a:t>to</a:t>
+            </a:r>
+            <a:r>
+              <a:rPr lang="pt-BR" dirty="0"/>
+              <a:t> the software </a:t>
+            </a:r>
+            <a:r>
+              <a:rPr lang="pt-BR" dirty="0" err="1"/>
+              <a:t>engineering</a:t>
+            </a:r>
+            <a:r>
+              <a:rPr lang="pt-BR" dirty="0"/>
+              <a:t> body of </a:t>
+            </a:r>
+            <a:r>
+              <a:rPr lang="pt-BR" dirty="0" err="1"/>
+              <a:t>knowledge</a:t>
+            </a:r>
+            <a:r>
+              <a:rPr lang="pt-BR" dirty="0"/>
+              <a:t>. </a:t>
+            </a:r>
+            <a:r>
+              <a:rPr lang="pt-BR" dirty="0" err="1"/>
+              <a:t>Version</a:t>
+            </a:r>
+            <a:r>
+              <a:rPr lang="pt-BR" dirty="0"/>
+              <a:t> 3.0. Los </a:t>
+            </a:r>
+            <a:r>
+              <a:rPr lang="pt-BR" dirty="0" err="1"/>
+              <a:t>Alamitos</a:t>
+            </a:r>
+            <a:r>
+              <a:rPr lang="pt-BR" dirty="0"/>
+              <a:t>, CA: IEEE Computer Society, 2014. OCLC: 880350861. ISBN 978-0-7695-5166-1. Citado na página 9.</a:t>
+            </a:r>
+          </a:p>
+        </p:txBody>
+      </p:sp>
+      <p:sp>
+        <p:nvSpPr>
+          <p:cNvPr id="6" name="Título 1">
+            <a:extLst>
+              <a:ext uri="{FF2B5EF4-FFF2-40B4-BE49-F238E27FC236}">
+                <a16:creationId xmlns:a16="http://schemas.microsoft.com/office/drawing/2014/main" id="{4CCC6F76-4C02-051B-C871-5A279FCDA588}"/>
+              </a:ext>
+            </a:extLst>
+          </p:cNvPr>
+          <p:cNvSpPr txBox="1">
+            <a:spLocks/>
+          </p:cNvSpPr>
+          <p:nvPr/>
+        </p:nvSpPr>
+        <p:spPr>
+          <a:xfrm>
+            <a:off x="0" y="-9831"/>
+            <a:ext cx="10131425" cy="692582"/>
+          </a:xfrm>
+          <a:prstGeom prst="rect">
+            <a:avLst/>
+          </a:prstGeom>
+          <a:effectLst/>
+        </p:spPr>
+        <p:txBody>
+          <a:bodyPr vert="horz" lIns="91440" tIns="45720" rIns="91440" bIns="45720" rtlCol="0" anchor="ctr">
+            <a:normAutofit/>
+          </a:bodyPr>
+          <a:lstStyle>
+            <a:lvl1pPr algn="l" defTabSz="457200" rtl="0" eaLnBrk="1" latinLnBrk="0" hangingPunct="1">
+              <a:spcBef>
+                <a:spcPct val="0"/>
+              </a:spcBef>
+              <a:buNone/>
+              <a:defRPr sz="3600" kern="1200" cap="all">
+                <a:ln w="3175" cmpd="sng">
+                  <a:noFill/>
+                </a:ln>
+                <a:solidFill>
+                  <a:schemeClr val="tx1"/>
+                </a:solidFill>
+                <a:effectLst/>
+                <a:latin typeface="+mj-lt"/>
+                <a:ea typeface="+mj-ea"/>
+                <a:cs typeface="+mj-cs"/>
+              </a:defRPr>
+            </a:lvl1pPr>
+            <a:lvl2pPr eaLnBrk="1" hangingPunct="1">
+              <a:defRPr>
+                <a:solidFill>
+                  <a:schemeClr val="tx2"/>
+                </a:solidFill>
+              </a:defRPr>
+            </a:lvl2pPr>
+            <a:lvl3pPr eaLnBrk="1" hangingPunct="1">
+              <a:defRPr>
+                <a:solidFill>
+                  <a:schemeClr val="tx2"/>
+                </a:solidFill>
+              </a:defRPr>
+            </a:lvl3pPr>
+            <a:lvl4pPr eaLnBrk="1" hangingPunct="1">
+              <a:defRPr>
+                <a:solidFill>
+                  <a:schemeClr val="tx2"/>
+                </a:solidFill>
+              </a:defRPr>
+            </a:lvl4pPr>
+            <a:lvl5pPr eaLnBrk="1" hangingPunct="1">
+              <a:defRPr>
+                <a:solidFill>
+                  <a:schemeClr val="tx2"/>
+                </a:solidFill>
+              </a:defRPr>
+            </a:lvl5pPr>
+            <a:lvl6pPr eaLnBrk="1" hangingPunct="1">
+              <a:defRPr>
+                <a:solidFill>
+                  <a:schemeClr val="tx2"/>
+                </a:solidFill>
+              </a:defRPr>
+            </a:lvl6pPr>
+            <a:lvl7pPr eaLnBrk="1" hangingPunct="1">
+              <a:defRPr>
+                <a:solidFill>
+                  <a:schemeClr val="tx2"/>
+                </a:solidFill>
+              </a:defRPr>
+            </a:lvl7pPr>
+            <a:lvl8pPr eaLnBrk="1" hangingPunct="1">
+              <a:defRPr>
+                <a:solidFill>
+                  <a:schemeClr val="tx2"/>
+                </a:solidFill>
+              </a:defRPr>
+            </a:lvl8pPr>
+            <a:lvl9pPr eaLnBrk="1" hangingPunct="1">
+              <a:defRPr>
+                <a:solidFill>
+                  <a:schemeClr val="tx2"/>
+                </a:solidFill>
+              </a:defRPr>
+            </a:lvl9pPr>
+          </a:lstStyle>
+          <a:p>
+            <a:r>
+              <a:rPr lang="pt-BR" dirty="0"/>
+              <a:t>Referências bibliográficas: Introdução</a:t>
+            </a:r>
+          </a:p>
+        </p:txBody>
+      </p:sp>
+    </p:spTree>
+    <p:extLst>
+      <p:ext uri="{BB962C8B-B14F-4D97-AF65-F5344CB8AC3E}">
+        <p14:creationId xmlns:p14="http://schemas.microsoft.com/office/powerpoint/2010/main" val="2395503841"/>
+      </p:ext>
+    </p:extLst>
+  </p:cSld>
+  <p:clrMapOvr>
+    <a:masterClrMapping/>
+  </p:clrMapOvr>
+</p:sld>
+</file>
+
+<file path=ppt/slides/slide22.xml><?xml version="1.0" encoding="utf-8"?>
+<p:sld xmlns:a="http://schemas.openxmlformats.org/drawingml/2006/main" xmlns:r="http://schemas.openxmlformats.org/officeDocument/2006/relationships" xmlns:p="http://schemas.openxmlformats.org/presentationml/2006/main">
+  <p:cSld>
+    <p:spTree>
+      <p:nvGrpSpPr>
+        <p:cNvPr id="1" name=""/>
+        <p:cNvGrpSpPr/>
+        <p:nvPr/>
+      </p:nvGrpSpPr>
+      <p:grpSpPr>
+        <a:xfrm>
+          <a:off x="0" y="0"/>
+          <a:ext cx="0" cy="0"/>
+          <a:chOff x="0" y="0"/>
+          <a:chExt cx="0" cy="0"/>
+        </a:xfrm>
+      </p:grpSpPr>
+      <p:sp>
+        <p:nvSpPr>
+          <p:cNvPr id="3" name="Espaço Reservado para Conteúdo 2">
+            <a:extLst>
+              <a:ext uri="{FF2B5EF4-FFF2-40B4-BE49-F238E27FC236}">
+                <a16:creationId xmlns:a16="http://schemas.microsoft.com/office/drawing/2014/main" id="{DDA9D6F2-868B-0F71-4400-E66403607635}"/>
+              </a:ext>
+            </a:extLst>
+          </p:cNvPr>
+          <p:cNvSpPr>
+            <a:spLocks noGrp="1"/>
+          </p:cNvSpPr>
+          <p:nvPr>
+            <p:ph idx="1"/>
+          </p:nvPr>
+        </p:nvSpPr>
+        <p:spPr>
+          <a:xfrm>
+            <a:off x="335936" y="1268976"/>
+            <a:ext cx="11520128" cy="5040056"/>
+          </a:xfrm>
+        </p:spPr>
+        <p:txBody>
+          <a:bodyPr anchor="t">
+            <a:normAutofit fontScale="77500" lnSpcReduction="20000"/>
+          </a:bodyPr>
+          <a:lstStyle/>
+          <a:p>
+            <a:r>
+              <a:rPr lang="pt-BR" dirty="0"/>
+              <a:t>WREN, A. Scheduling, timetabling and </a:t>
+            </a:r>
+            <a:r>
+              <a:rPr lang="pt-BR" dirty="0" err="1"/>
+              <a:t>rostering</a:t>
+            </a:r>
+            <a:r>
+              <a:rPr lang="pt-BR" dirty="0"/>
+              <a:t> — A </a:t>
+            </a:r>
+            <a:r>
+              <a:rPr lang="pt-BR" dirty="0" err="1"/>
+              <a:t>special</a:t>
+            </a:r>
+            <a:r>
+              <a:rPr lang="pt-BR" dirty="0"/>
+              <a:t> </a:t>
+            </a:r>
+            <a:r>
+              <a:rPr lang="pt-BR" dirty="0" err="1"/>
+              <a:t>relationship</a:t>
+            </a:r>
+            <a:r>
+              <a:rPr lang="pt-BR" dirty="0"/>
+              <a:t>? In: GOOS, G. et al. (Ed.). </a:t>
+            </a:r>
+            <a:r>
+              <a:rPr lang="pt-BR" dirty="0" err="1"/>
+              <a:t>Practice</a:t>
+            </a:r>
+            <a:r>
+              <a:rPr lang="pt-BR" dirty="0"/>
+              <a:t> and </a:t>
+            </a:r>
+            <a:r>
+              <a:rPr lang="pt-BR" dirty="0" err="1"/>
+              <a:t>Theory</a:t>
+            </a:r>
+            <a:r>
+              <a:rPr lang="pt-BR" dirty="0"/>
+              <a:t> of </a:t>
+            </a:r>
+            <a:r>
+              <a:rPr lang="pt-BR" dirty="0" err="1"/>
+              <a:t>Automated</a:t>
+            </a:r>
+            <a:r>
+              <a:rPr lang="pt-BR" dirty="0"/>
+              <a:t> Timetabling. Berlin, Heidelberg: Springer Berlin Heidelberg, 1996. v. 1153, p. 46–75. ISBN 978-3-540-61794-5 978-3-540-70682-3. Series </a:t>
+            </a:r>
+            <a:r>
+              <a:rPr lang="pt-BR" dirty="0" err="1"/>
+              <a:t>Title</a:t>
+            </a:r>
+            <a:r>
+              <a:rPr lang="pt-BR" dirty="0"/>
+              <a:t>: </a:t>
+            </a:r>
+            <a:r>
+              <a:rPr lang="pt-BR" dirty="0" err="1"/>
+              <a:t>Lecture</a:t>
+            </a:r>
+            <a:r>
+              <a:rPr lang="pt-BR" dirty="0"/>
+              <a:t> Notes in Computer Science. Disponível em: &lt;http://link.springer.com/10.1007/3-540-61794-9_51&gt;. Citado 2 vezes nas páginas 11 e 12.ALENCAR et al., 2019a</a:t>
+            </a:r>
+          </a:p>
+          <a:p>
+            <a:r>
+              <a:rPr lang="pt-BR" dirty="0"/>
+              <a:t>ALEGRE, P. Desenvolvimento de um Modelo para o School Timetabling Problem Baseado na Meta-Heurística </a:t>
+            </a:r>
+            <a:r>
+              <a:rPr lang="pt-BR" dirty="0" err="1"/>
+              <a:t>Simulated</a:t>
+            </a:r>
+            <a:r>
+              <a:rPr lang="pt-BR" dirty="0"/>
+              <a:t> </a:t>
+            </a:r>
+            <a:r>
+              <a:rPr lang="pt-BR" dirty="0" err="1"/>
+              <a:t>Annealing</a:t>
+            </a:r>
+            <a:r>
+              <a:rPr lang="pt-BR" dirty="0"/>
+              <a:t>. </a:t>
+            </a:r>
+            <a:r>
+              <a:rPr lang="pt-BR" dirty="0" err="1"/>
+              <a:t>Simulated</a:t>
+            </a:r>
+            <a:r>
+              <a:rPr lang="pt-BR" dirty="0"/>
+              <a:t> </a:t>
+            </a:r>
+            <a:r>
+              <a:rPr lang="pt-BR" dirty="0" err="1"/>
+              <a:t>Annealing</a:t>
+            </a:r>
+            <a:r>
+              <a:rPr lang="pt-BR" dirty="0"/>
+              <a:t>, 2012. Citado na página 13.</a:t>
+            </a:r>
+          </a:p>
+          <a:p>
+            <a:r>
+              <a:rPr lang="pt-BR" dirty="0"/>
+              <a:t>ARRATIA-MARTINEZ, N. M.; MAYA-PADRON, C.; AVILA-TORRES, P. A. University Course Timetabling Problem </a:t>
+            </a:r>
+            <a:r>
+              <a:rPr lang="pt-BR" dirty="0" err="1"/>
+              <a:t>with</a:t>
+            </a:r>
+            <a:r>
+              <a:rPr lang="pt-BR" dirty="0"/>
+              <a:t> Professor </a:t>
+            </a:r>
+            <a:r>
+              <a:rPr lang="pt-BR" dirty="0" err="1"/>
+              <a:t>Assignment</a:t>
+            </a:r>
+            <a:r>
+              <a:rPr lang="pt-BR" dirty="0"/>
+              <a:t>. </a:t>
+            </a:r>
+            <a:r>
+              <a:rPr lang="pt-BR" dirty="0" err="1"/>
+              <a:t>Mathematical</a:t>
+            </a:r>
+            <a:r>
+              <a:rPr lang="pt-BR" dirty="0"/>
+              <a:t> </a:t>
+            </a:r>
+            <a:r>
+              <a:rPr lang="pt-BR" dirty="0" err="1"/>
+              <a:t>Problems</a:t>
+            </a:r>
+            <a:r>
+              <a:rPr lang="pt-BR" dirty="0"/>
+              <a:t> in </a:t>
+            </a:r>
+            <a:r>
+              <a:rPr lang="pt-BR" dirty="0" err="1"/>
+              <a:t>Engineering</a:t>
+            </a:r>
+            <a:r>
+              <a:rPr lang="pt-BR" dirty="0"/>
+              <a:t>, v. 2021, p. 1–9, jan. 2021. ISSN 1563-5147, 1024-123X. Disponível em: &lt;https://www.hindawi.com/</a:t>
+            </a:r>
+            <a:r>
+              <a:rPr lang="pt-BR" dirty="0" err="1"/>
+              <a:t>journals</a:t>
+            </a:r>
+            <a:r>
+              <a:rPr lang="pt-BR" dirty="0"/>
+              <a:t>/</a:t>
+            </a:r>
+            <a:r>
+              <a:rPr lang="pt-BR" dirty="0" err="1"/>
+              <a:t>mpe</a:t>
+            </a:r>
+            <a:r>
+              <a:rPr lang="pt-BR" dirty="0"/>
+              <a:t>/2021/6617177/&gt;. Citado 3 vezes nas páginas 11, 13 e 14.</a:t>
+            </a:r>
+          </a:p>
+          <a:p>
+            <a:r>
+              <a:rPr lang="pt-BR" dirty="0"/>
+              <a:t>ALENCAR, W. D. S. et al. </a:t>
+            </a:r>
+            <a:r>
+              <a:rPr lang="pt-BR" dirty="0" err="1"/>
+              <a:t>Information</a:t>
+            </a:r>
+            <a:r>
+              <a:rPr lang="pt-BR" dirty="0"/>
+              <a:t> Visualization for </a:t>
+            </a:r>
+            <a:r>
+              <a:rPr lang="pt-BR" dirty="0" err="1"/>
+              <a:t>Highlighting</a:t>
+            </a:r>
+            <a:r>
+              <a:rPr lang="pt-BR" dirty="0"/>
+              <a:t> </a:t>
+            </a:r>
+            <a:r>
+              <a:rPr lang="pt-BR" dirty="0" err="1"/>
+              <a:t>Conflicts</a:t>
+            </a:r>
+            <a:r>
+              <a:rPr lang="pt-BR" dirty="0"/>
+              <a:t> in Educational Timetabling </a:t>
+            </a:r>
+            <a:r>
+              <a:rPr lang="pt-BR" dirty="0" err="1"/>
+              <a:t>Problems</a:t>
+            </a:r>
+            <a:r>
+              <a:rPr lang="pt-BR" dirty="0"/>
+              <a:t>. In: BEBIS, G. et al. (Ed.). </a:t>
+            </a:r>
+            <a:r>
+              <a:rPr lang="pt-BR" dirty="0" err="1"/>
+              <a:t>Advances</a:t>
+            </a:r>
+            <a:r>
+              <a:rPr lang="pt-BR" dirty="0"/>
+              <a:t> in Visual </a:t>
+            </a:r>
+            <a:r>
+              <a:rPr lang="pt-BR" dirty="0" err="1"/>
+              <a:t>Computing</a:t>
+            </a:r>
+            <a:r>
+              <a:rPr lang="pt-BR" dirty="0"/>
+              <a:t>. </a:t>
+            </a:r>
+            <a:r>
+              <a:rPr lang="pt-BR" dirty="0" err="1"/>
+              <a:t>Cham</a:t>
+            </a:r>
+            <a:r>
+              <a:rPr lang="pt-BR" dirty="0"/>
+              <a:t>: Springer International </a:t>
+            </a:r>
+            <a:r>
+              <a:rPr lang="pt-BR" dirty="0" err="1"/>
+              <a:t>Publishing</a:t>
+            </a:r>
+            <a:r>
+              <a:rPr lang="pt-BR" dirty="0"/>
+              <a:t>, 2019. v. 11844, p. 275–288. ISBN 978-3-030-33719-3 978-3-030-33720-9. Series </a:t>
+            </a:r>
+            <a:r>
+              <a:rPr lang="pt-BR" dirty="0" err="1"/>
+              <a:t>Title</a:t>
+            </a:r>
+            <a:r>
+              <a:rPr lang="pt-BR" dirty="0"/>
+              <a:t>: </a:t>
+            </a:r>
+            <a:r>
+              <a:rPr lang="pt-BR" dirty="0" err="1"/>
+              <a:t>Lecture</a:t>
+            </a:r>
+            <a:r>
+              <a:rPr lang="pt-BR" dirty="0"/>
+              <a:t> Notes in Computer Science. Disponível em: &lt;http://link.springer.com/10.1007/978-3-030-33720-9_21&gt;. Citado 2 vezes nas páginas 17 e 18</a:t>
+            </a:r>
+          </a:p>
+          <a:p>
+            <a:r>
+              <a:rPr lang="pt-BR" dirty="0"/>
+              <a:t>MIRANDA, J.; REY, P. A.; ROBLES, J. M. udpSkeduler: A Web </a:t>
+            </a:r>
+            <a:r>
+              <a:rPr lang="pt-BR" dirty="0" err="1"/>
+              <a:t>architecture</a:t>
+            </a:r>
+            <a:r>
+              <a:rPr lang="pt-BR" dirty="0"/>
+              <a:t> </a:t>
+            </a:r>
+            <a:r>
+              <a:rPr lang="pt-BR" dirty="0" err="1"/>
+              <a:t>based</a:t>
+            </a:r>
+            <a:r>
+              <a:rPr lang="pt-BR" dirty="0"/>
+              <a:t> </a:t>
+            </a:r>
+            <a:r>
+              <a:rPr lang="pt-BR" dirty="0" err="1"/>
+              <a:t>decision</a:t>
+            </a:r>
+            <a:r>
+              <a:rPr lang="pt-BR" dirty="0"/>
+              <a:t> </a:t>
+            </a:r>
+            <a:r>
+              <a:rPr lang="pt-BR" dirty="0" err="1"/>
+              <a:t>support</a:t>
+            </a:r>
+            <a:r>
+              <a:rPr lang="pt-BR" dirty="0"/>
+              <a:t> system for course and </a:t>
+            </a:r>
+            <a:r>
+              <a:rPr lang="pt-BR" dirty="0" err="1"/>
+              <a:t>classroom</a:t>
+            </a:r>
+            <a:r>
+              <a:rPr lang="pt-BR" dirty="0"/>
+              <a:t> scheduling. </a:t>
+            </a:r>
+            <a:r>
+              <a:rPr lang="pt-BR" dirty="0" err="1"/>
+              <a:t>Decision</a:t>
+            </a:r>
+            <a:r>
+              <a:rPr lang="pt-BR" dirty="0"/>
+              <a:t> </a:t>
+            </a:r>
+            <a:r>
+              <a:rPr lang="pt-BR" dirty="0" err="1"/>
+              <a:t>Support</a:t>
+            </a:r>
+            <a:r>
+              <a:rPr lang="pt-BR" dirty="0"/>
+              <a:t> Systems, v. 52, n. 2, p. 505–513, jan. 2012. ISSN 01679236. Disponível em: &lt;https://linkinghub.elsevier.com/</a:t>
+            </a:r>
+            <a:r>
+              <a:rPr lang="pt-BR" dirty="0" err="1"/>
+              <a:t>retrieve</a:t>
+            </a:r>
+            <a:r>
+              <a:rPr lang="pt-BR" dirty="0"/>
+              <a:t>/</a:t>
+            </a:r>
+            <a:r>
+              <a:rPr lang="pt-BR" dirty="0" err="1"/>
+              <a:t>pii</a:t>
+            </a:r>
+            <a:r>
+              <a:rPr lang="pt-BR" dirty="0"/>
+              <a:t>/S0167923611001746&gt;. Citado 3 vezes nas páginas 5, 12 e 16.</a:t>
+            </a:r>
+          </a:p>
+          <a:p>
+            <a:r>
+              <a:rPr lang="pt-BR" dirty="0"/>
+              <a:t>MURRAY, K.; MÜLLER, T.; RUDOVÁ, H. </a:t>
+            </a:r>
+            <a:r>
+              <a:rPr lang="pt-BR" dirty="0" err="1"/>
+              <a:t>Modeling</a:t>
+            </a:r>
+            <a:r>
+              <a:rPr lang="pt-BR" dirty="0"/>
+              <a:t> and </a:t>
+            </a:r>
+            <a:r>
+              <a:rPr lang="pt-BR" dirty="0" err="1"/>
+              <a:t>Solution</a:t>
+            </a:r>
+            <a:r>
+              <a:rPr lang="pt-BR" dirty="0"/>
+              <a:t> of a Complex University Course Timetabling Problem. In: BURKE, E. K.; </a:t>
+            </a:r>
+            <a:r>
+              <a:rPr lang="pt-BR" dirty="0" err="1"/>
+              <a:t>RUDOVá</a:t>
+            </a:r>
+            <a:r>
+              <a:rPr lang="pt-BR" dirty="0"/>
+              <a:t>, H. (Ed.). </a:t>
+            </a:r>
+            <a:r>
+              <a:rPr lang="pt-BR" dirty="0" err="1"/>
+              <a:t>Practice</a:t>
+            </a:r>
+            <a:r>
+              <a:rPr lang="pt-BR" dirty="0"/>
+              <a:t> and </a:t>
+            </a:r>
+            <a:r>
+              <a:rPr lang="pt-BR" dirty="0" err="1"/>
+              <a:t>Theory</a:t>
+            </a:r>
+            <a:r>
+              <a:rPr lang="pt-BR" dirty="0"/>
+              <a:t> of </a:t>
+            </a:r>
+            <a:r>
+              <a:rPr lang="pt-BR" dirty="0" err="1"/>
+              <a:t>Automated</a:t>
+            </a:r>
+            <a:r>
+              <a:rPr lang="pt-BR" dirty="0"/>
+              <a:t> Timetabling VI. Berlin, Heidelberg: Springer Berlin Heidelberg, 2007. v. 3867, p. 189–209. ISBN 978-3-540-77344-3. Series </a:t>
+            </a:r>
+            <a:r>
+              <a:rPr lang="pt-BR" dirty="0" err="1"/>
+              <a:t>Title</a:t>
+            </a:r>
+            <a:r>
+              <a:rPr lang="pt-BR" dirty="0"/>
+              <a:t>: </a:t>
+            </a:r>
+            <a:r>
+              <a:rPr lang="pt-BR" dirty="0" err="1"/>
+              <a:t>Lecture</a:t>
+            </a:r>
+            <a:r>
+              <a:rPr lang="pt-BR" dirty="0"/>
+              <a:t> Notes in Computer Science. Disponível em: &lt;http://link.springer.com/10.1007/978-3-540-77345-0_13&gt;. Citado na página 14.</a:t>
+            </a:r>
+          </a:p>
+          <a:p>
+            <a:r>
+              <a:rPr lang="pt-BR" dirty="0"/>
+              <a:t>ANDRE, A.; DINATA, H. </a:t>
+            </a:r>
+            <a:r>
+              <a:rPr lang="pt-BR" dirty="0" err="1"/>
+              <a:t>Interaction</a:t>
+            </a:r>
+            <a:r>
+              <a:rPr lang="pt-BR" dirty="0"/>
+              <a:t> Design </a:t>
+            </a:r>
+            <a:r>
+              <a:rPr lang="pt-BR" dirty="0" err="1"/>
+              <a:t>to</a:t>
+            </a:r>
+            <a:r>
+              <a:rPr lang="pt-BR" dirty="0"/>
+              <a:t> </a:t>
+            </a:r>
+            <a:r>
+              <a:rPr lang="pt-BR" dirty="0" err="1"/>
+              <a:t>Enhance</a:t>
+            </a:r>
+            <a:r>
+              <a:rPr lang="pt-BR" dirty="0"/>
+              <a:t> UX of University Timetable </a:t>
+            </a:r>
+            <a:r>
+              <a:rPr lang="pt-BR" dirty="0" err="1"/>
+              <a:t>Plotting</a:t>
+            </a:r>
+            <a:r>
+              <a:rPr lang="pt-BR" dirty="0"/>
+              <a:t> System </a:t>
+            </a:r>
+            <a:r>
+              <a:rPr lang="pt-BR" dirty="0" err="1"/>
+              <a:t>on</a:t>
+            </a:r>
+            <a:r>
+              <a:rPr lang="pt-BR" dirty="0"/>
+              <a:t> Mobile </a:t>
+            </a:r>
+            <a:r>
+              <a:rPr lang="pt-BR" dirty="0" err="1"/>
+              <a:t>Version</a:t>
+            </a:r>
+            <a:r>
+              <a:rPr lang="pt-BR" dirty="0"/>
+              <a:t>. IOP </a:t>
+            </a:r>
+            <a:r>
+              <a:rPr lang="pt-BR" dirty="0" err="1"/>
+              <a:t>Conference</a:t>
+            </a:r>
+            <a:r>
+              <a:rPr lang="pt-BR" dirty="0"/>
+              <a:t> Series: </a:t>
+            </a:r>
+            <a:r>
+              <a:rPr lang="pt-BR" dirty="0" err="1"/>
+              <a:t>Materials</a:t>
+            </a:r>
+            <a:r>
+              <a:rPr lang="pt-BR" dirty="0"/>
+              <a:t> Science and </a:t>
+            </a:r>
+            <a:r>
+              <a:rPr lang="pt-BR" dirty="0" err="1"/>
+              <a:t>Engineering</a:t>
+            </a:r>
+            <a:r>
+              <a:rPr lang="pt-BR" dirty="0"/>
+              <a:t>, v. 407, p. 012174, set. 2018. ISSN 1757-899X. Disponível em: &lt;https://iopscience.iop.org/</a:t>
+            </a:r>
+            <a:r>
+              <a:rPr lang="pt-BR" dirty="0" err="1"/>
+              <a:t>article</a:t>
+            </a:r>
+            <a:r>
+              <a:rPr lang="pt-BR" dirty="0"/>
+              <a:t>/10.1088/1757-899X/407/1/012174&gt;. Citado 3 vezes nas páginas 8, 15 e 17.</a:t>
+            </a:r>
+          </a:p>
+        </p:txBody>
+      </p:sp>
+      <p:sp>
+        <p:nvSpPr>
+          <p:cNvPr id="6" name="Título 1">
+            <a:extLst>
+              <a:ext uri="{FF2B5EF4-FFF2-40B4-BE49-F238E27FC236}">
+                <a16:creationId xmlns:a16="http://schemas.microsoft.com/office/drawing/2014/main" id="{4CCC6F76-4C02-051B-C871-5A279FCDA588}"/>
+              </a:ext>
+            </a:extLst>
+          </p:cNvPr>
+          <p:cNvSpPr txBox="1">
+            <a:spLocks/>
+          </p:cNvSpPr>
+          <p:nvPr/>
+        </p:nvSpPr>
+        <p:spPr>
+          <a:xfrm>
+            <a:off x="0" y="-9831"/>
+            <a:ext cx="12192000" cy="692582"/>
+          </a:xfrm>
+          <a:prstGeom prst="rect">
+            <a:avLst/>
+          </a:prstGeom>
+          <a:effectLst/>
+        </p:spPr>
+        <p:txBody>
+          <a:bodyPr vert="horz" lIns="91440" tIns="45720" rIns="91440" bIns="45720" rtlCol="0" anchor="ctr">
+            <a:normAutofit/>
+          </a:bodyPr>
+          <a:lstStyle>
+            <a:lvl1pPr algn="l" defTabSz="457200" rtl="0" eaLnBrk="1" latinLnBrk="0" hangingPunct="1">
+              <a:spcBef>
+                <a:spcPct val="0"/>
+              </a:spcBef>
+              <a:buNone/>
+              <a:defRPr sz="3600" kern="1200" cap="all">
+                <a:ln w="3175" cmpd="sng">
+                  <a:noFill/>
+                </a:ln>
+                <a:solidFill>
+                  <a:schemeClr val="tx1"/>
+                </a:solidFill>
+                <a:effectLst/>
+                <a:latin typeface="+mj-lt"/>
+                <a:ea typeface="+mj-ea"/>
+                <a:cs typeface="+mj-cs"/>
+              </a:defRPr>
+            </a:lvl1pPr>
+            <a:lvl2pPr eaLnBrk="1" hangingPunct="1">
+              <a:defRPr>
+                <a:solidFill>
+                  <a:schemeClr val="tx2"/>
+                </a:solidFill>
+              </a:defRPr>
+            </a:lvl2pPr>
+            <a:lvl3pPr eaLnBrk="1" hangingPunct="1">
+              <a:defRPr>
+                <a:solidFill>
+                  <a:schemeClr val="tx2"/>
+                </a:solidFill>
+              </a:defRPr>
+            </a:lvl3pPr>
+            <a:lvl4pPr eaLnBrk="1" hangingPunct="1">
+              <a:defRPr>
+                <a:solidFill>
+                  <a:schemeClr val="tx2"/>
+                </a:solidFill>
+              </a:defRPr>
+            </a:lvl4pPr>
+            <a:lvl5pPr eaLnBrk="1" hangingPunct="1">
+              <a:defRPr>
+                <a:solidFill>
+                  <a:schemeClr val="tx2"/>
+                </a:solidFill>
+              </a:defRPr>
+            </a:lvl5pPr>
+            <a:lvl6pPr eaLnBrk="1" hangingPunct="1">
+              <a:defRPr>
+                <a:solidFill>
+                  <a:schemeClr val="tx2"/>
+                </a:solidFill>
+              </a:defRPr>
+            </a:lvl6pPr>
+            <a:lvl7pPr eaLnBrk="1" hangingPunct="1">
+              <a:defRPr>
+                <a:solidFill>
+                  <a:schemeClr val="tx2"/>
+                </a:solidFill>
+              </a:defRPr>
+            </a:lvl7pPr>
+            <a:lvl8pPr eaLnBrk="1" hangingPunct="1">
+              <a:defRPr>
+                <a:solidFill>
+                  <a:schemeClr val="tx2"/>
+                </a:solidFill>
+              </a:defRPr>
+            </a:lvl8pPr>
+            <a:lvl9pPr eaLnBrk="1" hangingPunct="1">
+              <a:defRPr>
+                <a:solidFill>
+                  <a:schemeClr val="tx2"/>
+                </a:solidFill>
+              </a:defRPr>
+            </a:lvl9pPr>
+          </a:lstStyle>
+          <a:p>
+            <a:r>
+              <a:rPr lang="pt-BR" dirty="0"/>
+              <a:t>Referências bibliográficas: Contexto Acadêmico</a:t>
+            </a:r>
+          </a:p>
+        </p:txBody>
+      </p:sp>
+    </p:spTree>
+    <p:extLst>
+      <p:ext uri="{BB962C8B-B14F-4D97-AF65-F5344CB8AC3E}">
+        <p14:creationId xmlns:p14="http://schemas.microsoft.com/office/powerpoint/2010/main" val="415942479"/>
+      </p:ext>
+    </p:extLst>
+  </p:cSld>
+  <p:clrMapOvr>
+    <a:masterClrMapping/>
+  </p:clrMapOvr>
+</p:sld>
+</file>
+
+<file path=ppt/slides/slide23.xml><?xml version="1.0" encoding="utf-8"?>
+<p:sld xmlns:a="http://schemas.openxmlformats.org/drawingml/2006/main" xmlns:r="http://schemas.openxmlformats.org/officeDocument/2006/relationships" xmlns:p="http://schemas.openxmlformats.org/presentationml/2006/main">
+  <p:cSld>
+    <p:spTree>
+      <p:nvGrpSpPr>
+        <p:cNvPr id="1" name=""/>
+        <p:cNvGrpSpPr/>
+        <p:nvPr/>
+      </p:nvGrpSpPr>
+      <p:grpSpPr>
+        <a:xfrm>
+          <a:off x="0" y="0"/>
+          <a:ext cx="0" cy="0"/>
+          <a:chOff x="0" y="0"/>
+          <a:chExt cx="0" cy="0"/>
+        </a:xfrm>
+      </p:grpSpPr>
+      <p:sp>
+        <p:nvSpPr>
+          <p:cNvPr id="3" name="Espaço Reservado para Conteúdo 2">
+            <a:extLst>
+              <a:ext uri="{FF2B5EF4-FFF2-40B4-BE49-F238E27FC236}">
+                <a16:creationId xmlns:a16="http://schemas.microsoft.com/office/drawing/2014/main" id="{DDA9D6F2-868B-0F71-4400-E66403607635}"/>
+              </a:ext>
+            </a:extLst>
+          </p:cNvPr>
+          <p:cNvSpPr>
+            <a:spLocks noGrp="1"/>
+          </p:cNvSpPr>
+          <p:nvPr>
+            <p:ph idx="1"/>
+          </p:nvPr>
+        </p:nvSpPr>
+        <p:spPr>
+          <a:xfrm>
+            <a:off x="335936" y="1268976"/>
+            <a:ext cx="11520128" cy="5040056"/>
+          </a:xfrm>
+        </p:spPr>
+        <p:txBody>
+          <a:bodyPr anchor="t">
+            <a:normAutofit/>
+          </a:bodyPr>
+          <a:lstStyle/>
+          <a:p>
+            <a:r>
               <a:rPr lang="pt-BR" dirty="0"/>
               <a:t>MIRANDA, J.; REY, P. A.; ROBLES, J. M. udpSkeduler: A Web </a:t>
             </a:r>
@@ -11534,7 +11646,7 @@
 </p:sld>
 </file>
 
-<file path=ppt/slides/slide22.xml><?xml version="1.0" encoding="utf-8"?>
+<file path=ppt/slides/slide24.xml><?xml version="1.0" encoding="utf-8"?>
 <p:sld xmlns:a="http://schemas.openxmlformats.org/drawingml/2006/main" xmlns:r="http://schemas.openxmlformats.org/officeDocument/2006/relationships" xmlns:p="http://schemas.openxmlformats.org/presentationml/2006/main">
   <p:cSld>
     <p:spTree>
@@ -11981,20 +12093,58 @@
           <a:p>
             <a:r>
               <a:rPr lang="pt-BR" dirty="0"/>
-              <a:t>Capítulo 1: contextualização geral, problemática, hipótese, objetivos, justificativa e metodologia</a:t>
-            </a:r>
-          </a:p>
-          <a:p>
-            <a:r>
-              <a:rPr lang="pt-BR" dirty="0"/>
-              <a:t>Capítulo 2: revisão literária contendo definição dos termos, apresentando soluções e seus desafios</a:t>
-            </a:r>
-          </a:p>
-          <a:p>
-            <a:r>
-              <a:rPr lang="pt-BR" dirty="0"/>
-              <a:t>Capítulo 3: modelagem das etapas de execução, iteração de desenvolvimento e funcionamento</a:t>
-            </a:r>
+              <a:t>Ensino superior, duração, mercado de trabalho e evasão</a:t>
+            </a:r>
+          </a:p>
+          <a:p>
+            <a:r>
+              <a:rPr lang="pt-BR" dirty="0"/>
+              <a:t>Progressão incerta: trancamento, transferências, reprovações, empregos, professores</a:t>
+            </a:r>
+          </a:p>
+          <a:p>
+            <a:r>
+              <a:rPr lang="pt-BR" dirty="0"/>
+              <a:t>Disciplinas ministradas semestralmente</a:t>
+            </a:r>
+          </a:p>
+          <a:p>
+            <a:pPr lvl="1"/>
+            <a:r>
+              <a:rPr lang="pt-BR" dirty="0"/>
+              <a:t>Quais?</a:t>
+            </a:r>
+          </a:p>
+          <a:p>
+            <a:pPr lvl="1"/>
+            <a:r>
+              <a:rPr lang="pt-BR" dirty="0"/>
+              <a:t>Por quem?</a:t>
+            </a:r>
+          </a:p>
+          <a:p>
+            <a:pPr lvl="1"/>
+            <a:r>
+              <a:rPr lang="pt-BR" dirty="0"/>
+              <a:t>Quando?</a:t>
+            </a:r>
+          </a:p>
+          <a:p>
+            <a:pPr lvl="1"/>
+            <a:r>
+              <a:rPr lang="pt-BR" dirty="0"/>
+              <a:t>Onde?</a:t>
+            </a:r>
+          </a:p>
+          <a:p>
+            <a:pPr lvl="1"/>
+            <a:r>
+              <a:rPr lang="pt-BR" dirty="0"/>
+              <a:t>Para quem?</a:t>
+            </a:r>
+          </a:p>
+          <a:p>
+            <a:endParaRPr lang="pt-BR" dirty="0"/>
           </a:p>
         </p:txBody>
       </p:sp>
@@ -12105,7 +12255,7 @@
           <a:p>
             <a:r>
               <a:rPr lang="pt-BR" dirty="0"/>
-              <a:t>Introdução 1.6: Organização </a:t>
+              <a:t>Introdução</a:t>
             </a:r>
           </a:p>
         </p:txBody>
@@ -12113,7 +12263,7 @@
     </p:spTree>
     <p:extLst>
       <p:ext uri="{BB962C8B-B14F-4D97-AF65-F5344CB8AC3E}">
-        <p14:creationId xmlns:p14="http://schemas.microsoft.com/office/powerpoint/2010/main" val="3861201871"/>
+        <p14:creationId xmlns:p14="http://schemas.microsoft.com/office/powerpoint/2010/main" val="1430822854"/>
       </p:ext>
     </p:extLst>
   </p:cSld>
@@ -12158,7 +12308,7 @@
         </p:nvSpPr>
         <p:spPr>
           <a:xfrm>
-            <a:off x="335936" y="1268976"/>
+            <a:off x="335936" y="1271677"/>
             <a:ext cx="10131425" cy="3649133"/>
           </a:xfrm>
         </p:spPr>
@@ -12168,58 +12318,36 @@
           <a:p>
             <a:r>
               <a:rPr lang="pt-BR" dirty="0"/>
-              <a:t>Ensino superior, duração, mercado de trabalho e evasão</a:t>
-            </a:r>
-          </a:p>
-          <a:p>
-            <a:r>
-              <a:rPr lang="pt-BR" dirty="0"/>
-              <a:t>Busca por rapidez</a:t>
-            </a:r>
-          </a:p>
-          <a:p>
-            <a:r>
-              <a:rPr lang="pt-BR" dirty="0"/>
-              <a:t>Disciplinas ministradas semestralmente</a:t>
-            </a:r>
-          </a:p>
-          <a:p>
-            <a:pPr lvl="1"/>
-            <a:r>
-              <a:rPr lang="pt-BR" dirty="0"/>
-              <a:t>Quais?</a:t>
-            </a:r>
-          </a:p>
-          <a:p>
-            <a:pPr lvl="1"/>
-            <a:r>
-              <a:rPr lang="pt-BR" dirty="0"/>
-              <a:t>Quando?</a:t>
-            </a:r>
-          </a:p>
-          <a:p>
-            <a:pPr lvl="1"/>
-            <a:r>
-              <a:rPr lang="pt-BR" dirty="0"/>
-              <a:t>Onde?</a:t>
-            </a:r>
-          </a:p>
-          <a:p>
-            <a:pPr lvl="1"/>
-            <a:r>
-              <a:rPr lang="pt-BR" dirty="0"/>
-              <a:t>Por quem?</a:t>
-            </a:r>
-          </a:p>
-          <a:p>
-            <a:pPr lvl="1"/>
-            <a:r>
-              <a:rPr lang="pt-BR" dirty="0"/>
-              <a:t>Para quem?</a:t>
-            </a:r>
-          </a:p>
-          <a:p>
-            <a:endParaRPr lang="pt-BR" dirty="0"/>
+              <a:t>Problema antigo (BARHAM; WESTWOOD, 1978)</a:t>
+            </a:r>
+          </a:p>
+          <a:p>
+            <a:r>
+              <a:rPr lang="pt-BR" dirty="0"/>
+              <a:t>Problema atual: Esporte</a:t>
+            </a:r>
+            <a:r>
+              <a:rPr lang="en-US" dirty="0"/>
+              <a:t> - International Timetabling Competition (ITC) (Van Bulck; GOOSSENS, 2023)</a:t>
+            </a:r>
+          </a:p>
+          <a:p>
+            <a:r>
+              <a:rPr lang="pt-BR" dirty="0"/>
+              <a:t>Multidimensionalidade (THOMAS; KHADER; BELATON, 2009)</a:t>
+            </a:r>
+          </a:p>
+          <a:p>
+            <a:r>
+              <a:rPr lang="pt-BR" dirty="0"/>
+              <a:t>Especificidades (MIRANDA; REY; ROBLES, 2012)</a:t>
+            </a:r>
+          </a:p>
+          <a:p>
+            <a:r>
+              <a:rPr lang="pt-BR" dirty="0"/>
+              <a:t>Erros humanos (Figura 1)</a:t>
+            </a:r>
           </a:p>
         </p:txBody>
       </p:sp>
@@ -12330,7 +12458,357 @@
           <a:p>
             <a:r>
               <a:rPr lang="pt-BR" dirty="0"/>
-              <a:t>Introdução</a:t>
+              <a:t>Introdução 1.1: Problemáticas</a:t>
+            </a:r>
+          </a:p>
+        </p:txBody>
+      </p:sp>
+      <p:grpSp>
+        <p:nvGrpSpPr>
+          <p:cNvPr id="6" name="Agrupar 5">
+            <a:extLst>
+              <a:ext uri="{FF2B5EF4-FFF2-40B4-BE49-F238E27FC236}">
+                <a16:creationId xmlns:a16="http://schemas.microsoft.com/office/drawing/2014/main" id="{8596F882-11F1-46F0-C028-B480917C8DC5}"/>
+              </a:ext>
+            </a:extLst>
+          </p:cNvPr>
+          <p:cNvGrpSpPr/>
+          <p:nvPr/>
+        </p:nvGrpSpPr>
+        <p:grpSpPr>
+          <a:xfrm>
+            <a:off x="6636006" y="2320536"/>
+            <a:ext cx="4981525" cy="4017864"/>
+            <a:chOff x="2560319" y="1280266"/>
+            <a:chExt cx="4981525" cy="4017864"/>
+          </a:xfrm>
+        </p:grpSpPr>
+        <p:pic>
+          <p:nvPicPr>
+            <p:cNvPr id="4" name="Imagem 3">
+              <a:extLst>
+                <a:ext uri="{FF2B5EF4-FFF2-40B4-BE49-F238E27FC236}">
+                  <a16:creationId xmlns:a16="http://schemas.microsoft.com/office/drawing/2014/main" id="{AA9F5912-C083-570D-8E00-82B70541FBBF}"/>
+                </a:ext>
+              </a:extLst>
+            </p:cNvPr>
+            <p:cNvPicPr>
+              <a:picLocks noChangeAspect="1"/>
+            </p:cNvPicPr>
+            <p:nvPr/>
+          </p:nvPicPr>
+          <p:blipFill rotWithShape="1">
+            <a:blip r:embed="rId2">
+              <a:extLst>
+                <a:ext uri="{28A0092B-C50C-407E-A947-70E740481C1C}">
+                  <a14:useLocalDpi xmlns:a14="http://schemas.microsoft.com/office/drawing/2010/main" val="0"/>
+                </a:ext>
+              </a:extLst>
+            </a:blip>
+            <a:srcRect l="2" t="-1" r="14147" b="14314"/>
+            <a:stretch/>
+          </p:blipFill>
+          <p:spPr>
+            <a:xfrm>
+              <a:off x="2560319" y="1678050"/>
+              <a:ext cx="4981525" cy="3620080"/>
+            </a:xfrm>
+            <a:prstGeom prst="rect">
+              <a:avLst/>
+            </a:prstGeom>
+          </p:spPr>
+        </p:pic>
+        <p:sp>
+          <p:nvSpPr>
+            <p:cNvPr id="5" name="CaixaDeTexto 4">
+              <a:extLst>
+                <a:ext uri="{FF2B5EF4-FFF2-40B4-BE49-F238E27FC236}">
+                  <a16:creationId xmlns:a16="http://schemas.microsoft.com/office/drawing/2014/main" id="{496131FC-2B6C-1BEA-A5D4-38E497A1312D}"/>
+                </a:ext>
+              </a:extLst>
+            </p:cNvPr>
+            <p:cNvSpPr txBox="1"/>
+            <p:nvPr/>
+          </p:nvSpPr>
+          <p:spPr>
+            <a:xfrm>
+              <a:off x="2728568" y="1280266"/>
+              <a:ext cx="4645025" cy="369332"/>
+            </a:xfrm>
+            <a:prstGeom prst="rect">
+              <a:avLst/>
+            </a:prstGeom>
+            <a:noFill/>
+          </p:spPr>
+          <p:txBody>
+            <a:bodyPr wrap="square" rtlCol="0">
+              <a:spAutoFit/>
+            </a:bodyPr>
+            <a:lstStyle/>
+            <a:p>
+              <a:pPr algn="ctr"/>
+              <a:r>
+                <a:rPr lang="pt-BR" dirty="0"/>
+                <a:t>Figura 1: disciplina não atribuída devidamente</a:t>
+              </a:r>
+            </a:p>
+          </p:txBody>
+        </p:sp>
+      </p:grpSp>
+      <p:sp>
+        <p:nvSpPr>
+          <p:cNvPr id="8" name="Espaço Reservado para Conteúdo 2">
+            <a:extLst>
+              <a:ext uri="{FF2B5EF4-FFF2-40B4-BE49-F238E27FC236}">
+                <a16:creationId xmlns:a16="http://schemas.microsoft.com/office/drawing/2014/main" id="{09B0210D-0C0F-C3D8-4F2D-FBCB019D9A15}"/>
+              </a:ext>
+            </a:extLst>
+          </p:cNvPr>
+          <p:cNvSpPr txBox="1">
+            <a:spLocks/>
+          </p:cNvSpPr>
+          <p:nvPr/>
+        </p:nvSpPr>
+        <p:spPr>
+          <a:xfrm>
+            <a:off x="0" y="6248399"/>
+            <a:ext cx="11949059" cy="604075"/>
+          </a:xfrm>
+          <a:prstGeom prst="rect">
+            <a:avLst/>
+          </a:prstGeom>
+        </p:spPr>
+        <p:txBody>
+          <a:bodyPr vert="horz" lIns="91440" tIns="45720" rIns="91440" bIns="45720" rtlCol="0" anchor="b">
+            <a:normAutofit/>
+          </a:bodyPr>
+          <a:lstStyle>
+            <a:lvl1pPr marL="285750" indent="-285750" algn="l" defTabSz="457200" rtl="0" eaLnBrk="1" latinLnBrk="0" hangingPunct="1">
+              <a:spcBef>
+                <a:spcPts val="0"/>
+              </a:spcBef>
+              <a:spcAft>
+                <a:spcPts val="1000"/>
+              </a:spcAft>
+              <a:buClr>
+                <a:schemeClr val="tx1"/>
+              </a:buClr>
+              <a:buSzPct val="100000"/>
+              <a:buFont typeface="Arial"/>
+              <a:buChar char="•"/>
+              <a:defRPr sz="1800" kern="1200" cap="none">
+                <a:solidFill>
+                  <a:schemeClr val="tx1"/>
+                </a:solidFill>
+                <a:effectLst/>
+                <a:latin typeface="+mn-lt"/>
+                <a:ea typeface="+mn-ea"/>
+                <a:cs typeface="+mn-cs"/>
+              </a:defRPr>
+            </a:lvl1pPr>
+            <a:lvl2pPr marL="742950" indent="-285750" algn="l" defTabSz="457200" rtl="0" eaLnBrk="1" latinLnBrk="0" hangingPunct="1">
+              <a:spcBef>
+                <a:spcPts val="0"/>
+              </a:spcBef>
+              <a:spcAft>
+                <a:spcPts val="1000"/>
+              </a:spcAft>
+              <a:buClr>
+                <a:schemeClr val="tx1"/>
+              </a:buClr>
+              <a:buSzPct val="100000"/>
+              <a:buFont typeface="Arial"/>
+              <a:buChar char="•"/>
+              <a:defRPr sz="1600" kern="1200" cap="none">
+                <a:solidFill>
+                  <a:schemeClr val="tx1"/>
+                </a:solidFill>
+                <a:effectLst/>
+                <a:latin typeface="+mn-lt"/>
+                <a:ea typeface="+mn-ea"/>
+                <a:cs typeface="+mn-cs"/>
+              </a:defRPr>
+            </a:lvl2pPr>
+            <a:lvl3pPr marL="1200150" indent="-285750" algn="l" defTabSz="457200" rtl="0" eaLnBrk="1" latinLnBrk="0" hangingPunct="1">
+              <a:spcBef>
+                <a:spcPts val="0"/>
+              </a:spcBef>
+              <a:spcAft>
+                <a:spcPts val="1000"/>
+              </a:spcAft>
+              <a:buClr>
+                <a:schemeClr val="tx1"/>
+              </a:buClr>
+              <a:buSzPct val="100000"/>
+              <a:buFont typeface="Arial"/>
+              <a:buChar char="•"/>
+              <a:defRPr sz="1400" kern="1200" cap="none">
+                <a:solidFill>
+                  <a:schemeClr val="tx1"/>
+                </a:solidFill>
+                <a:effectLst/>
+                <a:latin typeface="+mn-lt"/>
+                <a:ea typeface="+mn-ea"/>
+                <a:cs typeface="+mn-cs"/>
+              </a:defRPr>
+            </a:lvl3pPr>
+            <a:lvl4pPr marL="1543050" indent="-171450" algn="l" defTabSz="457200" rtl="0" eaLnBrk="1" latinLnBrk="0" hangingPunct="1">
+              <a:spcBef>
+                <a:spcPts val="0"/>
+              </a:spcBef>
+              <a:spcAft>
+                <a:spcPts val="1000"/>
+              </a:spcAft>
+              <a:buClr>
+                <a:schemeClr val="tx1"/>
+              </a:buClr>
+              <a:buSzPct val="100000"/>
+              <a:buFont typeface="Arial"/>
+              <a:buChar char="•"/>
+              <a:defRPr sz="1200" kern="1200" cap="none">
+                <a:solidFill>
+                  <a:schemeClr val="tx1"/>
+                </a:solidFill>
+                <a:effectLst/>
+                <a:latin typeface="+mn-lt"/>
+                <a:ea typeface="+mn-ea"/>
+                <a:cs typeface="+mn-cs"/>
+              </a:defRPr>
+            </a:lvl4pPr>
+            <a:lvl5pPr marL="2000250" indent="-171450" algn="l" defTabSz="457200" rtl="0" eaLnBrk="1" latinLnBrk="0" hangingPunct="1">
+              <a:spcBef>
+                <a:spcPts val="0"/>
+              </a:spcBef>
+              <a:spcAft>
+                <a:spcPts val="1000"/>
+              </a:spcAft>
+              <a:buClr>
+                <a:schemeClr val="tx1"/>
+              </a:buClr>
+              <a:buSzPct val="100000"/>
+              <a:buFont typeface="Arial"/>
+              <a:buChar char="•"/>
+              <a:defRPr sz="1200" kern="1200" cap="none">
+                <a:solidFill>
+                  <a:schemeClr val="tx1"/>
+                </a:solidFill>
+                <a:effectLst/>
+                <a:latin typeface="+mn-lt"/>
+                <a:ea typeface="+mn-ea"/>
+                <a:cs typeface="+mn-cs"/>
+              </a:defRPr>
+            </a:lvl5pPr>
+            <a:lvl6pPr marL="2514600" indent="-228600" algn="l" defTabSz="457200" rtl="0" eaLnBrk="1" latinLnBrk="0" hangingPunct="1">
+              <a:spcBef>
+                <a:spcPts val="0"/>
+              </a:spcBef>
+              <a:spcAft>
+                <a:spcPts val="1000"/>
+              </a:spcAft>
+              <a:buClr>
+                <a:schemeClr val="tx1"/>
+              </a:buClr>
+              <a:buSzPct val="100000"/>
+              <a:buFont typeface="Arial"/>
+              <a:buChar char="•"/>
+              <a:defRPr sz="1200" kern="1200" cap="none">
+                <a:solidFill>
+                  <a:schemeClr val="tx1"/>
+                </a:solidFill>
+                <a:effectLst/>
+                <a:latin typeface="+mn-lt"/>
+                <a:ea typeface="+mn-ea"/>
+                <a:cs typeface="+mn-cs"/>
+              </a:defRPr>
+            </a:lvl6pPr>
+            <a:lvl7pPr marL="2971800" indent="-228600" algn="l" defTabSz="457200" rtl="0" eaLnBrk="1" latinLnBrk="0" hangingPunct="1">
+              <a:spcBef>
+                <a:spcPts val="0"/>
+              </a:spcBef>
+              <a:spcAft>
+                <a:spcPts val="1000"/>
+              </a:spcAft>
+              <a:buClr>
+                <a:schemeClr val="tx1"/>
+              </a:buClr>
+              <a:buSzPct val="100000"/>
+              <a:buFont typeface="Arial"/>
+              <a:buChar char="•"/>
+              <a:defRPr sz="1200" kern="1200" cap="none">
+                <a:solidFill>
+                  <a:schemeClr val="tx1"/>
+                </a:solidFill>
+                <a:effectLst/>
+                <a:latin typeface="+mn-lt"/>
+                <a:ea typeface="+mn-ea"/>
+                <a:cs typeface="+mn-cs"/>
+              </a:defRPr>
+            </a:lvl7pPr>
+            <a:lvl8pPr marL="3429000" indent="-228600" algn="l" defTabSz="457200" rtl="0" eaLnBrk="1" latinLnBrk="0" hangingPunct="1">
+              <a:spcBef>
+                <a:spcPts val="0"/>
+              </a:spcBef>
+              <a:spcAft>
+                <a:spcPts val="1000"/>
+              </a:spcAft>
+              <a:buClr>
+                <a:schemeClr val="tx1"/>
+              </a:buClr>
+              <a:buSzPct val="100000"/>
+              <a:buFont typeface="Arial"/>
+              <a:buChar char="•"/>
+              <a:defRPr sz="1200" kern="1200" cap="none">
+                <a:solidFill>
+                  <a:schemeClr val="tx1"/>
+                </a:solidFill>
+                <a:effectLst/>
+                <a:latin typeface="+mn-lt"/>
+                <a:ea typeface="+mn-ea"/>
+                <a:cs typeface="+mn-cs"/>
+              </a:defRPr>
+            </a:lvl8pPr>
+            <a:lvl9pPr marL="3886200" indent="-228600" algn="l" defTabSz="457200" rtl="0" eaLnBrk="1" latinLnBrk="0" hangingPunct="1">
+              <a:spcBef>
+                <a:spcPts val="0"/>
+              </a:spcBef>
+              <a:spcAft>
+                <a:spcPts val="1000"/>
+              </a:spcAft>
+              <a:buClr>
+                <a:schemeClr val="tx1"/>
+              </a:buClr>
+              <a:buSzPct val="100000"/>
+              <a:buFont typeface="Arial"/>
+              <a:buChar char="•"/>
+              <a:defRPr sz="1200" kern="1200" cap="none">
+                <a:solidFill>
+                  <a:schemeClr val="tx1"/>
+                </a:solidFill>
+                <a:effectLst/>
+                <a:latin typeface="+mn-lt"/>
+                <a:ea typeface="+mn-ea"/>
+                <a:cs typeface="+mn-cs"/>
+              </a:defRPr>
+            </a:lvl9pPr>
+          </a:lstStyle>
+          <a:p>
+            <a:pPr marL="0" lvl="1" indent="0">
+              <a:spcAft>
+                <a:spcPts val="0"/>
+              </a:spcAft>
+              <a:buNone/>
+            </a:pPr>
+            <a:r>
+              <a:rPr lang="pt-BR" sz="900" dirty="0"/>
+              <a:t>Fonte da figura 1: </a:t>
+            </a:r>
+            <a:r>
+              <a:rPr lang="pt-BR" sz="1000" dirty="0"/>
+              <a:t>Aulas atribuídas à sala 105 do CCT - Editada pelo autor</a:t>
+            </a:r>
+            <a:r>
+              <a:rPr lang="pt-BR" sz="900" dirty="0"/>
+              <a:t>. [Imagem]. Disponível em: https://uenf.br/cct/wp-content/uploads/2023/05/salas-2023-1_v21.pdf. Acesso em: 29 maio. 2023.</a:t>
             </a:r>
           </a:p>
         </p:txBody>
@@ -12338,7 +12816,7 @@
     </p:spTree>
     <p:extLst>
       <p:ext uri="{BB962C8B-B14F-4D97-AF65-F5344CB8AC3E}">
-        <p14:creationId xmlns:p14="http://schemas.microsoft.com/office/powerpoint/2010/main" val="1430822854"/>
+        <p14:creationId xmlns:p14="http://schemas.microsoft.com/office/powerpoint/2010/main" val="1127124973"/>
       </p:ext>
     </p:extLst>
   </p:cSld>
@@ -12383,46 +12861,41 @@
         </p:nvSpPr>
         <p:spPr>
           <a:xfrm>
-            <a:off x="335936" y="1271677"/>
-            <a:ext cx="10131425" cy="3649133"/>
+            <a:off x="342496" y="1270583"/>
+            <a:ext cx="5410199" cy="2340411"/>
           </a:xfrm>
         </p:spPr>
         <p:txBody>
-          <a:bodyPr anchor="t"/>
+          <a:bodyPr anchor="t">
+            <a:normAutofit/>
+          </a:bodyPr>
           <a:lstStyle/>
           <a:p>
-            <a:r>
-              <a:rPr lang="pt-BR" dirty="0"/>
-              <a:t>Problema antigo (BARHAM; WESTWOOD, 1978)</a:t>
-            </a:r>
-          </a:p>
-          <a:p>
-            <a:r>
-              <a:rPr lang="pt-BR" dirty="0"/>
-              <a:t>Problema atual: Esporte</a:t>
-            </a:r>
-            <a:r>
-              <a:rPr lang="en-US" dirty="0"/>
-              <a:t> - International Timetabling Competition (ITC) (Van Bulck; GOOSSENS, 2023)</a:t>
-            </a:r>
-          </a:p>
-          <a:p>
-            <a:r>
-              <a:rPr lang="pt-BR" dirty="0"/>
-              <a:t>Multidimensionalidade (THOMAS; KHADER; BELATON, 2009)</a:t>
-            </a:r>
-          </a:p>
-          <a:p>
-            <a:r>
-              <a:rPr lang="pt-BR" dirty="0"/>
-              <a:t>Especificidades (MIRANDA; REY; ROBLES, 2012)</a:t>
-            </a:r>
-          </a:p>
-          <a:p>
-            <a:r>
-              <a:rPr lang="pt-BR" dirty="0"/>
-              <a:t>Erros humanos (Figura 1)</a:t>
-            </a:r>
+            <a:pPr marL="342900" indent="-342900">
+              <a:buFont typeface="+mj-lt"/>
+              <a:buAutoNum type="arabicPeriod"/>
+            </a:pPr>
+            <a:r>
+              <a:rPr lang="pt-BR" dirty="0"/>
+              <a:t>Softwares atualmente existentes para solução de grade horária não apresentam completas capacidades de se moldar à instituições específicas</a:t>
+            </a:r>
+          </a:p>
+          <a:p>
+            <a:pPr marL="342900" indent="-342900">
+              <a:buFont typeface="+mj-lt"/>
+              <a:buAutoNum type="arabicPeriod"/>
+            </a:pPr>
+            <a:r>
+              <a:rPr lang="pt-BR" dirty="0"/>
+              <a:t>O software a ser desenvolvido trará uma solução plausível às exigências da instituição.</a:t>
+            </a:r>
+          </a:p>
+          <a:p>
+            <a:pPr marL="342900" indent="-342900">
+              <a:buFont typeface="+mj-lt"/>
+              <a:buAutoNum type="arabicPeriod"/>
+            </a:pPr>
+            <a:endParaRPr lang="pt-BR" dirty="0"/>
           </a:p>
         </p:txBody>
       </p:sp>
@@ -12533,108 +13006,17 @@
           <a:p>
             <a:r>
               <a:rPr lang="pt-BR" dirty="0"/>
-              <a:t>Introdução 1.1: Problemáticas</a:t>
-            </a:r>
-          </a:p>
-        </p:txBody>
-      </p:sp>
-      <p:grpSp>
-        <p:nvGrpSpPr>
-          <p:cNvPr id="6" name="Agrupar 5">
+              <a:t>Introdução</a:t>
+            </a:r>
+          </a:p>
+        </p:txBody>
+      </p:sp>
+      <p:sp>
+        <p:nvSpPr>
+          <p:cNvPr id="2" name="Espaço Reservado para Conteúdo 2">
             <a:extLst>
               <a:ext uri="{FF2B5EF4-FFF2-40B4-BE49-F238E27FC236}">
-                <a16:creationId xmlns:a16="http://schemas.microsoft.com/office/drawing/2014/main" id="{8596F882-11F1-46F0-C028-B480917C8DC5}"/>
-              </a:ext>
-            </a:extLst>
-          </p:cNvPr>
-          <p:cNvGrpSpPr/>
-          <p:nvPr/>
-        </p:nvGrpSpPr>
-        <p:grpSpPr>
-          <a:xfrm>
-            <a:off x="6906009" y="2377168"/>
-            <a:ext cx="4645025" cy="3871231"/>
-            <a:chOff x="2560320" y="1308718"/>
-            <a:chExt cx="4645025" cy="3871231"/>
-          </a:xfrm>
-        </p:grpSpPr>
-        <p:pic>
-          <p:nvPicPr>
-            <p:cNvPr id="4" name="Imagem 3">
-              <a:extLst>
-                <a:ext uri="{FF2B5EF4-FFF2-40B4-BE49-F238E27FC236}">
-                  <a16:creationId xmlns:a16="http://schemas.microsoft.com/office/drawing/2014/main" id="{AA9F5912-C083-570D-8E00-82B70541FBBF}"/>
-                </a:ext>
-              </a:extLst>
-            </p:cNvPr>
-            <p:cNvPicPr>
-              <a:picLocks noChangeAspect="1"/>
-            </p:cNvPicPr>
-            <p:nvPr/>
-          </p:nvPicPr>
-          <p:blipFill rotWithShape="1">
-            <a:blip r:embed="rId2">
-              <a:extLst>
-                <a:ext uri="{28A0092B-C50C-407E-A947-70E740481C1C}">
-                  <a14:useLocalDpi xmlns:a14="http://schemas.microsoft.com/office/drawing/2010/main" val="0"/>
-                </a:ext>
-              </a:extLst>
-            </a:blip>
-            <a:srcRect l="1" r="27509" b="17111"/>
-            <a:stretch/>
-          </p:blipFill>
-          <p:spPr>
-            <a:xfrm>
-              <a:off x="2560320" y="1678050"/>
-              <a:ext cx="4206240" cy="3501899"/>
-            </a:xfrm>
-            <a:prstGeom prst="rect">
-              <a:avLst/>
-            </a:prstGeom>
-          </p:spPr>
-        </p:pic>
-        <p:sp>
-          <p:nvSpPr>
-            <p:cNvPr id="5" name="CaixaDeTexto 4">
-              <a:extLst>
-                <a:ext uri="{FF2B5EF4-FFF2-40B4-BE49-F238E27FC236}">
-                  <a16:creationId xmlns:a16="http://schemas.microsoft.com/office/drawing/2014/main" id="{496131FC-2B6C-1BEA-A5D4-38E497A1312D}"/>
-                </a:ext>
-              </a:extLst>
-            </p:cNvPr>
-            <p:cNvSpPr txBox="1"/>
-            <p:nvPr/>
-          </p:nvSpPr>
-          <p:spPr>
-            <a:xfrm>
-              <a:off x="2560320" y="1308718"/>
-              <a:ext cx="4645025" cy="369332"/>
-            </a:xfrm>
-            <a:prstGeom prst="rect">
-              <a:avLst/>
-            </a:prstGeom>
-            <a:noFill/>
-          </p:spPr>
-          <p:txBody>
-            <a:bodyPr wrap="square" rtlCol="0">
-              <a:spAutoFit/>
-            </a:bodyPr>
-            <a:lstStyle/>
-            <a:p>
-              <a:r>
-                <a:rPr lang="pt-BR" dirty="0"/>
-                <a:t>Figura 1: disciplina não atribuída devidamente</a:t>
-              </a:r>
-            </a:p>
-          </p:txBody>
-        </p:sp>
-      </p:grpSp>
-      <p:sp>
-        <p:nvSpPr>
-          <p:cNvPr id="8" name="Espaço Reservado para Conteúdo 2">
-            <a:extLst>
-              <a:ext uri="{FF2B5EF4-FFF2-40B4-BE49-F238E27FC236}">
-                <a16:creationId xmlns:a16="http://schemas.microsoft.com/office/drawing/2014/main" id="{09B0210D-0C0F-C3D8-4F2D-FBCB019D9A15}"/>
+                <a16:creationId xmlns:a16="http://schemas.microsoft.com/office/drawing/2014/main" id="{3F68C3E9-9F38-6ADE-ECEF-613475C93D12}"/>
               </a:ext>
             </a:extLst>
           </p:cNvPr>
@@ -12645,19 +13027,19 @@
         </p:nvSpPr>
         <p:spPr>
           <a:xfrm>
-            <a:off x="0" y="6248399"/>
-            <a:ext cx="11949059" cy="604075"/>
+            <a:off x="6093682" y="1967544"/>
+            <a:ext cx="6152299" cy="3649133"/>
           </a:xfrm>
           <a:prstGeom prst="rect">
             <a:avLst/>
           </a:prstGeom>
         </p:spPr>
         <p:txBody>
-          <a:bodyPr vert="horz" lIns="91440" tIns="45720" rIns="91440" bIns="45720" rtlCol="0" anchor="b">
-            <a:normAutofit/>
+          <a:bodyPr vert="horz" lIns="91440" tIns="45720" rIns="91440" bIns="45720" rtlCol="0" anchor="t">
+            <a:noAutofit/>
           </a:bodyPr>
           <a:lstStyle>
-            <a:lvl1pPr marL="285750" indent="-285750" algn="l" defTabSz="457200" rtl="0" eaLnBrk="1" latinLnBrk="0" hangingPunct="1">
+            <a:lvl1pPr marL="285750" indent="-285750" algn="just" defTabSz="457200" rtl="0" eaLnBrk="1" latinLnBrk="0" hangingPunct="1">
               <a:spcBef>
                 <a:spcPts val="0"/>
               </a:spcBef>
@@ -12866,23 +13248,664 @@
             </a:lvl9pPr>
           </a:lstStyle>
           <a:p>
-            <a:pPr marL="0" lvl="1" indent="0">
+            <a:r>
+              <a:rPr lang="pt-BR" dirty="0"/>
+              <a:t>Gerais</a:t>
+            </a:r>
+          </a:p>
+          <a:p>
+            <a:pPr lvl="1"/>
+            <a:r>
+              <a:rPr lang="pt-BR" sz="1800" dirty="0"/>
+              <a:t>Aumentar eficiência, eficácia e efetividade</a:t>
+            </a:r>
+          </a:p>
+          <a:p>
+            <a:pPr lvl="1"/>
+            <a:r>
+              <a:rPr lang="pt-BR" sz="1800" dirty="0"/>
+              <a:t>Redução de conflito entre disciplinas</a:t>
+            </a:r>
+          </a:p>
+          <a:p>
+            <a:pPr lvl="1"/>
+            <a:r>
+              <a:rPr lang="pt-BR" sz="1800" dirty="0"/>
+              <a:t>Trazer benefícios aos alunos e criadores de grade</a:t>
+            </a:r>
+          </a:p>
+          <a:p>
+            <a:r>
+              <a:rPr lang="pt-BR" dirty="0"/>
+              <a:t>Específicos</a:t>
+            </a:r>
+          </a:p>
+          <a:p>
+            <a:pPr lvl="1"/>
+            <a:r>
+              <a:rPr lang="pt-BR" sz="1800" dirty="0"/>
+              <a:t>Entender a parte organizacional do </a:t>
+            </a:r>
+            <a:r>
+              <a:rPr lang="pt-BR" sz="1800" i="1" dirty="0"/>
+              <a:t>timetabling</a:t>
+            </a:r>
+            <a:r>
+              <a:rPr lang="pt-BR" sz="1800" dirty="0"/>
+              <a:t> na UENF</a:t>
+            </a:r>
+          </a:p>
+          <a:p>
+            <a:pPr lvl="1"/>
+            <a:r>
+              <a:rPr lang="pt-BR" sz="1800" dirty="0"/>
+              <a:t>Elicitação de requisitos</a:t>
+            </a:r>
+          </a:p>
+          <a:p>
+            <a:pPr lvl="1"/>
+            <a:r>
+              <a:rPr lang="pt-BR" sz="1800" dirty="0"/>
+              <a:t>Modelagem do sistema de acordo com os requisitos</a:t>
+            </a:r>
+          </a:p>
+          <a:p>
+            <a:pPr lvl="1"/>
+            <a:r>
+              <a:rPr lang="pt-BR" sz="1800" dirty="0"/>
+              <a:t>Incentivar o uso de uma ferramenta centralizada</a:t>
+            </a:r>
+          </a:p>
+        </p:txBody>
+      </p:sp>
+      <p:sp>
+        <p:nvSpPr>
+          <p:cNvPr id="4" name="Título 1">
+            <a:extLst>
+              <a:ext uri="{FF2B5EF4-FFF2-40B4-BE49-F238E27FC236}">
+                <a16:creationId xmlns:a16="http://schemas.microsoft.com/office/drawing/2014/main" id="{993B12C9-F0D0-AE32-30E2-F096548F8631}"/>
+              </a:ext>
+            </a:extLst>
+          </p:cNvPr>
+          <p:cNvSpPr txBox="1">
+            <a:spLocks/>
+          </p:cNvSpPr>
+          <p:nvPr/>
+        </p:nvSpPr>
+        <p:spPr>
+          <a:xfrm>
+            <a:off x="6093682" y="1270583"/>
+            <a:ext cx="6030067" cy="692582"/>
+          </a:xfrm>
+          <a:prstGeom prst="rect">
+            <a:avLst/>
+          </a:prstGeom>
+          <a:effectLst/>
+        </p:spPr>
+        <p:txBody>
+          <a:bodyPr vert="horz" lIns="91440" tIns="45720" rIns="91440" bIns="45720" rtlCol="0" anchor="ctr">
+            <a:normAutofit/>
+          </a:bodyPr>
+          <a:lstStyle>
+            <a:lvl1pPr algn="l" defTabSz="457200" rtl="0" eaLnBrk="1" latinLnBrk="0" hangingPunct="1">
+              <a:spcBef>
+                <a:spcPct val="0"/>
+              </a:spcBef>
+              <a:buNone/>
+              <a:defRPr sz="3600" kern="1200" cap="all">
+                <a:ln w="3175" cmpd="sng">
+                  <a:noFill/>
+                </a:ln>
+                <a:solidFill>
+                  <a:schemeClr val="tx1"/>
+                </a:solidFill>
+                <a:effectLst/>
+                <a:latin typeface="+mj-lt"/>
+                <a:ea typeface="+mj-ea"/>
+                <a:cs typeface="+mj-cs"/>
+              </a:defRPr>
+            </a:lvl1pPr>
+            <a:lvl2pPr eaLnBrk="1" hangingPunct="1">
+              <a:defRPr>
+                <a:solidFill>
+                  <a:schemeClr val="tx2"/>
+                </a:solidFill>
+              </a:defRPr>
+            </a:lvl2pPr>
+            <a:lvl3pPr eaLnBrk="1" hangingPunct="1">
+              <a:defRPr>
+                <a:solidFill>
+                  <a:schemeClr val="tx2"/>
+                </a:solidFill>
+              </a:defRPr>
+            </a:lvl3pPr>
+            <a:lvl4pPr eaLnBrk="1" hangingPunct="1">
+              <a:defRPr>
+                <a:solidFill>
+                  <a:schemeClr val="tx2"/>
+                </a:solidFill>
+              </a:defRPr>
+            </a:lvl4pPr>
+            <a:lvl5pPr eaLnBrk="1" hangingPunct="1">
+              <a:defRPr>
+                <a:solidFill>
+                  <a:schemeClr val="tx2"/>
+                </a:solidFill>
+              </a:defRPr>
+            </a:lvl5pPr>
+            <a:lvl6pPr eaLnBrk="1" hangingPunct="1">
+              <a:defRPr>
+                <a:solidFill>
+                  <a:schemeClr val="tx2"/>
+                </a:solidFill>
+              </a:defRPr>
+            </a:lvl6pPr>
+            <a:lvl7pPr eaLnBrk="1" hangingPunct="1">
+              <a:defRPr>
+                <a:solidFill>
+                  <a:schemeClr val="tx2"/>
+                </a:solidFill>
+              </a:defRPr>
+            </a:lvl7pPr>
+            <a:lvl8pPr eaLnBrk="1" hangingPunct="1">
+              <a:defRPr>
+                <a:solidFill>
+                  <a:schemeClr val="tx2"/>
+                </a:solidFill>
+              </a:defRPr>
+            </a:lvl8pPr>
+            <a:lvl9pPr eaLnBrk="1" hangingPunct="1">
+              <a:defRPr>
+                <a:solidFill>
+                  <a:schemeClr val="tx2"/>
+                </a:solidFill>
+              </a:defRPr>
+            </a:lvl9pPr>
+          </a:lstStyle>
+          <a:p>
+            <a:r>
+              <a:rPr lang="pt-BR" sz="3200" dirty="0"/>
+              <a:t>1.3: Objetivos </a:t>
+            </a:r>
+          </a:p>
+        </p:txBody>
+      </p:sp>
+      <p:sp>
+        <p:nvSpPr>
+          <p:cNvPr id="5" name="Espaço Reservado para Conteúdo 2">
+            <a:extLst>
+              <a:ext uri="{FF2B5EF4-FFF2-40B4-BE49-F238E27FC236}">
+                <a16:creationId xmlns:a16="http://schemas.microsoft.com/office/drawing/2014/main" id="{2EFDF8C3-50EF-63AD-1B1F-E97771BE4F0E}"/>
+              </a:ext>
+            </a:extLst>
+          </p:cNvPr>
+          <p:cNvSpPr txBox="1">
+            <a:spLocks/>
+          </p:cNvSpPr>
+          <p:nvPr/>
+        </p:nvSpPr>
+        <p:spPr>
+          <a:xfrm>
+            <a:off x="342497" y="4869016"/>
+            <a:ext cx="5410199" cy="1509351"/>
+          </a:xfrm>
+          <a:prstGeom prst="rect">
+            <a:avLst/>
+          </a:prstGeom>
+        </p:spPr>
+        <p:txBody>
+          <a:bodyPr vert="horz" lIns="91440" tIns="45720" rIns="91440" bIns="45720" rtlCol="0" anchor="t">
+            <a:normAutofit/>
+          </a:bodyPr>
+          <a:lstStyle>
+            <a:lvl1pPr marL="285750" indent="-285750" algn="just" defTabSz="457200" rtl="0" eaLnBrk="1" latinLnBrk="0" hangingPunct="1">
+              <a:spcBef>
+                <a:spcPts val="0"/>
+              </a:spcBef>
               <a:spcAft>
+                <a:spcPts val="1000"/>
+              </a:spcAft>
+              <a:buClr>
+                <a:schemeClr val="tx1"/>
+              </a:buClr>
+              <a:buSzPct val="100000"/>
+              <a:buFont typeface="Arial"/>
+              <a:buChar char="•"/>
+              <a:defRPr sz="1800" kern="1200" cap="none">
+                <a:solidFill>
+                  <a:schemeClr val="tx1"/>
+                </a:solidFill>
+                <a:effectLst/>
+                <a:latin typeface="+mn-lt"/>
+                <a:ea typeface="+mn-ea"/>
+                <a:cs typeface="+mn-cs"/>
+              </a:defRPr>
+            </a:lvl1pPr>
+            <a:lvl2pPr marL="742950" indent="-285750" algn="l" defTabSz="457200" rtl="0" eaLnBrk="1" latinLnBrk="0" hangingPunct="1">
+              <a:spcBef>
                 <a:spcPts val="0"/>
+              </a:spcBef>
+              <a:spcAft>
+                <a:spcPts val="1000"/>
               </a:spcAft>
-              <a:buNone/>
-            </a:pPr>
-            <a:r>
-              <a:rPr lang="pt-BR" sz="900" dirty="0"/>
-              <a:t>Fonte da figura 1: </a:t>
-            </a:r>
-            <a:r>
-              <a:rPr lang="pt-BR" sz="1000" dirty="0"/>
-              <a:t>Aulas atribuídas à sala 105 do CCT - Editada pelo autor</a:t>
-            </a:r>
-            <a:r>
-              <a:rPr lang="pt-BR" sz="900" dirty="0"/>
-              <a:t>. [Imagem]. Disponível em: https://uenf.br/cct/wp-content/uploads/2023/05/salas-2023-1_v21.pdf. Acesso em: 29 maio. 2023.</a:t>
+              <a:buClr>
+                <a:schemeClr val="tx1"/>
+              </a:buClr>
+              <a:buSzPct val="100000"/>
+              <a:buFont typeface="Arial"/>
+              <a:buChar char="•"/>
+              <a:defRPr sz="1600" kern="1200" cap="none">
+                <a:solidFill>
+                  <a:schemeClr val="tx1"/>
+                </a:solidFill>
+                <a:effectLst/>
+                <a:latin typeface="+mn-lt"/>
+                <a:ea typeface="+mn-ea"/>
+                <a:cs typeface="+mn-cs"/>
+              </a:defRPr>
+            </a:lvl2pPr>
+            <a:lvl3pPr marL="1200150" indent="-285750" algn="l" defTabSz="457200" rtl="0" eaLnBrk="1" latinLnBrk="0" hangingPunct="1">
+              <a:spcBef>
+                <a:spcPts val="0"/>
+              </a:spcBef>
+              <a:spcAft>
+                <a:spcPts val="1000"/>
+              </a:spcAft>
+              <a:buClr>
+                <a:schemeClr val="tx1"/>
+              </a:buClr>
+              <a:buSzPct val="100000"/>
+              <a:buFont typeface="Arial"/>
+              <a:buChar char="•"/>
+              <a:defRPr sz="1400" kern="1200" cap="none">
+                <a:solidFill>
+                  <a:schemeClr val="tx1"/>
+                </a:solidFill>
+                <a:effectLst/>
+                <a:latin typeface="+mn-lt"/>
+                <a:ea typeface="+mn-ea"/>
+                <a:cs typeface="+mn-cs"/>
+              </a:defRPr>
+            </a:lvl3pPr>
+            <a:lvl4pPr marL="1543050" indent="-171450" algn="l" defTabSz="457200" rtl="0" eaLnBrk="1" latinLnBrk="0" hangingPunct="1">
+              <a:spcBef>
+                <a:spcPts val="0"/>
+              </a:spcBef>
+              <a:spcAft>
+                <a:spcPts val="1000"/>
+              </a:spcAft>
+              <a:buClr>
+                <a:schemeClr val="tx1"/>
+              </a:buClr>
+              <a:buSzPct val="100000"/>
+              <a:buFont typeface="Arial"/>
+              <a:buChar char="•"/>
+              <a:defRPr sz="1200" kern="1200" cap="none">
+                <a:solidFill>
+                  <a:schemeClr val="tx1"/>
+                </a:solidFill>
+                <a:effectLst/>
+                <a:latin typeface="+mn-lt"/>
+                <a:ea typeface="+mn-ea"/>
+                <a:cs typeface="+mn-cs"/>
+              </a:defRPr>
+            </a:lvl4pPr>
+            <a:lvl5pPr marL="2000250" indent="-171450" algn="l" defTabSz="457200" rtl="0" eaLnBrk="1" latinLnBrk="0" hangingPunct="1">
+              <a:spcBef>
+                <a:spcPts val="0"/>
+              </a:spcBef>
+              <a:spcAft>
+                <a:spcPts val="1000"/>
+              </a:spcAft>
+              <a:buClr>
+                <a:schemeClr val="tx1"/>
+              </a:buClr>
+              <a:buSzPct val="100000"/>
+              <a:buFont typeface="Arial"/>
+              <a:buChar char="•"/>
+              <a:defRPr sz="1200" kern="1200" cap="none">
+                <a:solidFill>
+                  <a:schemeClr val="tx1"/>
+                </a:solidFill>
+                <a:effectLst/>
+                <a:latin typeface="+mn-lt"/>
+                <a:ea typeface="+mn-ea"/>
+                <a:cs typeface="+mn-cs"/>
+              </a:defRPr>
+            </a:lvl5pPr>
+            <a:lvl6pPr marL="2514600" indent="-228600" algn="l" defTabSz="457200" rtl="0" eaLnBrk="1" latinLnBrk="0" hangingPunct="1">
+              <a:spcBef>
+                <a:spcPts val="0"/>
+              </a:spcBef>
+              <a:spcAft>
+                <a:spcPts val="1000"/>
+              </a:spcAft>
+              <a:buClr>
+                <a:schemeClr val="tx1"/>
+              </a:buClr>
+              <a:buSzPct val="100000"/>
+              <a:buFont typeface="Arial"/>
+              <a:buChar char="•"/>
+              <a:defRPr sz="1200" kern="1200" cap="none">
+                <a:solidFill>
+                  <a:schemeClr val="tx1"/>
+                </a:solidFill>
+                <a:effectLst/>
+                <a:latin typeface="+mn-lt"/>
+                <a:ea typeface="+mn-ea"/>
+                <a:cs typeface="+mn-cs"/>
+              </a:defRPr>
+            </a:lvl6pPr>
+            <a:lvl7pPr marL="2971800" indent="-228600" algn="l" defTabSz="457200" rtl="0" eaLnBrk="1" latinLnBrk="0" hangingPunct="1">
+              <a:spcBef>
+                <a:spcPts val="0"/>
+              </a:spcBef>
+              <a:spcAft>
+                <a:spcPts val="1000"/>
+              </a:spcAft>
+              <a:buClr>
+                <a:schemeClr val="tx1"/>
+              </a:buClr>
+              <a:buSzPct val="100000"/>
+              <a:buFont typeface="Arial"/>
+              <a:buChar char="•"/>
+              <a:defRPr sz="1200" kern="1200" cap="none">
+                <a:solidFill>
+                  <a:schemeClr val="tx1"/>
+                </a:solidFill>
+                <a:effectLst/>
+                <a:latin typeface="+mn-lt"/>
+                <a:ea typeface="+mn-ea"/>
+                <a:cs typeface="+mn-cs"/>
+              </a:defRPr>
+            </a:lvl7pPr>
+            <a:lvl8pPr marL="3429000" indent="-228600" algn="l" defTabSz="457200" rtl="0" eaLnBrk="1" latinLnBrk="0" hangingPunct="1">
+              <a:spcBef>
+                <a:spcPts val="0"/>
+              </a:spcBef>
+              <a:spcAft>
+                <a:spcPts val="1000"/>
+              </a:spcAft>
+              <a:buClr>
+                <a:schemeClr val="tx1"/>
+              </a:buClr>
+              <a:buSzPct val="100000"/>
+              <a:buFont typeface="Arial"/>
+              <a:buChar char="•"/>
+              <a:defRPr sz="1200" kern="1200" cap="none">
+                <a:solidFill>
+                  <a:schemeClr val="tx1"/>
+                </a:solidFill>
+                <a:effectLst/>
+                <a:latin typeface="+mn-lt"/>
+                <a:ea typeface="+mn-ea"/>
+                <a:cs typeface="+mn-cs"/>
+              </a:defRPr>
+            </a:lvl8pPr>
+            <a:lvl9pPr marL="3886200" indent="-228600" algn="l" defTabSz="457200" rtl="0" eaLnBrk="1" latinLnBrk="0" hangingPunct="1">
+              <a:spcBef>
+                <a:spcPts val="0"/>
+              </a:spcBef>
+              <a:spcAft>
+                <a:spcPts val="1000"/>
+              </a:spcAft>
+              <a:buClr>
+                <a:schemeClr val="tx1"/>
+              </a:buClr>
+              <a:buSzPct val="100000"/>
+              <a:buFont typeface="Arial"/>
+              <a:buChar char="•"/>
+              <a:defRPr sz="1200" kern="1200" cap="none">
+                <a:solidFill>
+                  <a:schemeClr val="tx1"/>
+                </a:solidFill>
+                <a:effectLst/>
+                <a:latin typeface="+mn-lt"/>
+                <a:ea typeface="+mn-ea"/>
+                <a:cs typeface="+mn-cs"/>
+              </a:defRPr>
+            </a:lvl9pPr>
+          </a:lstStyle>
+          <a:p>
+            <a:r>
+              <a:rPr lang="pt-BR" dirty="0"/>
+              <a:t>Problema existente</a:t>
+            </a:r>
+          </a:p>
+          <a:p>
+            <a:r>
+              <a:rPr lang="pt-BR" dirty="0"/>
+              <a:t>Sucessos prévios de artigos anteriores</a:t>
+            </a:r>
+          </a:p>
+          <a:p>
+            <a:r>
+              <a:rPr lang="pt-BR" dirty="0"/>
+              <a:t>Necessidade de soluções específicas</a:t>
+            </a:r>
+          </a:p>
+        </p:txBody>
+      </p:sp>
+      <p:sp>
+        <p:nvSpPr>
+          <p:cNvPr id="6" name="Título 1">
+            <a:extLst>
+              <a:ext uri="{FF2B5EF4-FFF2-40B4-BE49-F238E27FC236}">
+                <a16:creationId xmlns:a16="http://schemas.microsoft.com/office/drawing/2014/main" id="{2875876B-4D6E-B92F-8312-E9F67A14A5D6}"/>
+              </a:ext>
+            </a:extLst>
+          </p:cNvPr>
+          <p:cNvSpPr txBox="1">
+            <a:spLocks/>
+          </p:cNvSpPr>
+          <p:nvPr/>
+        </p:nvSpPr>
+        <p:spPr>
+          <a:xfrm>
+            <a:off x="344111" y="4149008"/>
+            <a:ext cx="4508249" cy="720008"/>
+          </a:xfrm>
+          <a:prstGeom prst="rect">
+            <a:avLst/>
+          </a:prstGeom>
+          <a:effectLst/>
+        </p:spPr>
+        <p:txBody>
+          <a:bodyPr vert="horz" lIns="91440" tIns="45720" rIns="91440" bIns="45720" rtlCol="0" anchor="ctr">
+            <a:normAutofit/>
+          </a:bodyPr>
+          <a:lstStyle>
+            <a:lvl1pPr algn="l" defTabSz="457200" rtl="0" eaLnBrk="1" latinLnBrk="0" hangingPunct="1">
+              <a:spcBef>
+                <a:spcPct val="0"/>
+              </a:spcBef>
+              <a:buNone/>
+              <a:defRPr sz="3600" kern="1200" cap="all">
+                <a:ln w="3175" cmpd="sng">
+                  <a:noFill/>
+                </a:ln>
+                <a:solidFill>
+                  <a:schemeClr val="tx1"/>
+                </a:solidFill>
+                <a:effectLst/>
+                <a:latin typeface="+mj-lt"/>
+                <a:ea typeface="+mj-ea"/>
+                <a:cs typeface="+mj-cs"/>
+              </a:defRPr>
+            </a:lvl1pPr>
+            <a:lvl2pPr eaLnBrk="1" hangingPunct="1">
+              <a:defRPr>
+                <a:solidFill>
+                  <a:schemeClr val="tx2"/>
+                </a:solidFill>
+              </a:defRPr>
+            </a:lvl2pPr>
+            <a:lvl3pPr eaLnBrk="1" hangingPunct="1">
+              <a:defRPr>
+                <a:solidFill>
+                  <a:schemeClr val="tx2"/>
+                </a:solidFill>
+              </a:defRPr>
+            </a:lvl3pPr>
+            <a:lvl4pPr eaLnBrk="1" hangingPunct="1">
+              <a:defRPr>
+                <a:solidFill>
+                  <a:schemeClr val="tx2"/>
+                </a:solidFill>
+              </a:defRPr>
+            </a:lvl4pPr>
+            <a:lvl5pPr eaLnBrk="1" hangingPunct="1">
+              <a:defRPr>
+                <a:solidFill>
+                  <a:schemeClr val="tx2"/>
+                </a:solidFill>
+              </a:defRPr>
+            </a:lvl5pPr>
+            <a:lvl6pPr eaLnBrk="1" hangingPunct="1">
+              <a:defRPr>
+                <a:solidFill>
+                  <a:schemeClr val="tx2"/>
+                </a:solidFill>
+              </a:defRPr>
+            </a:lvl6pPr>
+            <a:lvl7pPr eaLnBrk="1" hangingPunct="1">
+              <a:defRPr>
+                <a:solidFill>
+                  <a:schemeClr val="tx2"/>
+                </a:solidFill>
+              </a:defRPr>
+            </a:lvl7pPr>
+            <a:lvl8pPr eaLnBrk="1" hangingPunct="1">
+              <a:defRPr>
+                <a:solidFill>
+                  <a:schemeClr val="tx2"/>
+                </a:solidFill>
+              </a:defRPr>
+            </a:lvl8pPr>
+            <a:lvl9pPr eaLnBrk="1" hangingPunct="1">
+              <a:defRPr>
+                <a:solidFill>
+                  <a:schemeClr val="tx2"/>
+                </a:solidFill>
+              </a:defRPr>
+            </a:lvl9pPr>
+          </a:lstStyle>
+          <a:p>
+            <a:r>
+              <a:rPr lang="pt-BR" sz="3200" dirty="0"/>
+              <a:t>1.4: Justificativas</a:t>
+            </a:r>
+          </a:p>
+        </p:txBody>
+      </p:sp>
+      <p:sp>
+        <p:nvSpPr>
+          <p:cNvPr id="8" name="Título 1">
+            <a:extLst>
+              <a:ext uri="{FF2B5EF4-FFF2-40B4-BE49-F238E27FC236}">
+                <a16:creationId xmlns:a16="http://schemas.microsoft.com/office/drawing/2014/main" id="{89ECCC30-93A1-9B9A-EC62-C90E46B86FB0}"/>
+              </a:ext>
+            </a:extLst>
+          </p:cNvPr>
+          <p:cNvSpPr txBox="1">
+            <a:spLocks/>
+          </p:cNvSpPr>
+          <p:nvPr/>
+        </p:nvSpPr>
+        <p:spPr>
+          <a:xfrm>
+            <a:off x="342497" y="578001"/>
+            <a:ext cx="2873471" cy="692582"/>
+          </a:xfrm>
+          <a:prstGeom prst="rect">
+            <a:avLst/>
+          </a:prstGeom>
+          <a:effectLst/>
+        </p:spPr>
+        <p:txBody>
+          <a:bodyPr vert="horz" lIns="91440" tIns="45720" rIns="91440" bIns="45720" rtlCol="0" anchor="ctr">
+            <a:normAutofit/>
+          </a:bodyPr>
+          <a:lstStyle>
+            <a:lvl1pPr algn="l" defTabSz="457200" rtl="0" eaLnBrk="1" latinLnBrk="0" hangingPunct="1">
+              <a:spcBef>
+                <a:spcPct val="0"/>
+              </a:spcBef>
+              <a:buNone/>
+              <a:defRPr sz="3600" kern="1200" cap="all">
+                <a:ln w="3175" cmpd="sng">
+                  <a:noFill/>
+                </a:ln>
+                <a:solidFill>
+                  <a:schemeClr val="tx1"/>
+                </a:solidFill>
+                <a:effectLst/>
+                <a:latin typeface="+mj-lt"/>
+                <a:ea typeface="+mj-ea"/>
+                <a:cs typeface="+mj-cs"/>
+              </a:defRPr>
+            </a:lvl1pPr>
+            <a:lvl2pPr eaLnBrk="1" hangingPunct="1">
+              <a:defRPr>
+                <a:solidFill>
+                  <a:schemeClr val="tx2"/>
+                </a:solidFill>
+              </a:defRPr>
+            </a:lvl2pPr>
+            <a:lvl3pPr eaLnBrk="1" hangingPunct="1">
+              <a:defRPr>
+                <a:solidFill>
+                  <a:schemeClr val="tx2"/>
+                </a:solidFill>
+              </a:defRPr>
+            </a:lvl3pPr>
+            <a:lvl4pPr eaLnBrk="1" hangingPunct="1">
+              <a:defRPr>
+                <a:solidFill>
+                  <a:schemeClr val="tx2"/>
+                </a:solidFill>
+              </a:defRPr>
+            </a:lvl4pPr>
+            <a:lvl5pPr eaLnBrk="1" hangingPunct="1">
+              <a:defRPr>
+                <a:solidFill>
+                  <a:schemeClr val="tx2"/>
+                </a:solidFill>
+              </a:defRPr>
+            </a:lvl5pPr>
+            <a:lvl6pPr eaLnBrk="1" hangingPunct="1">
+              <a:defRPr>
+                <a:solidFill>
+                  <a:schemeClr val="tx2"/>
+                </a:solidFill>
+              </a:defRPr>
+            </a:lvl6pPr>
+            <a:lvl7pPr eaLnBrk="1" hangingPunct="1">
+              <a:defRPr>
+                <a:solidFill>
+                  <a:schemeClr val="tx2"/>
+                </a:solidFill>
+              </a:defRPr>
+            </a:lvl7pPr>
+            <a:lvl8pPr eaLnBrk="1" hangingPunct="1">
+              <a:defRPr>
+                <a:solidFill>
+                  <a:schemeClr val="tx2"/>
+                </a:solidFill>
+              </a:defRPr>
+            </a:lvl8pPr>
+            <a:lvl9pPr eaLnBrk="1" hangingPunct="1">
+              <a:defRPr>
+                <a:solidFill>
+                  <a:schemeClr val="tx2"/>
+                </a:solidFill>
+              </a:defRPr>
+            </a:lvl9pPr>
+          </a:lstStyle>
+          <a:p>
+            <a:r>
+              <a:rPr lang="pt-BR" sz="3200" dirty="0"/>
+              <a:t>1.2: Hipótese </a:t>
             </a:r>
           </a:p>
         </p:txBody>
@@ -12890,7 +13913,7 @@
     </p:spTree>
     <p:extLst>
       <p:ext uri="{BB962C8B-B14F-4D97-AF65-F5344CB8AC3E}">
-        <p14:creationId xmlns:p14="http://schemas.microsoft.com/office/powerpoint/2010/main" val="1127124973"/>
+        <p14:creationId xmlns:p14="http://schemas.microsoft.com/office/powerpoint/2010/main" val="1094196026"/>
       </p:ext>
     </p:extLst>
   </p:cSld>
@@ -12935,8 +13958,8 @@
         </p:nvSpPr>
         <p:spPr>
           <a:xfrm>
-            <a:off x="342496" y="1270583"/>
-            <a:ext cx="5410199" cy="2340411"/>
+            <a:off x="335936" y="1268976"/>
+            <a:ext cx="10131425" cy="3649133"/>
           </a:xfrm>
         </p:spPr>
         <p:txBody>
@@ -12945,31 +13968,50 @@
           </a:bodyPr>
           <a:lstStyle/>
           <a:p>
-            <a:pPr marL="342900" indent="-342900">
-              <a:buFont typeface="+mj-lt"/>
-              <a:buAutoNum type="arabicPeriod"/>
-            </a:pPr>
-            <a:r>
-              <a:rPr lang="pt-BR" dirty="0"/>
-              <a:t>Softwares atualmente existentes para solução de grade horária não apresentam completas capacidades de se moldar à instituições específicas</a:t>
-            </a:r>
-          </a:p>
-          <a:p>
-            <a:pPr marL="342900" indent="-342900">
-              <a:buFont typeface="+mj-lt"/>
-              <a:buAutoNum type="arabicPeriod"/>
-            </a:pPr>
-            <a:r>
-              <a:rPr lang="pt-BR" dirty="0"/>
-              <a:t>O software a ser desenvolvido trará uma solução plausível às exigências da instituição.</a:t>
-            </a:r>
-          </a:p>
-          <a:p>
-            <a:pPr marL="342900" indent="-342900">
-              <a:buFont typeface="+mj-lt"/>
-              <a:buAutoNum type="arabicPeriod"/>
-            </a:pPr>
-            <a:endParaRPr lang="pt-BR" dirty="0"/>
+            <a:r>
+              <a:rPr lang="pt-BR" dirty="0"/>
+              <a:t>Superar especificidades</a:t>
+            </a:r>
+          </a:p>
+          <a:p>
+            <a:pPr lvl="1"/>
+            <a:r>
+              <a:rPr lang="pt-BR" dirty="0"/>
+              <a:t>Pesquisa bibliográfica com foco nas abordagens qualitativas</a:t>
+            </a:r>
+          </a:p>
+          <a:p>
+            <a:pPr lvl="1"/>
+            <a:r>
+              <a:rPr lang="pt-BR" dirty="0"/>
+              <a:t>Desenvolvimento de material de pesquisa</a:t>
+            </a:r>
+          </a:p>
+          <a:p>
+            <a:pPr lvl="1"/>
+            <a:r>
+              <a:rPr lang="pt-BR" dirty="0"/>
+              <a:t>Pesquisa exploratória qualitativa e quantitativa</a:t>
+            </a:r>
+          </a:p>
+          <a:p>
+            <a:pPr lvl="1"/>
+            <a:r>
+              <a:rPr lang="pt-BR" dirty="0"/>
+              <a:t>Elicitação de requisitos (BOURQUE; FAIRLEY, 2014)</a:t>
+            </a:r>
+          </a:p>
+          <a:p>
+            <a:r>
+              <a:rPr lang="pt-BR" dirty="0"/>
+              <a:t>Modelagem conceitual do sistema</a:t>
+            </a:r>
+          </a:p>
+          <a:p>
+            <a:r>
+              <a:rPr lang="pt-BR" dirty="0"/>
+              <a:t>Desenvolvimento do sistema de suporte  à decisão para criação da grade horária</a:t>
+            </a:r>
           </a:p>
         </p:txBody>
       </p:sp>
@@ -13080,913 +14122,7 @@
           <a:p>
             <a:r>
               <a:rPr lang="pt-BR" dirty="0"/>
-              <a:t>Introdução</a:t>
-            </a:r>
-          </a:p>
-        </p:txBody>
-      </p:sp>
-      <p:sp>
-        <p:nvSpPr>
-          <p:cNvPr id="2" name="Espaço Reservado para Conteúdo 2">
-            <a:extLst>
-              <a:ext uri="{FF2B5EF4-FFF2-40B4-BE49-F238E27FC236}">
-                <a16:creationId xmlns:a16="http://schemas.microsoft.com/office/drawing/2014/main" id="{3F68C3E9-9F38-6ADE-ECEF-613475C93D12}"/>
-              </a:ext>
-            </a:extLst>
-          </p:cNvPr>
-          <p:cNvSpPr txBox="1">
-            <a:spLocks/>
-          </p:cNvSpPr>
-          <p:nvPr/>
-        </p:nvSpPr>
-        <p:spPr>
-          <a:xfrm>
-            <a:off x="6093682" y="1967544"/>
-            <a:ext cx="6152299" cy="3649133"/>
-          </a:xfrm>
-          <a:prstGeom prst="rect">
-            <a:avLst/>
-          </a:prstGeom>
-        </p:spPr>
-        <p:txBody>
-          <a:bodyPr vert="horz" lIns="91440" tIns="45720" rIns="91440" bIns="45720" rtlCol="0" anchor="t">
-            <a:noAutofit/>
-          </a:bodyPr>
-          <a:lstStyle>
-            <a:lvl1pPr marL="285750" indent="-285750" algn="just" defTabSz="457200" rtl="0" eaLnBrk="1" latinLnBrk="0" hangingPunct="1">
-              <a:spcBef>
-                <a:spcPts val="0"/>
-              </a:spcBef>
-              <a:spcAft>
-                <a:spcPts val="1000"/>
-              </a:spcAft>
-              <a:buClr>
-                <a:schemeClr val="tx1"/>
-              </a:buClr>
-              <a:buSzPct val="100000"/>
-              <a:buFont typeface="Arial"/>
-              <a:buChar char="•"/>
-              <a:defRPr sz="1800" kern="1200" cap="none">
-                <a:solidFill>
-                  <a:schemeClr val="tx1"/>
-                </a:solidFill>
-                <a:effectLst/>
-                <a:latin typeface="+mn-lt"/>
-                <a:ea typeface="+mn-ea"/>
-                <a:cs typeface="+mn-cs"/>
-              </a:defRPr>
-            </a:lvl1pPr>
-            <a:lvl2pPr marL="742950" indent="-285750" algn="l" defTabSz="457200" rtl="0" eaLnBrk="1" latinLnBrk="0" hangingPunct="1">
-              <a:spcBef>
-                <a:spcPts val="0"/>
-              </a:spcBef>
-              <a:spcAft>
-                <a:spcPts val="1000"/>
-              </a:spcAft>
-              <a:buClr>
-                <a:schemeClr val="tx1"/>
-              </a:buClr>
-              <a:buSzPct val="100000"/>
-              <a:buFont typeface="Arial"/>
-              <a:buChar char="•"/>
-              <a:defRPr sz="1600" kern="1200" cap="none">
-                <a:solidFill>
-                  <a:schemeClr val="tx1"/>
-                </a:solidFill>
-                <a:effectLst/>
-                <a:latin typeface="+mn-lt"/>
-                <a:ea typeface="+mn-ea"/>
-                <a:cs typeface="+mn-cs"/>
-              </a:defRPr>
-            </a:lvl2pPr>
-            <a:lvl3pPr marL="1200150" indent="-285750" algn="l" defTabSz="457200" rtl="0" eaLnBrk="1" latinLnBrk="0" hangingPunct="1">
-              <a:spcBef>
-                <a:spcPts val="0"/>
-              </a:spcBef>
-              <a:spcAft>
-                <a:spcPts val="1000"/>
-              </a:spcAft>
-              <a:buClr>
-                <a:schemeClr val="tx1"/>
-              </a:buClr>
-              <a:buSzPct val="100000"/>
-              <a:buFont typeface="Arial"/>
-              <a:buChar char="•"/>
-              <a:defRPr sz="1400" kern="1200" cap="none">
-                <a:solidFill>
-                  <a:schemeClr val="tx1"/>
-                </a:solidFill>
-                <a:effectLst/>
-                <a:latin typeface="+mn-lt"/>
-                <a:ea typeface="+mn-ea"/>
-                <a:cs typeface="+mn-cs"/>
-              </a:defRPr>
-            </a:lvl3pPr>
-            <a:lvl4pPr marL="1543050" indent="-171450" algn="l" defTabSz="457200" rtl="0" eaLnBrk="1" latinLnBrk="0" hangingPunct="1">
-              <a:spcBef>
-                <a:spcPts val="0"/>
-              </a:spcBef>
-              <a:spcAft>
-                <a:spcPts val="1000"/>
-              </a:spcAft>
-              <a:buClr>
-                <a:schemeClr val="tx1"/>
-              </a:buClr>
-              <a:buSzPct val="100000"/>
-              <a:buFont typeface="Arial"/>
-              <a:buChar char="•"/>
-              <a:defRPr sz="1200" kern="1200" cap="none">
-                <a:solidFill>
-                  <a:schemeClr val="tx1"/>
-                </a:solidFill>
-                <a:effectLst/>
-                <a:latin typeface="+mn-lt"/>
-                <a:ea typeface="+mn-ea"/>
-                <a:cs typeface="+mn-cs"/>
-              </a:defRPr>
-            </a:lvl4pPr>
-            <a:lvl5pPr marL="2000250" indent="-171450" algn="l" defTabSz="457200" rtl="0" eaLnBrk="1" latinLnBrk="0" hangingPunct="1">
-              <a:spcBef>
-                <a:spcPts val="0"/>
-              </a:spcBef>
-              <a:spcAft>
-                <a:spcPts val="1000"/>
-              </a:spcAft>
-              <a:buClr>
-                <a:schemeClr val="tx1"/>
-              </a:buClr>
-              <a:buSzPct val="100000"/>
-              <a:buFont typeface="Arial"/>
-              <a:buChar char="•"/>
-              <a:defRPr sz="1200" kern="1200" cap="none">
-                <a:solidFill>
-                  <a:schemeClr val="tx1"/>
-                </a:solidFill>
-                <a:effectLst/>
-                <a:latin typeface="+mn-lt"/>
-                <a:ea typeface="+mn-ea"/>
-                <a:cs typeface="+mn-cs"/>
-              </a:defRPr>
-            </a:lvl5pPr>
-            <a:lvl6pPr marL="2514600" indent="-228600" algn="l" defTabSz="457200" rtl="0" eaLnBrk="1" latinLnBrk="0" hangingPunct="1">
-              <a:spcBef>
-                <a:spcPts val="0"/>
-              </a:spcBef>
-              <a:spcAft>
-                <a:spcPts val="1000"/>
-              </a:spcAft>
-              <a:buClr>
-                <a:schemeClr val="tx1"/>
-              </a:buClr>
-              <a:buSzPct val="100000"/>
-              <a:buFont typeface="Arial"/>
-              <a:buChar char="•"/>
-              <a:defRPr sz="1200" kern="1200" cap="none">
-                <a:solidFill>
-                  <a:schemeClr val="tx1"/>
-                </a:solidFill>
-                <a:effectLst/>
-                <a:latin typeface="+mn-lt"/>
-                <a:ea typeface="+mn-ea"/>
-                <a:cs typeface="+mn-cs"/>
-              </a:defRPr>
-            </a:lvl6pPr>
-            <a:lvl7pPr marL="2971800" indent="-228600" algn="l" defTabSz="457200" rtl="0" eaLnBrk="1" latinLnBrk="0" hangingPunct="1">
-              <a:spcBef>
-                <a:spcPts val="0"/>
-              </a:spcBef>
-              <a:spcAft>
-                <a:spcPts val="1000"/>
-              </a:spcAft>
-              <a:buClr>
-                <a:schemeClr val="tx1"/>
-              </a:buClr>
-              <a:buSzPct val="100000"/>
-              <a:buFont typeface="Arial"/>
-              <a:buChar char="•"/>
-              <a:defRPr sz="1200" kern="1200" cap="none">
-                <a:solidFill>
-                  <a:schemeClr val="tx1"/>
-                </a:solidFill>
-                <a:effectLst/>
-                <a:latin typeface="+mn-lt"/>
-                <a:ea typeface="+mn-ea"/>
-                <a:cs typeface="+mn-cs"/>
-              </a:defRPr>
-            </a:lvl7pPr>
-            <a:lvl8pPr marL="3429000" indent="-228600" algn="l" defTabSz="457200" rtl="0" eaLnBrk="1" latinLnBrk="0" hangingPunct="1">
-              <a:spcBef>
-                <a:spcPts val="0"/>
-              </a:spcBef>
-              <a:spcAft>
-                <a:spcPts val="1000"/>
-              </a:spcAft>
-              <a:buClr>
-                <a:schemeClr val="tx1"/>
-              </a:buClr>
-              <a:buSzPct val="100000"/>
-              <a:buFont typeface="Arial"/>
-              <a:buChar char="•"/>
-              <a:defRPr sz="1200" kern="1200" cap="none">
-                <a:solidFill>
-                  <a:schemeClr val="tx1"/>
-                </a:solidFill>
-                <a:effectLst/>
-                <a:latin typeface="+mn-lt"/>
-                <a:ea typeface="+mn-ea"/>
-                <a:cs typeface="+mn-cs"/>
-              </a:defRPr>
-            </a:lvl8pPr>
-            <a:lvl9pPr marL="3886200" indent="-228600" algn="l" defTabSz="457200" rtl="0" eaLnBrk="1" latinLnBrk="0" hangingPunct="1">
-              <a:spcBef>
-                <a:spcPts val="0"/>
-              </a:spcBef>
-              <a:spcAft>
-                <a:spcPts val="1000"/>
-              </a:spcAft>
-              <a:buClr>
-                <a:schemeClr val="tx1"/>
-              </a:buClr>
-              <a:buSzPct val="100000"/>
-              <a:buFont typeface="Arial"/>
-              <a:buChar char="•"/>
-              <a:defRPr sz="1200" kern="1200" cap="none">
-                <a:solidFill>
-                  <a:schemeClr val="tx1"/>
-                </a:solidFill>
-                <a:effectLst/>
-                <a:latin typeface="+mn-lt"/>
-                <a:ea typeface="+mn-ea"/>
-                <a:cs typeface="+mn-cs"/>
-              </a:defRPr>
-            </a:lvl9pPr>
-          </a:lstStyle>
-          <a:p>
-            <a:r>
-              <a:rPr lang="pt-BR" dirty="0"/>
-              <a:t>Gerais</a:t>
-            </a:r>
-          </a:p>
-          <a:p>
-            <a:pPr lvl="1"/>
-            <a:r>
-              <a:rPr lang="pt-BR" sz="1800" dirty="0"/>
-              <a:t>Encontrar soluções ótimas rapidamente</a:t>
-            </a:r>
-          </a:p>
-          <a:p>
-            <a:pPr lvl="1"/>
-            <a:r>
-              <a:rPr lang="pt-BR" sz="1800" dirty="0"/>
-              <a:t>Redução no tempo gasto durante o processo</a:t>
-            </a:r>
-          </a:p>
-          <a:p>
-            <a:pPr lvl="1"/>
-            <a:r>
-              <a:rPr lang="pt-BR" sz="1800" dirty="0"/>
-              <a:t>Redução de conflito entre disciplinas</a:t>
-            </a:r>
-          </a:p>
-          <a:p>
-            <a:pPr lvl="1"/>
-            <a:r>
-              <a:rPr lang="pt-BR" sz="1800" dirty="0"/>
-              <a:t>Aumentar a satisfação do público alvo</a:t>
-            </a:r>
-          </a:p>
-          <a:p>
-            <a:r>
-              <a:rPr lang="pt-BR" dirty="0"/>
-              <a:t>Específicos</a:t>
-            </a:r>
-          </a:p>
-          <a:p>
-            <a:pPr lvl="1"/>
-            <a:r>
-              <a:rPr lang="pt-BR" sz="1800" dirty="0"/>
-              <a:t>Entender a parte organizacional do </a:t>
-            </a:r>
-            <a:r>
-              <a:rPr lang="pt-BR" sz="1800" i="1" dirty="0"/>
-              <a:t>timetabling</a:t>
-            </a:r>
-            <a:r>
-              <a:rPr lang="pt-BR" sz="1800" dirty="0"/>
-              <a:t> na UENF</a:t>
-            </a:r>
-          </a:p>
-          <a:p>
-            <a:pPr lvl="1"/>
-            <a:r>
-              <a:rPr lang="pt-BR" sz="1800" dirty="0"/>
-              <a:t>Elicitação de requisitos</a:t>
-            </a:r>
-          </a:p>
-          <a:p>
-            <a:pPr lvl="1"/>
-            <a:r>
-              <a:rPr lang="pt-BR" sz="1800" dirty="0"/>
-              <a:t>Modelagem do sistema de acordo com os requisitos</a:t>
-            </a:r>
-          </a:p>
-          <a:p>
-            <a:pPr lvl="1"/>
-            <a:r>
-              <a:rPr lang="pt-BR" sz="1800" dirty="0"/>
-              <a:t>Incentivar o uso de uma ferramenta centralizada</a:t>
-            </a:r>
-          </a:p>
-        </p:txBody>
-      </p:sp>
-      <p:sp>
-        <p:nvSpPr>
-          <p:cNvPr id="4" name="Título 1">
-            <a:extLst>
-              <a:ext uri="{FF2B5EF4-FFF2-40B4-BE49-F238E27FC236}">
-                <a16:creationId xmlns:a16="http://schemas.microsoft.com/office/drawing/2014/main" id="{993B12C9-F0D0-AE32-30E2-F096548F8631}"/>
-              </a:ext>
-            </a:extLst>
-          </p:cNvPr>
-          <p:cNvSpPr txBox="1">
-            <a:spLocks/>
-          </p:cNvSpPr>
-          <p:nvPr/>
-        </p:nvSpPr>
-        <p:spPr>
-          <a:xfrm>
-            <a:off x="6093682" y="1270583"/>
-            <a:ext cx="6030067" cy="692582"/>
-          </a:xfrm>
-          <a:prstGeom prst="rect">
-            <a:avLst/>
-          </a:prstGeom>
-          <a:effectLst/>
-        </p:spPr>
-        <p:txBody>
-          <a:bodyPr vert="horz" lIns="91440" tIns="45720" rIns="91440" bIns="45720" rtlCol="0" anchor="ctr">
-            <a:normAutofit/>
-          </a:bodyPr>
-          <a:lstStyle>
-            <a:lvl1pPr algn="l" defTabSz="457200" rtl="0" eaLnBrk="1" latinLnBrk="0" hangingPunct="1">
-              <a:spcBef>
-                <a:spcPct val="0"/>
-              </a:spcBef>
-              <a:buNone/>
-              <a:defRPr sz="3600" kern="1200" cap="all">
-                <a:ln w="3175" cmpd="sng">
-                  <a:noFill/>
-                </a:ln>
-                <a:solidFill>
-                  <a:schemeClr val="tx1"/>
-                </a:solidFill>
-                <a:effectLst/>
-                <a:latin typeface="+mj-lt"/>
-                <a:ea typeface="+mj-ea"/>
-                <a:cs typeface="+mj-cs"/>
-              </a:defRPr>
-            </a:lvl1pPr>
-            <a:lvl2pPr eaLnBrk="1" hangingPunct="1">
-              <a:defRPr>
-                <a:solidFill>
-                  <a:schemeClr val="tx2"/>
-                </a:solidFill>
-              </a:defRPr>
-            </a:lvl2pPr>
-            <a:lvl3pPr eaLnBrk="1" hangingPunct="1">
-              <a:defRPr>
-                <a:solidFill>
-                  <a:schemeClr val="tx2"/>
-                </a:solidFill>
-              </a:defRPr>
-            </a:lvl3pPr>
-            <a:lvl4pPr eaLnBrk="1" hangingPunct="1">
-              <a:defRPr>
-                <a:solidFill>
-                  <a:schemeClr val="tx2"/>
-                </a:solidFill>
-              </a:defRPr>
-            </a:lvl4pPr>
-            <a:lvl5pPr eaLnBrk="1" hangingPunct="1">
-              <a:defRPr>
-                <a:solidFill>
-                  <a:schemeClr val="tx2"/>
-                </a:solidFill>
-              </a:defRPr>
-            </a:lvl5pPr>
-            <a:lvl6pPr eaLnBrk="1" hangingPunct="1">
-              <a:defRPr>
-                <a:solidFill>
-                  <a:schemeClr val="tx2"/>
-                </a:solidFill>
-              </a:defRPr>
-            </a:lvl6pPr>
-            <a:lvl7pPr eaLnBrk="1" hangingPunct="1">
-              <a:defRPr>
-                <a:solidFill>
-                  <a:schemeClr val="tx2"/>
-                </a:solidFill>
-              </a:defRPr>
-            </a:lvl7pPr>
-            <a:lvl8pPr eaLnBrk="1" hangingPunct="1">
-              <a:defRPr>
-                <a:solidFill>
-                  <a:schemeClr val="tx2"/>
-                </a:solidFill>
-              </a:defRPr>
-            </a:lvl8pPr>
-            <a:lvl9pPr eaLnBrk="1" hangingPunct="1">
-              <a:defRPr>
-                <a:solidFill>
-                  <a:schemeClr val="tx2"/>
-                </a:solidFill>
-              </a:defRPr>
-            </a:lvl9pPr>
-          </a:lstStyle>
-          <a:p>
-            <a:r>
-              <a:rPr lang="pt-BR" sz="3200" dirty="0"/>
-              <a:t>1.3: Objetivos </a:t>
-            </a:r>
-          </a:p>
-        </p:txBody>
-      </p:sp>
-      <p:sp>
-        <p:nvSpPr>
-          <p:cNvPr id="5" name="Espaço Reservado para Conteúdo 2">
-            <a:extLst>
-              <a:ext uri="{FF2B5EF4-FFF2-40B4-BE49-F238E27FC236}">
-                <a16:creationId xmlns:a16="http://schemas.microsoft.com/office/drawing/2014/main" id="{2EFDF8C3-50EF-63AD-1B1F-E97771BE4F0E}"/>
-              </a:ext>
-            </a:extLst>
-          </p:cNvPr>
-          <p:cNvSpPr txBox="1">
-            <a:spLocks/>
-          </p:cNvSpPr>
-          <p:nvPr/>
-        </p:nvSpPr>
-        <p:spPr>
-          <a:xfrm>
-            <a:off x="342497" y="4869016"/>
-            <a:ext cx="5410199" cy="1509351"/>
-          </a:xfrm>
-          <a:prstGeom prst="rect">
-            <a:avLst/>
-          </a:prstGeom>
-        </p:spPr>
-        <p:txBody>
-          <a:bodyPr vert="horz" lIns="91440" tIns="45720" rIns="91440" bIns="45720" rtlCol="0" anchor="t">
-            <a:normAutofit/>
-          </a:bodyPr>
-          <a:lstStyle>
-            <a:lvl1pPr marL="285750" indent="-285750" algn="just" defTabSz="457200" rtl="0" eaLnBrk="1" latinLnBrk="0" hangingPunct="1">
-              <a:spcBef>
-                <a:spcPts val="0"/>
-              </a:spcBef>
-              <a:spcAft>
-                <a:spcPts val="1000"/>
-              </a:spcAft>
-              <a:buClr>
-                <a:schemeClr val="tx1"/>
-              </a:buClr>
-              <a:buSzPct val="100000"/>
-              <a:buFont typeface="Arial"/>
-              <a:buChar char="•"/>
-              <a:defRPr sz="1800" kern="1200" cap="none">
-                <a:solidFill>
-                  <a:schemeClr val="tx1"/>
-                </a:solidFill>
-                <a:effectLst/>
-                <a:latin typeface="+mn-lt"/>
-                <a:ea typeface="+mn-ea"/>
-                <a:cs typeface="+mn-cs"/>
-              </a:defRPr>
-            </a:lvl1pPr>
-            <a:lvl2pPr marL="742950" indent="-285750" algn="l" defTabSz="457200" rtl="0" eaLnBrk="1" latinLnBrk="0" hangingPunct="1">
-              <a:spcBef>
-                <a:spcPts val="0"/>
-              </a:spcBef>
-              <a:spcAft>
-                <a:spcPts val="1000"/>
-              </a:spcAft>
-              <a:buClr>
-                <a:schemeClr val="tx1"/>
-              </a:buClr>
-              <a:buSzPct val="100000"/>
-              <a:buFont typeface="Arial"/>
-              <a:buChar char="•"/>
-              <a:defRPr sz="1600" kern="1200" cap="none">
-                <a:solidFill>
-                  <a:schemeClr val="tx1"/>
-                </a:solidFill>
-                <a:effectLst/>
-                <a:latin typeface="+mn-lt"/>
-                <a:ea typeface="+mn-ea"/>
-                <a:cs typeface="+mn-cs"/>
-              </a:defRPr>
-            </a:lvl2pPr>
-            <a:lvl3pPr marL="1200150" indent="-285750" algn="l" defTabSz="457200" rtl="0" eaLnBrk="1" latinLnBrk="0" hangingPunct="1">
-              <a:spcBef>
-                <a:spcPts val="0"/>
-              </a:spcBef>
-              <a:spcAft>
-                <a:spcPts val="1000"/>
-              </a:spcAft>
-              <a:buClr>
-                <a:schemeClr val="tx1"/>
-              </a:buClr>
-              <a:buSzPct val="100000"/>
-              <a:buFont typeface="Arial"/>
-              <a:buChar char="•"/>
-              <a:defRPr sz="1400" kern="1200" cap="none">
-                <a:solidFill>
-                  <a:schemeClr val="tx1"/>
-                </a:solidFill>
-                <a:effectLst/>
-                <a:latin typeface="+mn-lt"/>
-                <a:ea typeface="+mn-ea"/>
-                <a:cs typeface="+mn-cs"/>
-              </a:defRPr>
-            </a:lvl3pPr>
-            <a:lvl4pPr marL="1543050" indent="-171450" algn="l" defTabSz="457200" rtl="0" eaLnBrk="1" latinLnBrk="0" hangingPunct="1">
-              <a:spcBef>
-                <a:spcPts val="0"/>
-              </a:spcBef>
-              <a:spcAft>
-                <a:spcPts val="1000"/>
-              </a:spcAft>
-              <a:buClr>
-                <a:schemeClr val="tx1"/>
-              </a:buClr>
-              <a:buSzPct val="100000"/>
-              <a:buFont typeface="Arial"/>
-              <a:buChar char="•"/>
-              <a:defRPr sz="1200" kern="1200" cap="none">
-                <a:solidFill>
-                  <a:schemeClr val="tx1"/>
-                </a:solidFill>
-                <a:effectLst/>
-                <a:latin typeface="+mn-lt"/>
-                <a:ea typeface="+mn-ea"/>
-                <a:cs typeface="+mn-cs"/>
-              </a:defRPr>
-            </a:lvl4pPr>
-            <a:lvl5pPr marL="2000250" indent="-171450" algn="l" defTabSz="457200" rtl="0" eaLnBrk="1" latinLnBrk="0" hangingPunct="1">
-              <a:spcBef>
-                <a:spcPts val="0"/>
-              </a:spcBef>
-              <a:spcAft>
-                <a:spcPts val="1000"/>
-              </a:spcAft>
-              <a:buClr>
-                <a:schemeClr val="tx1"/>
-              </a:buClr>
-              <a:buSzPct val="100000"/>
-              <a:buFont typeface="Arial"/>
-              <a:buChar char="•"/>
-              <a:defRPr sz="1200" kern="1200" cap="none">
-                <a:solidFill>
-                  <a:schemeClr val="tx1"/>
-                </a:solidFill>
-                <a:effectLst/>
-                <a:latin typeface="+mn-lt"/>
-                <a:ea typeface="+mn-ea"/>
-                <a:cs typeface="+mn-cs"/>
-              </a:defRPr>
-            </a:lvl5pPr>
-            <a:lvl6pPr marL="2514600" indent="-228600" algn="l" defTabSz="457200" rtl="0" eaLnBrk="1" latinLnBrk="0" hangingPunct="1">
-              <a:spcBef>
-                <a:spcPts val="0"/>
-              </a:spcBef>
-              <a:spcAft>
-                <a:spcPts val="1000"/>
-              </a:spcAft>
-              <a:buClr>
-                <a:schemeClr val="tx1"/>
-              </a:buClr>
-              <a:buSzPct val="100000"/>
-              <a:buFont typeface="Arial"/>
-              <a:buChar char="•"/>
-              <a:defRPr sz="1200" kern="1200" cap="none">
-                <a:solidFill>
-                  <a:schemeClr val="tx1"/>
-                </a:solidFill>
-                <a:effectLst/>
-                <a:latin typeface="+mn-lt"/>
-                <a:ea typeface="+mn-ea"/>
-                <a:cs typeface="+mn-cs"/>
-              </a:defRPr>
-            </a:lvl6pPr>
-            <a:lvl7pPr marL="2971800" indent="-228600" algn="l" defTabSz="457200" rtl="0" eaLnBrk="1" latinLnBrk="0" hangingPunct="1">
-              <a:spcBef>
-                <a:spcPts val="0"/>
-              </a:spcBef>
-              <a:spcAft>
-                <a:spcPts val="1000"/>
-              </a:spcAft>
-              <a:buClr>
-                <a:schemeClr val="tx1"/>
-              </a:buClr>
-              <a:buSzPct val="100000"/>
-              <a:buFont typeface="Arial"/>
-              <a:buChar char="•"/>
-              <a:defRPr sz="1200" kern="1200" cap="none">
-                <a:solidFill>
-                  <a:schemeClr val="tx1"/>
-                </a:solidFill>
-                <a:effectLst/>
-                <a:latin typeface="+mn-lt"/>
-                <a:ea typeface="+mn-ea"/>
-                <a:cs typeface="+mn-cs"/>
-              </a:defRPr>
-            </a:lvl7pPr>
-            <a:lvl8pPr marL="3429000" indent="-228600" algn="l" defTabSz="457200" rtl="0" eaLnBrk="1" latinLnBrk="0" hangingPunct="1">
-              <a:spcBef>
-                <a:spcPts val="0"/>
-              </a:spcBef>
-              <a:spcAft>
-                <a:spcPts val="1000"/>
-              </a:spcAft>
-              <a:buClr>
-                <a:schemeClr val="tx1"/>
-              </a:buClr>
-              <a:buSzPct val="100000"/>
-              <a:buFont typeface="Arial"/>
-              <a:buChar char="•"/>
-              <a:defRPr sz="1200" kern="1200" cap="none">
-                <a:solidFill>
-                  <a:schemeClr val="tx1"/>
-                </a:solidFill>
-                <a:effectLst/>
-                <a:latin typeface="+mn-lt"/>
-                <a:ea typeface="+mn-ea"/>
-                <a:cs typeface="+mn-cs"/>
-              </a:defRPr>
-            </a:lvl8pPr>
-            <a:lvl9pPr marL="3886200" indent="-228600" algn="l" defTabSz="457200" rtl="0" eaLnBrk="1" latinLnBrk="0" hangingPunct="1">
-              <a:spcBef>
-                <a:spcPts val="0"/>
-              </a:spcBef>
-              <a:spcAft>
-                <a:spcPts val="1000"/>
-              </a:spcAft>
-              <a:buClr>
-                <a:schemeClr val="tx1"/>
-              </a:buClr>
-              <a:buSzPct val="100000"/>
-              <a:buFont typeface="Arial"/>
-              <a:buChar char="•"/>
-              <a:defRPr sz="1200" kern="1200" cap="none">
-                <a:solidFill>
-                  <a:schemeClr val="tx1"/>
-                </a:solidFill>
-                <a:effectLst/>
-                <a:latin typeface="+mn-lt"/>
-                <a:ea typeface="+mn-ea"/>
-                <a:cs typeface="+mn-cs"/>
-              </a:defRPr>
-            </a:lvl9pPr>
-          </a:lstStyle>
-          <a:p>
-            <a:r>
-              <a:rPr lang="pt-BR" dirty="0"/>
-              <a:t>Sucessos prévios de artigos anteriores</a:t>
-            </a:r>
-          </a:p>
-          <a:p>
-            <a:r>
-              <a:rPr lang="pt-BR" dirty="0"/>
-              <a:t>Problema existente</a:t>
-            </a:r>
-          </a:p>
-          <a:p>
-            <a:r>
-              <a:rPr lang="pt-BR" dirty="0"/>
-              <a:t>Necessário força suficiente para se quebrar a inércia</a:t>
-            </a:r>
-          </a:p>
-        </p:txBody>
-      </p:sp>
-      <p:sp>
-        <p:nvSpPr>
-          <p:cNvPr id="6" name="Título 1">
-            <a:extLst>
-              <a:ext uri="{FF2B5EF4-FFF2-40B4-BE49-F238E27FC236}">
-                <a16:creationId xmlns:a16="http://schemas.microsoft.com/office/drawing/2014/main" id="{2875876B-4D6E-B92F-8312-E9F67A14A5D6}"/>
-              </a:ext>
-            </a:extLst>
-          </p:cNvPr>
-          <p:cNvSpPr txBox="1">
-            <a:spLocks/>
-          </p:cNvSpPr>
-          <p:nvPr/>
-        </p:nvSpPr>
-        <p:spPr>
-          <a:xfrm>
-            <a:off x="344111" y="4149008"/>
-            <a:ext cx="4508249" cy="720008"/>
-          </a:xfrm>
-          <a:prstGeom prst="rect">
-            <a:avLst/>
-          </a:prstGeom>
-          <a:effectLst/>
-        </p:spPr>
-        <p:txBody>
-          <a:bodyPr vert="horz" lIns="91440" tIns="45720" rIns="91440" bIns="45720" rtlCol="0" anchor="ctr">
-            <a:normAutofit/>
-          </a:bodyPr>
-          <a:lstStyle>
-            <a:lvl1pPr algn="l" defTabSz="457200" rtl="0" eaLnBrk="1" latinLnBrk="0" hangingPunct="1">
-              <a:spcBef>
-                <a:spcPct val="0"/>
-              </a:spcBef>
-              <a:buNone/>
-              <a:defRPr sz="3600" kern="1200" cap="all">
-                <a:ln w="3175" cmpd="sng">
-                  <a:noFill/>
-                </a:ln>
-                <a:solidFill>
-                  <a:schemeClr val="tx1"/>
-                </a:solidFill>
-                <a:effectLst/>
-                <a:latin typeface="+mj-lt"/>
-                <a:ea typeface="+mj-ea"/>
-                <a:cs typeface="+mj-cs"/>
-              </a:defRPr>
-            </a:lvl1pPr>
-            <a:lvl2pPr eaLnBrk="1" hangingPunct="1">
-              <a:defRPr>
-                <a:solidFill>
-                  <a:schemeClr val="tx2"/>
-                </a:solidFill>
-              </a:defRPr>
-            </a:lvl2pPr>
-            <a:lvl3pPr eaLnBrk="1" hangingPunct="1">
-              <a:defRPr>
-                <a:solidFill>
-                  <a:schemeClr val="tx2"/>
-                </a:solidFill>
-              </a:defRPr>
-            </a:lvl3pPr>
-            <a:lvl4pPr eaLnBrk="1" hangingPunct="1">
-              <a:defRPr>
-                <a:solidFill>
-                  <a:schemeClr val="tx2"/>
-                </a:solidFill>
-              </a:defRPr>
-            </a:lvl4pPr>
-            <a:lvl5pPr eaLnBrk="1" hangingPunct="1">
-              <a:defRPr>
-                <a:solidFill>
-                  <a:schemeClr val="tx2"/>
-                </a:solidFill>
-              </a:defRPr>
-            </a:lvl5pPr>
-            <a:lvl6pPr eaLnBrk="1" hangingPunct="1">
-              <a:defRPr>
-                <a:solidFill>
-                  <a:schemeClr val="tx2"/>
-                </a:solidFill>
-              </a:defRPr>
-            </a:lvl6pPr>
-            <a:lvl7pPr eaLnBrk="1" hangingPunct="1">
-              <a:defRPr>
-                <a:solidFill>
-                  <a:schemeClr val="tx2"/>
-                </a:solidFill>
-              </a:defRPr>
-            </a:lvl7pPr>
-            <a:lvl8pPr eaLnBrk="1" hangingPunct="1">
-              <a:defRPr>
-                <a:solidFill>
-                  <a:schemeClr val="tx2"/>
-                </a:solidFill>
-              </a:defRPr>
-            </a:lvl8pPr>
-            <a:lvl9pPr eaLnBrk="1" hangingPunct="1">
-              <a:defRPr>
-                <a:solidFill>
-                  <a:schemeClr val="tx2"/>
-                </a:solidFill>
-              </a:defRPr>
-            </a:lvl9pPr>
-          </a:lstStyle>
-          <a:p>
-            <a:r>
-              <a:rPr lang="pt-BR" sz="3200" dirty="0"/>
-              <a:t>1.4: Justificativas</a:t>
-            </a:r>
-          </a:p>
-        </p:txBody>
-      </p:sp>
-      <p:sp>
-        <p:nvSpPr>
-          <p:cNvPr id="8" name="Título 1">
-            <a:extLst>
-              <a:ext uri="{FF2B5EF4-FFF2-40B4-BE49-F238E27FC236}">
-                <a16:creationId xmlns:a16="http://schemas.microsoft.com/office/drawing/2014/main" id="{89ECCC30-93A1-9B9A-EC62-C90E46B86FB0}"/>
-              </a:ext>
-            </a:extLst>
-          </p:cNvPr>
-          <p:cNvSpPr txBox="1">
-            <a:spLocks/>
-          </p:cNvSpPr>
-          <p:nvPr/>
-        </p:nvSpPr>
-        <p:spPr>
-          <a:xfrm>
-            <a:off x="342497" y="578001"/>
-            <a:ext cx="2873471" cy="692582"/>
-          </a:xfrm>
-          <a:prstGeom prst="rect">
-            <a:avLst/>
-          </a:prstGeom>
-          <a:effectLst/>
-        </p:spPr>
-        <p:txBody>
-          <a:bodyPr vert="horz" lIns="91440" tIns="45720" rIns="91440" bIns="45720" rtlCol="0" anchor="ctr">
-            <a:normAutofit/>
-          </a:bodyPr>
-          <a:lstStyle>
-            <a:lvl1pPr algn="l" defTabSz="457200" rtl="0" eaLnBrk="1" latinLnBrk="0" hangingPunct="1">
-              <a:spcBef>
-                <a:spcPct val="0"/>
-              </a:spcBef>
-              <a:buNone/>
-              <a:defRPr sz="3600" kern="1200" cap="all">
-                <a:ln w="3175" cmpd="sng">
-                  <a:noFill/>
-                </a:ln>
-                <a:solidFill>
-                  <a:schemeClr val="tx1"/>
-                </a:solidFill>
-                <a:effectLst/>
-                <a:latin typeface="+mj-lt"/>
-                <a:ea typeface="+mj-ea"/>
-                <a:cs typeface="+mj-cs"/>
-              </a:defRPr>
-            </a:lvl1pPr>
-            <a:lvl2pPr eaLnBrk="1" hangingPunct="1">
-              <a:defRPr>
-                <a:solidFill>
-                  <a:schemeClr val="tx2"/>
-                </a:solidFill>
-              </a:defRPr>
-            </a:lvl2pPr>
-            <a:lvl3pPr eaLnBrk="1" hangingPunct="1">
-              <a:defRPr>
-                <a:solidFill>
-                  <a:schemeClr val="tx2"/>
-                </a:solidFill>
-              </a:defRPr>
-            </a:lvl3pPr>
-            <a:lvl4pPr eaLnBrk="1" hangingPunct="1">
-              <a:defRPr>
-                <a:solidFill>
-                  <a:schemeClr val="tx2"/>
-                </a:solidFill>
-              </a:defRPr>
-            </a:lvl4pPr>
-            <a:lvl5pPr eaLnBrk="1" hangingPunct="1">
-              <a:defRPr>
-                <a:solidFill>
-                  <a:schemeClr val="tx2"/>
-                </a:solidFill>
-              </a:defRPr>
-            </a:lvl5pPr>
-            <a:lvl6pPr eaLnBrk="1" hangingPunct="1">
-              <a:defRPr>
-                <a:solidFill>
-                  <a:schemeClr val="tx2"/>
-                </a:solidFill>
-              </a:defRPr>
-            </a:lvl6pPr>
-            <a:lvl7pPr eaLnBrk="1" hangingPunct="1">
-              <a:defRPr>
-                <a:solidFill>
-                  <a:schemeClr val="tx2"/>
-                </a:solidFill>
-              </a:defRPr>
-            </a:lvl7pPr>
-            <a:lvl8pPr eaLnBrk="1" hangingPunct="1">
-              <a:defRPr>
-                <a:solidFill>
-                  <a:schemeClr val="tx2"/>
-                </a:solidFill>
-              </a:defRPr>
-            </a:lvl8pPr>
-            <a:lvl9pPr eaLnBrk="1" hangingPunct="1">
-              <a:defRPr>
-                <a:solidFill>
-                  <a:schemeClr val="tx2"/>
-                </a:solidFill>
-              </a:defRPr>
-            </a:lvl9pPr>
-          </a:lstStyle>
-          <a:p>
-            <a:r>
-              <a:rPr lang="pt-BR" sz="3200" dirty="0"/>
-              <a:t>1.2: Hipótese </a:t>
+              <a:t>Introdução 1.5: Metodologia </a:t>
             </a:r>
           </a:p>
         </p:txBody>
@@ -13994,7 +14130,7 @@
     </p:spTree>
     <p:extLst>
       <p:ext uri="{BB962C8B-B14F-4D97-AF65-F5344CB8AC3E}">
-        <p14:creationId xmlns:p14="http://schemas.microsoft.com/office/powerpoint/2010/main" val="1094196026"/>
+        <p14:creationId xmlns:p14="http://schemas.microsoft.com/office/powerpoint/2010/main" val="906658531"/>
       </p:ext>
     </p:extLst>
   </p:cSld>
@@ -14026,7 +14162,7 @@
           <p:cNvPr id="3" name="Espaço Reservado para Conteúdo 2">
             <a:extLst>
               <a:ext uri="{FF2B5EF4-FFF2-40B4-BE49-F238E27FC236}">
-                <a16:creationId xmlns:a16="http://schemas.microsoft.com/office/drawing/2014/main" id="{9E0D75D0-8443-AD48-C426-6D33C5102956}"/>
+                <a16:creationId xmlns:a16="http://schemas.microsoft.com/office/drawing/2014/main" id="{00554AB7-6007-ECB9-7F74-08CE371652F5}"/>
               </a:ext>
             </a:extLst>
           </p:cNvPr>
@@ -14040,87 +14176,139 @@
         <p:spPr>
           <a:xfrm>
             <a:off x="335936" y="1268976"/>
-            <a:ext cx="10131425" cy="3649133"/>
+            <a:ext cx="10131425" cy="5040056"/>
           </a:xfrm>
         </p:spPr>
         <p:txBody>
-          <a:bodyPr anchor="t"/>
+          <a:bodyPr vert="horz" lIns="91440" tIns="45720" rIns="91440" bIns="45720" rtlCol="0" anchor="t">
+            <a:normAutofit lnSpcReduction="10000"/>
+          </a:bodyPr>
           <a:lstStyle/>
           <a:p>
             <a:r>
               <a:rPr lang="pt-BR" dirty="0"/>
-              <a:t>Superar especificidades</a:t>
+              <a:t>Vasto campo de pesquisa.</a:t>
             </a:r>
           </a:p>
           <a:p>
             <a:pPr lvl="1"/>
             <a:r>
               <a:rPr lang="pt-BR" dirty="0"/>
-              <a:t>Pesquisa bibliográfica com foco nas abordagens qualitativas</a:t>
+              <a:t>Problema de otimização de agendamento</a:t>
             </a:r>
           </a:p>
           <a:p>
             <a:pPr lvl="1"/>
             <a:r>
               <a:rPr lang="pt-BR" dirty="0"/>
-              <a:t>Desenvolvimento de material de pesquisa</a:t>
+              <a:t>Problema de otimização de grade horária</a:t>
             </a:r>
           </a:p>
           <a:p>
             <a:pPr lvl="1"/>
             <a:r>
-              <a:rPr lang="pt-BR" dirty="0"/>
-              <a:t>Pesquisa exploratória qualitativa</a:t>
+              <a:rPr lang="pt-BR" b="1" i="1" dirty="0"/>
+              <a:t>Educational Timetabling</a:t>
+            </a:r>
+            <a:r>
+              <a:rPr lang="pt-BR" dirty="0"/>
+              <a:t>: conjunto de problemas de grade horária relacionadas à educação (ALENCAR et al., 2019a)</a:t>
             </a:r>
           </a:p>
           <a:p>
             <a:pPr lvl="1"/>
             <a:r>
-              <a:rPr lang="pt-BR" dirty="0"/>
-              <a:t>Elicitação de requisitos (BOURQUE; FAIRLEY, 2014)</a:t>
-            </a:r>
-          </a:p>
-          <a:p>
-            <a:r>
-              <a:rPr lang="pt-BR" dirty="0"/>
-              <a:t>Modelagem conceitual do sistema</a:t>
-            </a:r>
-          </a:p>
-          <a:p>
-            <a:r>
-              <a:rPr lang="pt-BR" dirty="0"/>
-              <a:t>Análise de softwares existentes de acordo com as regras organizacionais</a:t>
+              <a:rPr lang="pt-BR" b="1" i="1" dirty="0"/>
+              <a:t>University Class Timetable</a:t>
+            </a:r>
+            <a:r>
+              <a:rPr lang="pt-BR" dirty="0"/>
+              <a:t>: grade horária que tem como recursos a se alocar a disponibilidade de professores e salas, a quantidade de alunos e os requisitos que determinada disciplina exige (WREN, 1996)</a:t>
+            </a:r>
+          </a:p>
+          <a:p>
+            <a:r>
+              <a:rPr lang="pt-BR" dirty="0"/>
+              <a:t>Termos Gerais</a:t>
             </a:r>
           </a:p>
           <a:p>
             <a:pPr lvl="1"/>
             <a:r>
-              <a:rPr lang="pt-BR" dirty="0"/>
-              <a:t>Desenvolvimento do sistema de suporte à decisão para criação da grade horária</a:t>
-            </a:r>
-          </a:p>
-          <a:p>
-            <a:r>
-              <a:rPr lang="pt-BR" dirty="0"/>
-              <a:t>Mensuração da satisfação dos </a:t>
+              <a:rPr lang="pt-BR" b="1" dirty="0"/>
+              <a:t>Grade Horária (</a:t>
+            </a:r>
+            <a:r>
+              <a:rPr lang="pt-BR" b="1" i="1" dirty="0"/>
+              <a:t>timetable</a:t>
+            </a:r>
+            <a:r>
+              <a:rPr lang="pt-BR" b="1" dirty="0"/>
+              <a:t>)</a:t>
+            </a:r>
+            <a:r>
+              <a:rPr lang="pt-BR" dirty="0"/>
+              <a:t>: uma estrutura que mostra quando que eventos ocorrerão, não havendo necessariamente a alocação de recursos (WREN, 1996). Neste trabalho será considerado </a:t>
             </a:r>
             <a:r>
               <a:rPr lang="pt-BR" i="1" dirty="0"/>
-              <a:t>stakeholders</a:t>
-            </a:r>
-            <a:r>
-              <a:rPr lang="pt-BR" dirty="0"/>
-              <a:t> e aplicabilidade do software</a:t>
-            </a:r>
-          </a:p>
-        </p:txBody>
-      </p:sp>
-      <p:sp>
-        <p:nvSpPr>
-          <p:cNvPr id="7" name="Título 1">
+              <a:t>timetable </a:t>
+            </a:r>
+            <a:r>
+              <a:rPr lang="pt-BR" dirty="0"/>
+              <a:t>como um pacote de valores (Professores x Disciplinas x Sala x Alunos x Horários x Dias) distribuídos em uma só estrutura.</a:t>
+            </a:r>
+          </a:p>
+          <a:p>
+            <a:pPr lvl="2"/>
+            <a:r>
+              <a:rPr lang="pt-BR" dirty="0"/>
+              <a:t>Usado em diversos campos: enfermeiros, esportes, funcionários e transportes são alguns.</a:t>
+            </a:r>
+          </a:p>
+          <a:p>
+            <a:pPr lvl="1"/>
+            <a:r>
+              <a:rPr lang="pt-BR" b="1" dirty="0"/>
+              <a:t>Alocação</a:t>
+            </a:r>
+            <a:r>
+              <a:rPr lang="pt-BR" dirty="0"/>
+              <a:t>: criar qualquer relação entre as dimensões.</a:t>
+            </a:r>
+            <a:endParaRPr lang="pt-BR" b="1" dirty="0"/>
+          </a:p>
+          <a:p>
+            <a:pPr lvl="1"/>
+            <a:r>
+              <a:rPr lang="pt-BR" b="1" dirty="0"/>
+              <a:t>Restrições rígidas e flexíveis (</a:t>
+            </a:r>
+            <a:r>
+              <a:rPr lang="pt-BR" b="1" i="1" dirty="0"/>
+              <a:t>hard and soft constraints</a:t>
+            </a:r>
+            <a:r>
+              <a:rPr lang="pt-BR" b="1" dirty="0"/>
+              <a:t>)</a:t>
+            </a:r>
+            <a:r>
+              <a:rPr lang="pt-BR" dirty="0"/>
+              <a:t>: rígidas são de atendimento obrigatório, enquanto as restrições maleáveis são opcionais, mas convenientes para melhorar a qualidade da solução obtida. (ALENCAR et al., 2019a)</a:t>
+            </a:r>
+          </a:p>
+          <a:p>
+            <a:pPr lvl="1"/>
+            <a:endParaRPr lang="pt-BR" dirty="0"/>
+          </a:p>
+        </p:txBody>
+      </p:sp>
+      <p:sp>
+        <p:nvSpPr>
+          <p:cNvPr id="4" name="Título 1">
             <a:extLst>
               <a:ext uri="{FF2B5EF4-FFF2-40B4-BE49-F238E27FC236}">
-                <a16:creationId xmlns:a16="http://schemas.microsoft.com/office/drawing/2014/main" id="{C060EFD6-73BB-D1DC-CDA2-086DB13FDA1D}"/>
+                <a16:creationId xmlns:a16="http://schemas.microsoft.com/office/drawing/2014/main" id="{87B18718-B08B-653A-2100-BC6DC72B7E94}"/>
               </a:ext>
             </a:extLst>
           </p:cNvPr>
@@ -14222,7 +14410,7 @@
           <a:p>
             <a:r>
               <a:rPr lang="pt-BR" dirty="0"/>
-              <a:t>Introdução 1.5: Metodologia </a:t>
+              <a:t>Contexto acadêmico 2.1: Definição de termos</a:t>
             </a:r>
           </a:p>
         </p:txBody>
@@ -14230,7 +14418,7 @@
     </p:spTree>
     <p:extLst>
       <p:ext uri="{BB962C8B-B14F-4D97-AF65-F5344CB8AC3E}">
-        <p14:creationId xmlns:p14="http://schemas.microsoft.com/office/powerpoint/2010/main" val="906658531"/>
+        <p14:creationId xmlns:p14="http://schemas.microsoft.com/office/powerpoint/2010/main" val="834444332"/>
       </p:ext>
     </p:extLst>
   </p:cSld>
@@ -14241,7 +14429,7 @@
 </file>
 
 <file path=ppt/slides/slide8.xml><?xml version="1.0" encoding="utf-8"?>
-<p:sld xmlns:a="http://schemas.openxmlformats.org/drawingml/2006/main" xmlns:r="http://schemas.openxmlformats.org/officeDocument/2006/relationships" xmlns:p="http://schemas.openxmlformats.org/presentationml/2006/main" show="0">
+<p:sld xmlns:a="http://schemas.openxmlformats.org/drawingml/2006/main" xmlns:r="http://schemas.openxmlformats.org/officeDocument/2006/relationships" xmlns:p="http://schemas.openxmlformats.org/presentationml/2006/main">
   <p:cSld>
     <p:spTree>
       <p:nvGrpSpPr>
@@ -14259,64 +14447,10 @@
       </p:grpSpPr>
       <p:sp>
         <p:nvSpPr>
-          <p:cNvPr id="3" name="Espaço Reservado para Conteúdo 2">
+          <p:cNvPr id="2" name="Título 1">
             <a:extLst>
               <a:ext uri="{FF2B5EF4-FFF2-40B4-BE49-F238E27FC236}">
-                <a16:creationId xmlns:a16="http://schemas.microsoft.com/office/drawing/2014/main" id="{9E0D75D0-8443-AD48-C426-6D33C5102956}"/>
-              </a:ext>
-            </a:extLst>
-          </p:cNvPr>
-          <p:cNvSpPr>
-            <a:spLocks noGrp="1"/>
-          </p:cNvSpPr>
-          <p:nvPr>
-            <p:ph idx="1"/>
-          </p:nvPr>
-        </p:nvSpPr>
-        <p:spPr>
-          <a:xfrm>
-            <a:off x="335936" y="1268976"/>
-            <a:ext cx="10080112" cy="3649133"/>
-          </a:xfrm>
-        </p:spPr>
-        <p:txBody>
-          <a:bodyPr anchor="t"/>
-          <a:lstStyle/>
-          <a:p>
-            <a:pPr marL="342900" indent="-342900">
-              <a:buFont typeface="+mj-lt"/>
-              <a:buAutoNum type="arabicPeriod"/>
-            </a:pPr>
-            <a:r>
-              <a:rPr lang="pt-BR" dirty="0"/>
-              <a:t>Softwares atualmente existentes para solução de grade horária não apresentam completas capacidades de se moldar à instituições específicas</a:t>
-            </a:r>
-          </a:p>
-          <a:p>
-            <a:pPr marL="342900" indent="-342900">
-              <a:buFont typeface="+mj-lt"/>
-              <a:buAutoNum type="arabicPeriod"/>
-            </a:pPr>
-            <a:r>
-              <a:rPr lang="pt-BR" dirty="0"/>
-              <a:t>O software a ser desenvolvido trará uma solução plausível às exigências da instituição.</a:t>
-            </a:r>
-          </a:p>
-          <a:p>
-            <a:pPr marL="342900" indent="-342900">
-              <a:buFont typeface="+mj-lt"/>
-              <a:buAutoNum type="arabicPeriod"/>
-            </a:pPr>
-            <a:endParaRPr lang="pt-BR" dirty="0"/>
-          </a:p>
-        </p:txBody>
-      </p:sp>
-      <p:sp>
-        <p:nvSpPr>
-          <p:cNvPr id="7" name="Título 1">
-            <a:extLst>
-              <a:ext uri="{FF2B5EF4-FFF2-40B4-BE49-F238E27FC236}">
-                <a16:creationId xmlns:a16="http://schemas.microsoft.com/office/drawing/2014/main" id="{C060EFD6-73BB-D1DC-CDA2-086DB13FDA1D}"/>
+                <a16:creationId xmlns:a16="http://schemas.microsoft.com/office/drawing/2014/main" id="{F27AA5A2-960B-C659-8861-6C39FCC0489B}"/>
               </a:ext>
             </a:extLst>
           </p:cNvPr>
@@ -14328,7 +14462,7 @@
         <p:spPr>
           <a:xfrm>
             <a:off x="0" y="-9831"/>
-            <a:ext cx="10131425" cy="692582"/>
+            <a:ext cx="11019099" cy="692582"/>
           </a:xfrm>
           <a:prstGeom prst="rect">
             <a:avLst/>
@@ -14418,15 +14552,126 @@
           <a:p>
             <a:r>
               <a:rPr lang="pt-BR" dirty="0"/>
-              <a:t>Introdução 1.2: Hipótese </a:t>
-            </a:r>
-          </a:p>
-        </p:txBody>
-      </p:sp>
+              <a:t>Contexto acadêmico 2.2: MÉTODOS DE resolução </a:t>
+            </a:r>
+          </a:p>
+        </p:txBody>
+      </p:sp>
+      <p:sp>
+        <p:nvSpPr>
+          <p:cNvPr id="13" name="Espaço Reservado para Rodapé 12">
+            <a:extLst>
+              <a:ext uri="{FF2B5EF4-FFF2-40B4-BE49-F238E27FC236}">
+                <a16:creationId xmlns:a16="http://schemas.microsoft.com/office/drawing/2014/main" id="{1179374A-3FD0-321C-D8B9-3F24C18F88BA}"/>
+              </a:ext>
+            </a:extLst>
+          </p:cNvPr>
+          <p:cNvSpPr>
+            <a:spLocks noGrp="1"/>
+          </p:cNvSpPr>
+          <p:nvPr>
+            <p:ph type="ftr" sz="quarter" idx="11"/>
+          </p:nvPr>
+        </p:nvSpPr>
+        <p:spPr>
+          <a:xfrm>
+            <a:off x="0" y="6579035"/>
+            <a:ext cx="7827659" cy="275759"/>
+          </a:xfrm>
+        </p:spPr>
+        <p:txBody>
+          <a:bodyPr anchor="b"/>
+          <a:lstStyle/>
+          <a:p>
+            <a:r>
+              <a:rPr lang="pt-BR" dirty="0"/>
+              <a:t>Fonte da Figura 2: (ALEGRE, 2012)</a:t>
+            </a:r>
+          </a:p>
+        </p:txBody>
+      </p:sp>
+      <p:sp>
+        <p:nvSpPr>
+          <p:cNvPr id="14" name="CaixaDeTexto 13">
+            <a:extLst>
+              <a:ext uri="{FF2B5EF4-FFF2-40B4-BE49-F238E27FC236}">
+                <a16:creationId xmlns:a16="http://schemas.microsoft.com/office/drawing/2014/main" id="{FC1349DF-1B19-F553-606B-137266395D75}"/>
+              </a:ext>
+            </a:extLst>
+          </p:cNvPr>
+          <p:cNvSpPr txBox="1"/>
+          <p:nvPr/>
+        </p:nvSpPr>
+        <p:spPr>
+          <a:xfrm>
+            <a:off x="1999510" y="899211"/>
+            <a:ext cx="7020078" cy="369332"/>
+          </a:xfrm>
+          <a:prstGeom prst="rect">
+            <a:avLst/>
+          </a:prstGeom>
+          <a:noFill/>
+        </p:spPr>
+        <p:txBody>
+          <a:bodyPr wrap="square" rtlCol="0">
+            <a:spAutoFit/>
+          </a:bodyPr>
+          <a:lstStyle/>
+          <a:p>
+            <a:r>
+              <a:rPr lang="pt-BR" dirty="0"/>
+              <a:t>Figura 2: </a:t>
+            </a:r>
+            <a:r>
+              <a:rPr lang="pt-BR" sz="1800" b="0" i="0" u="none" strike="noStrike" baseline="0" dirty="0">
+                <a:latin typeface="LMRoman12-Regular"/>
+              </a:rPr>
+              <a:t>resumo de trabalhos, parâmetros, dimensões, tempo e técnicas</a:t>
+            </a:r>
+            <a:endParaRPr lang="pt-BR" dirty="0"/>
+          </a:p>
+        </p:txBody>
+      </p:sp>
+      <p:pic>
+        <p:nvPicPr>
+          <p:cNvPr id="15" name="Imagem 14">
+            <a:extLst>
+              <a:ext uri="{FF2B5EF4-FFF2-40B4-BE49-F238E27FC236}">
+                <a16:creationId xmlns:a16="http://schemas.microsoft.com/office/drawing/2014/main" id="{B5FA801E-4B37-DC6A-477C-5B034260F4E1}"/>
+              </a:ext>
+            </a:extLst>
+          </p:cNvPr>
+          <p:cNvPicPr>
+            <a:picLocks noChangeAspect="1"/>
+          </p:cNvPicPr>
+          <p:nvPr/>
+        </p:nvPicPr>
+        <p:blipFill>
+          <a:blip r:embed="rId2">
+            <a:extLst>
+              <a:ext uri="{28A0092B-C50C-407E-A947-70E740481C1C}">
+                <a14:useLocalDpi xmlns:a14="http://schemas.microsoft.com/office/drawing/2010/main" val="0"/>
+              </a:ext>
+            </a:extLst>
+          </a:blip>
+          <a:stretch>
+            <a:fillRect/>
+          </a:stretch>
+        </p:blipFill>
+        <p:spPr>
+          <a:xfrm>
+            <a:off x="2359514" y="1268543"/>
+            <a:ext cx="6300070" cy="5292058"/>
+          </a:xfrm>
+          <a:prstGeom prst="rect">
+            <a:avLst/>
+          </a:prstGeom>
+        </p:spPr>
+      </p:pic>
     </p:spTree>
     <p:extLst>
       <p:ext uri="{BB962C8B-B14F-4D97-AF65-F5344CB8AC3E}">
-        <p14:creationId xmlns:p14="http://schemas.microsoft.com/office/powerpoint/2010/main" val="3857852064"/>
+        <p14:creationId xmlns:p14="http://schemas.microsoft.com/office/powerpoint/2010/main" val="1940543486"/>
       </p:ext>
     </p:extLst>
   </p:cSld>
@@ -14437,7 +14682,7 @@
 </file>
 
 <file path=ppt/slides/slide9.xml><?xml version="1.0" encoding="utf-8"?>
-<p:sld xmlns:a="http://schemas.openxmlformats.org/drawingml/2006/main" xmlns:r="http://schemas.openxmlformats.org/officeDocument/2006/relationships" xmlns:p="http://schemas.openxmlformats.org/presentationml/2006/main" show="0">
+<p:sld xmlns:a="http://schemas.openxmlformats.org/drawingml/2006/main" xmlns:r="http://schemas.openxmlformats.org/officeDocument/2006/relationships" xmlns:p="http://schemas.openxmlformats.org/presentationml/2006/main">
   <p:cSld>
     <p:spTree>
       <p:nvGrpSpPr>
@@ -14455,115 +14700,10 @@
       </p:grpSpPr>
       <p:sp>
         <p:nvSpPr>
-          <p:cNvPr id="3" name="Espaço Reservado para Conteúdo 2">
+          <p:cNvPr id="2" name="Título 1">
             <a:extLst>
               <a:ext uri="{FF2B5EF4-FFF2-40B4-BE49-F238E27FC236}">
-                <a16:creationId xmlns:a16="http://schemas.microsoft.com/office/drawing/2014/main" id="{9E0D75D0-8443-AD48-C426-6D33C5102956}"/>
-              </a:ext>
-            </a:extLst>
-          </p:cNvPr>
-          <p:cNvSpPr>
-            <a:spLocks noGrp="1"/>
-          </p:cNvSpPr>
-          <p:nvPr>
-            <p:ph idx="1"/>
-          </p:nvPr>
-        </p:nvSpPr>
-        <p:spPr>
-          <a:xfrm>
-            <a:off x="335936" y="1268976"/>
-            <a:ext cx="10131425" cy="3649133"/>
-          </a:xfrm>
-        </p:spPr>
-        <p:txBody>
-          <a:bodyPr anchor="t">
-            <a:normAutofit lnSpcReduction="10000"/>
-          </a:bodyPr>
-          <a:lstStyle/>
-          <a:p>
-            <a:r>
-              <a:rPr lang="pt-BR" dirty="0"/>
-              <a:t>Gerais</a:t>
-            </a:r>
-          </a:p>
-          <a:p>
-            <a:pPr lvl="1"/>
-            <a:r>
-              <a:rPr lang="pt-BR" dirty="0"/>
-              <a:t>Encontrar soluções ótimas rapidamente</a:t>
-            </a:r>
-          </a:p>
-          <a:p>
-            <a:pPr lvl="1"/>
-            <a:r>
-              <a:rPr lang="pt-BR" dirty="0"/>
-              <a:t>Redução no tempo gasto durante o processo</a:t>
-            </a:r>
-          </a:p>
-          <a:p>
-            <a:pPr lvl="1"/>
-            <a:r>
-              <a:rPr lang="pt-BR" dirty="0"/>
-              <a:t>Redução de conflito entre disciplinas</a:t>
-            </a:r>
-          </a:p>
-          <a:p>
-            <a:pPr lvl="1"/>
-            <a:r>
-              <a:rPr lang="pt-BR" dirty="0"/>
-              <a:t>Aumentar a satisfação do público alvo</a:t>
-            </a:r>
-          </a:p>
-          <a:p>
-            <a:r>
-              <a:rPr lang="pt-BR" dirty="0"/>
-              <a:t>Específicos</a:t>
-            </a:r>
-          </a:p>
-          <a:p>
-            <a:pPr lvl="1"/>
-            <a:r>
-              <a:rPr lang="pt-BR" dirty="0"/>
-              <a:t>Entender a parte organizacional do </a:t>
-            </a:r>
-            <a:r>
-              <a:rPr lang="pt-BR" i="1" dirty="0"/>
-              <a:t>timetabling</a:t>
-            </a:r>
-            <a:r>
-              <a:rPr lang="pt-BR" dirty="0"/>
-              <a:t> na UENF</a:t>
-            </a:r>
-          </a:p>
-          <a:p>
-            <a:pPr lvl="1"/>
-            <a:r>
-              <a:rPr lang="pt-BR" dirty="0"/>
-              <a:t>Elicitação de requisitos</a:t>
-            </a:r>
-          </a:p>
-          <a:p>
-            <a:pPr lvl="1"/>
-            <a:r>
-              <a:rPr lang="pt-BR" dirty="0"/>
-              <a:t>Modelagem do sistema de acordo com os requisitos</a:t>
-            </a:r>
-          </a:p>
-          <a:p>
-            <a:pPr lvl="1"/>
-            <a:r>
-              <a:rPr lang="pt-BR" dirty="0"/>
-              <a:t>Incentivar o uso de uma ferramenta centralizada</a:t>
-            </a:r>
-          </a:p>
-        </p:txBody>
-      </p:sp>
-      <p:sp>
-        <p:nvSpPr>
-          <p:cNvPr id="7" name="Título 1">
-            <a:extLst>
-              <a:ext uri="{FF2B5EF4-FFF2-40B4-BE49-F238E27FC236}">
-                <a16:creationId xmlns:a16="http://schemas.microsoft.com/office/drawing/2014/main" id="{C060EFD6-73BB-D1DC-CDA2-086DB13FDA1D}"/>
+                <a16:creationId xmlns:a16="http://schemas.microsoft.com/office/drawing/2014/main" id="{F27AA5A2-960B-C659-8861-6C39FCC0489B}"/>
               </a:ext>
             </a:extLst>
           </p:cNvPr>
@@ -14575,7 +14715,7 @@
         <p:spPr>
           <a:xfrm>
             <a:off x="0" y="-9831"/>
-            <a:ext cx="10131425" cy="692582"/>
+            <a:ext cx="11019099" cy="692582"/>
           </a:xfrm>
           <a:prstGeom prst="rect">
             <a:avLst/>
@@ -14665,7 +14805,111 @@
           <a:p>
             <a:r>
               <a:rPr lang="pt-BR" dirty="0"/>
-              <a:t>Introdução 1.3: Objetivos </a:t>
+              <a:t>Contexto acadêmico 2.2: MÉTODOS DE resolução </a:t>
+            </a:r>
+          </a:p>
+        </p:txBody>
+      </p:sp>
+      <p:pic>
+        <p:nvPicPr>
+          <p:cNvPr id="12" name="Imagem 11">
+            <a:extLst>
+              <a:ext uri="{FF2B5EF4-FFF2-40B4-BE49-F238E27FC236}">
+                <a16:creationId xmlns:a16="http://schemas.microsoft.com/office/drawing/2014/main" id="{C02924D7-B275-1612-7DE5-28708BED53C1}"/>
+              </a:ext>
+            </a:extLst>
+          </p:cNvPr>
+          <p:cNvPicPr>
+            <a:picLocks noChangeAspect="1"/>
+          </p:cNvPicPr>
+          <p:nvPr/>
+        </p:nvPicPr>
+        <p:blipFill rotWithShape="1">
+          <a:blip r:embed="rId2">
+            <a:extLst>
+              <a:ext uri="{28A0092B-C50C-407E-A947-70E740481C1C}">
+                <a14:useLocalDpi xmlns:a14="http://schemas.microsoft.com/office/drawing/2010/main" val="0"/>
+              </a:ext>
+            </a:extLst>
+          </a:blip>
+          <a:srcRect r="4381"/>
+          <a:stretch/>
+        </p:blipFill>
+        <p:spPr>
+          <a:xfrm>
+            <a:off x="267250" y="1266883"/>
+            <a:ext cx="11657499" cy="4140046"/>
+          </a:xfrm>
+          <a:prstGeom prst="rect">
+            <a:avLst/>
+          </a:prstGeom>
+        </p:spPr>
+      </p:pic>
+      <p:sp>
+        <p:nvSpPr>
+          <p:cNvPr id="5" name="Espaço Reservado para Rodapé 12">
+            <a:extLst>
+              <a:ext uri="{FF2B5EF4-FFF2-40B4-BE49-F238E27FC236}">
+                <a16:creationId xmlns:a16="http://schemas.microsoft.com/office/drawing/2014/main" id="{893CFE51-A1AA-C7FD-E839-E1888AC027BB}"/>
+              </a:ext>
+            </a:extLst>
+          </p:cNvPr>
+          <p:cNvSpPr>
+            <a:spLocks noGrp="1"/>
+          </p:cNvSpPr>
+          <p:nvPr>
+            <p:ph type="ftr" sz="quarter" idx="11"/>
+          </p:nvPr>
+        </p:nvSpPr>
+        <p:spPr>
+          <a:xfrm>
+            <a:off x="0" y="6579035"/>
+            <a:ext cx="7827659" cy="265512"/>
+          </a:xfrm>
+        </p:spPr>
+        <p:txBody>
+          <a:bodyPr anchor="b"/>
+          <a:lstStyle/>
+          <a:p>
+            <a:r>
+              <a:rPr lang="pt-BR" dirty="0"/>
+              <a:t>Fonte da Figura 3: (ARRATIA-MARTINEZ; MAYA-PADRON; AVILA-TORRES, 2021) - editado pelo autor</a:t>
+            </a:r>
+          </a:p>
+        </p:txBody>
+      </p:sp>
+      <p:sp>
+        <p:nvSpPr>
+          <p:cNvPr id="6" name="CaixaDeTexto 5">
+            <a:extLst>
+              <a:ext uri="{FF2B5EF4-FFF2-40B4-BE49-F238E27FC236}">
+                <a16:creationId xmlns:a16="http://schemas.microsoft.com/office/drawing/2014/main" id="{3E6ECC32-FD60-B76B-5372-D5BD62DCEC58}"/>
+              </a:ext>
+            </a:extLst>
+          </p:cNvPr>
+          <p:cNvSpPr txBox="1"/>
+          <p:nvPr/>
+        </p:nvSpPr>
+        <p:spPr>
+          <a:xfrm>
+            <a:off x="2158455" y="899472"/>
+            <a:ext cx="7875088" cy="369332"/>
+          </a:xfrm>
+          <a:prstGeom prst="rect">
+            <a:avLst/>
+          </a:prstGeom>
+          <a:noFill/>
+        </p:spPr>
+        <p:txBody>
+          <a:bodyPr wrap="square" rtlCol="0">
+            <a:spAutoFit/>
+          </a:bodyPr>
+          <a:lstStyle/>
+          <a:p>
+            <a:pPr algn="ctr"/>
+            <a:r>
+              <a:rPr lang="pt-BR" dirty="0"/>
+              <a:t>Figura 3: comparação entre artigos que solucionam o problema de grade horária</a:t>
             </a:r>
           </a:p>
         </p:txBody>
@@ -14673,7 +14917,7 @@
     </p:spTree>
     <p:extLst>
       <p:ext uri="{BB962C8B-B14F-4D97-AF65-F5344CB8AC3E}">
-        <p14:creationId xmlns:p14="http://schemas.microsoft.com/office/powerpoint/2010/main" val="2063603088"/>
+        <p14:creationId xmlns:p14="http://schemas.microsoft.com/office/powerpoint/2010/main" val="1351650434"/>
       </p:ext>
     </p:extLst>
   </p:cSld>
